--- a/Code for Bharat.pptx
+++ b/Code for Bharat.pptx
@@ -2,23 +2,21 @@
 <file path=ppt/presentation.xml><?xml version="1.0" encoding="utf-8"?>
 <p:presentation xmlns:a="http://schemas.openxmlformats.org/drawingml/2006/main" xmlns:r="http://schemas.openxmlformats.org/officeDocument/2006/relationships" xmlns:p="http://schemas.openxmlformats.org/presentationml/2006/main" showSpecialPlsOnTitleSld="0" saveSubsetFonts="1">
   <p:sldMasterIdLst>
-    <p:sldMasterId id="2147483672" r:id="rId1"/>
+    <p:sldMasterId id="2147483745" r:id="rId1"/>
   </p:sldMasterIdLst>
   <p:notesMasterIdLst>
-    <p:notesMasterId r:id="rId13"/>
+    <p:notesMasterId r:id="rId11"/>
   </p:notesMasterIdLst>
   <p:sldIdLst>
-    <p:sldId id="257" r:id="rId2"/>
-    <p:sldId id="256" r:id="rId3"/>
-    <p:sldId id="258" r:id="rId4"/>
-    <p:sldId id="259" r:id="rId5"/>
-    <p:sldId id="265" r:id="rId6"/>
-    <p:sldId id="260" r:id="rId7"/>
-    <p:sldId id="266" r:id="rId8"/>
-    <p:sldId id="261" r:id="rId9"/>
-    <p:sldId id="262" r:id="rId10"/>
-    <p:sldId id="267" r:id="rId11"/>
-    <p:sldId id="264" r:id="rId12"/>
+    <p:sldId id="268" r:id="rId2"/>
+    <p:sldId id="269" r:id="rId3"/>
+    <p:sldId id="270" r:id="rId4"/>
+    <p:sldId id="271" r:id="rId5"/>
+    <p:sldId id="272" r:id="rId6"/>
+    <p:sldId id="273" r:id="rId7"/>
+    <p:sldId id="275" r:id="rId8"/>
+    <p:sldId id="277" r:id="rId9"/>
+    <p:sldId id="276" r:id="rId10"/>
   </p:sldIdLst>
   <p:sldSz cx="12192000" cy="6858000"/>
   <p:notesSz cx="6858000" cy="9144000"/>
@@ -26,7 +24,7 @@
     <a:defPPr>
       <a:defRPr lang="en-US"/>
     </a:defPPr>
-    <a:lvl1pPr marL="0" algn="l" defTabSz="457200" rtl="0" eaLnBrk="1" latinLnBrk="0" hangingPunct="1">
+    <a:lvl1pPr marL="0" algn="l" defTabSz="914400" rtl="0" eaLnBrk="1" latinLnBrk="0" hangingPunct="1">
       <a:defRPr sz="1800" kern="1200">
         <a:solidFill>
           <a:schemeClr val="tx1"/>
@@ -36,7 +34,7 @@
         <a:cs typeface="+mn-cs"/>
       </a:defRPr>
     </a:lvl1pPr>
-    <a:lvl2pPr marL="457200" algn="l" defTabSz="457200" rtl="0" eaLnBrk="1" latinLnBrk="0" hangingPunct="1">
+    <a:lvl2pPr marL="457200" algn="l" defTabSz="914400" rtl="0" eaLnBrk="1" latinLnBrk="0" hangingPunct="1">
       <a:defRPr sz="1800" kern="1200">
         <a:solidFill>
           <a:schemeClr val="tx1"/>
@@ -46,7 +44,7 @@
         <a:cs typeface="+mn-cs"/>
       </a:defRPr>
     </a:lvl2pPr>
-    <a:lvl3pPr marL="914400" algn="l" defTabSz="457200" rtl="0" eaLnBrk="1" latinLnBrk="0" hangingPunct="1">
+    <a:lvl3pPr marL="914400" algn="l" defTabSz="914400" rtl="0" eaLnBrk="1" latinLnBrk="0" hangingPunct="1">
       <a:defRPr sz="1800" kern="1200">
         <a:solidFill>
           <a:schemeClr val="tx1"/>
@@ -56,7 +54,7 @@
         <a:cs typeface="+mn-cs"/>
       </a:defRPr>
     </a:lvl3pPr>
-    <a:lvl4pPr marL="1371600" algn="l" defTabSz="457200" rtl="0" eaLnBrk="1" latinLnBrk="0" hangingPunct="1">
+    <a:lvl4pPr marL="1371600" algn="l" defTabSz="914400" rtl="0" eaLnBrk="1" latinLnBrk="0" hangingPunct="1">
       <a:defRPr sz="1800" kern="1200">
         <a:solidFill>
           <a:schemeClr val="tx1"/>
@@ -66,7 +64,7 @@
         <a:cs typeface="+mn-cs"/>
       </a:defRPr>
     </a:lvl4pPr>
-    <a:lvl5pPr marL="1828800" algn="l" defTabSz="457200" rtl="0" eaLnBrk="1" latinLnBrk="0" hangingPunct="1">
+    <a:lvl5pPr marL="1828800" algn="l" defTabSz="914400" rtl="0" eaLnBrk="1" latinLnBrk="0" hangingPunct="1">
       <a:defRPr sz="1800" kern="1200">
         <a:solidFill>
           <a:schemeClr val="tx1"/>
@@ -76,7 +74,7 @@
         <a:cs typeface="+mn-cs"/>
       </a:defRPr>
     </a:lvl5pPr>
-    <a:lvl6pPr marL="2286000" algn="l" defTabSz="457200" rtl="0" eaLnBrk="1" latinLnBrk="0" hangingPunct="1">
+    <a:lvl6pPr marL="2286000" algn="l" defTabSz="914400" rtl="0" eaLnBrk="1" latinLnBrk="0" hangingPunct="1">
       <a:defRPr sz="1800" kern="1200">
         <a:solidFill>
           <a:schemeClr val="tx1"/>
@@ -86,7 +84,7 @@
         <a:cs typeface="+mn-cs"/>
       </a:defRPr>
     </a:lvl6pPr>
-    <a:lvl7pPr marL="2743200" algn="l" defTabSz="457200" rtl="0" eaLnBrk="1" latinLnBrk="0" hangingPunct="1">
+    <a:lvl7pPr marL="2743200" algn="l" defTabSz="914400" rtl="0" eaLnBrk="1" latinLnBrk="0" hangingPunct="1">
       <a:defRPr sz="1800" kern="1200">
         <a:solidFill>
           <a:schemeClr val="tx1"/>
@@ -96,7 +94,7 @@
         <a:cs typeface="+mn-cs"/>
       </a:defRPr>
     </a:lvl7pPr>
-    <a:lvl8pPr marL="3200400" algn="l" defTabSz="457200" rtl="0" eaLnBrk="1" latinLnBrk="0" hangingPunct="1">
+    <a:lvl8pPr marL="3200400" algn="l" defTabSz="914400" rtl="0" eaLnBrk="1" latinLnBrk="0" hangingPunct="1">
       <a:defRPr sz="1800" kern="1200">
         <a:solidFill>
           <a:schemeClr val="tx1"/>
@@ -106,7 +104,7 @@
         <a:cs typeface="+mn-cs"/>
       </a:defRPr>
     </a:lvl8pPr>
-    <a:lvl9pPr marL="3657600" algn="l" defTabSz="457200" rtl="0" eaLnBrk="1" latinLnBrk="0" hangingPunct="1">
+    <a:lvl9pPr marL="3657600" algn="l" defTabSz="914400" rtl="0" eaLnBrk="1" latinLnBrk="0" hangingPunct="1">
       <a:defRPr sz="1800" kern="1200">
         <a:solidFill>
           <a:schemeClr val="tx1"/>
@@ -123,6 +121,73 @@
     </p:ext>
   </p:extLst>
 </p:presentation>
+</file>
+
+<file path=ppt/revisionInfo.xml><?xml version="1.0" encoding="utf-8"?>
+<p1510:revInfo xmlns:a="http://schemas.openxmlformats.org/drawingml/2006/main" xmlns:r="http://schemas.openxmlformats.org/officeDocument/2006/relationships" xmlns:p1510="http://schemas.microsoft.com/office/powerpoint/2015/10/main">
+  <p1510:revLst>
+    <p1510:client id="{CC693D84-7DC0-43F5-87B2-ECF4DD8BE162}" v="88" dt="2025-05-14T12:09:58.118"/>
+  </p1510:revLst>
+</p1510:revInfo>
+</file>
+
+<file path=ppt/changesInfos/changesInfo1.xml><?xml version="1.0" encoding="utf-8"?>
+<pc:chgInfo xmlns:a="http://schemas.openxmlformats.org/drawingml/2006/main" xmlns:r="http://schemas.openxmlformats.org/officeDocument/2006/relationships" xmlns:ac="http://schemas.microsoft.com/office/drawing/2013/main/command" xmlns:pc="http://schemas.microsoft.com/office/powerpoint/2013/main/command">
+  <pc:docChgLst>
+    <pc:chgData name="Shruti Rani" userId="1d79e34810676951" providerId="LiveId" clId="{83A3D394-BCD7-40B7-B31F-A41927A096D1}"/>
+    <pc:docChg chg="custSel addSld delSld modSld">
+      <pc:chgData name="Shruti Rani" userId="1d79e34810676951" providerId="LiveId" clId="{83A3D394-BCD7-40B7-B31F-A41927A096D1}" dt="2025-05-14T12:48:13.955" v="17" actId="14100"/>
+      <pc:docMkLst>
+        <pc:docMk/>
+      </pc:docMkLst>
+      <pc:sldChg chg="del">
+        <pc:chgData name="Shruti Rani" userId="1d79e34810676951" providerId="LiveId" clId="{83A3D394-BCD7-40B7-B31F-A41927A096D1}" dt="2025-05-14T12:46:07.851" v="8" actId="2696"/>
+        <pc:sldMkLst>
+          <pc:docMk/>
+          <pc:sldMk cId="655126578" sldId="274"/>
+        </pc:sldMkLst>
+      </pc:sldChg>
+      <pc:sldChg chg="addSp delSp modSp mod">
+        <pc:chgData name="Shruti Rani" userId="1d79e34810676951" providerId="LiveId" clId="{83A3D394-BCD7-40B7-B31F-A41927A096D1}" dt="2025-05-14T12:48:13.955" v="17" actId="14100"/>
+        <pc:sldMkLst>
+          <pc:docMk/>
+          <pc:sldMk cId="1512195436" sldId="275"/>
+        </pc:sldMkLst>
+        <pc:picChg chg="add del mod">
+          <ac:chgData name="Shruti Rani" userId="1d79e34810676951" providerId="LiveId" clId="{83A3D394-BCD7-40B7-B31F-A41927A096D1}" dt="2025-05-14T12:46:30.484" v="10" actId="21"/>
+          <ac:picMkLst>
+            <pc:docMk/>
+            <pc:sldMk cId="1512195436" sldId="275"/>
+            <ac:picMk id="7" creationId="{811E1D45-1490-B068-EB46-FA64CB3AF290}"/>
+          </ac:picMkLst>
+        </pc:picChg>
+        <pc:picChg chg="add mod">
+          <ac:chgData name="Shruti Rani" userId="1d79e34810676951" providerId="LiveId" clId="{83A3D394-BCD7-40B7-B31F-A41927A096D1}" dt="2025-05-14T12:48:13.955" v="17" actId="14100"/>
+          <ac:picMkLst>
+            <pc:docMk/>
+            <pc:sldMk cId="1512195436" sldId="275"/>
+            <ac:picMk id="10" creationId="{576C4925-24CF-6F2A-476C-06700377290E}"/>
+          </ac:picMkLst>
+        </pc:picChg>
+        <pc:picChg chg="del">
+          <ac:chgData name="Shruti Rani" userId="1d79e34810676951" providerId="LiveId" clId="{83A3D394-BCD7-40B7-B31F-A41927A096D1}" dt="2025-05-14T12:46:24.194" v="9" actId="21"/>
+          <ac:picMkLst>
+            <pc:docMk/>
+            <pc:sldMk cId="1512195436" sldId="275"/>
+            <ac:picMk id="11" creationId="{A82BCDB0-DFEE-5BF1-5C24-AB760F558B1C}"/>
+          </ac:picMkLst>
+        </pc:picChg>
+      </pc:sldChg>
+      <pc:sldChg chg="add">
+        <pc:chgData name="Shruti Rani" userId="1d79e34810676951" providerId="LiveId" clId="{83A3D394-BCD7-40B7-B31F-A41927A096D1}" dt="2025-05-14T12:45:43.123" v="7" actId="2890"/>
+        <pc:sldMkLst>
+          <pc:docMk/>
+          <pc:sldMk cId="1867568153" sldId="277"/>
+        </pc:sldMkLst>
+      </pc:sldChg>
+    </pc:docChg>
+  </pc:docChgLst>
+</pc:chgInfo>
 </file>
 
 <file path=ppt/notesMasters/notesMaster1.xml><?xml version="1.0" encoding="utf-8"?>
@@ -207,7 +272,7 @@
           <a:p>
             <a:fld id="{97A0BADB-0A6D-4092-A6B0-27E3AA56444C}" type="datetimeFigureOut">
               <a:rPr lang="en-IN" smtClean="0"/>
-              <a:t>14/05/25</a:t>
+              <a:t>14-05-2025</a:t>
             </a:fld>
             <a:endParaRPr lang="en-IN"/>
           </a:p>
@@ -494,7 +559,13 @@
       </p:grpSpPr>
       <p:sp>
         <p:nvSpPr>
-          <p:cNvPr id="2" name="Title 1"/>
+          <p:cNvPr id="2" name="Title 1">
+            <a:extLst>
+              <a:ext uri="{FF2B5EF4-FFF2-40B4-BE49-F238E27FC236}">
+                <a16:creationId xmlns:a16="http://schemas.microsoft.com/office/drawing/2014/main" id="{3F13321D-CD38-2F3A-C5AA-89538D168754}"/>
+              </a:ext>
+            </a:extLst>
+          </p:cNvPr>
           <p:cNvSpPr>
             <a:spLocks noGrp="1"/>
           </p:cNvSpPr>
@@ -520,13 +591,18 @@
               <a:rPr lang="en-US"/>
               <a:t>Click to edit Master title style</a:t>
             </a:r>
-            <a:endParaRPr lang="en-US" dirty="0"/>
-          </a:p>
-        </p:txBody>
-      </p:sp>
-      <p:sp>
-        <p:nvSpPr>
-          <p:cNvPr id="3" name="Subtitle 2"/>
+          </a:p>
+        </p:txBody>
+      </p:sp>
+      <p:sp>
+        <p:nvSpPr>
+          <p:cNvPr id="3" name="Subtitle 2">
+            <a:extLst>
+              <a:ext uri="{FF2B5EF4-FFF2-40B4-BE49-F238E27FC236}">
+                <a16:creationId xmlns:a16="http://schemas.microsoft.com/office/drawing/2014/main" id="{4988D6F7-C9FA-4A5D-3E9B-887B236D1CFE}"/>
+              </a:ext>
+            </a:extLst>
+          </p:cNvPr>
           <p:cNvSpPr>
             <a:spLocks noGrp="1"/>
           </p:cNvSpPr>
@@ -585,13 +661,18 @@
               <a:rPr lang="en-US"/>
               <a:t>Click to edit Master subtitle style</a:t>
             </a:r>
-            <a:endParaRPr lang="en-US" dirty="0"/>
-          </a:p>
-        </p:txBody>
-      </p:sp>
-      <p:sp>
-        <p:nvSpPr>
-          <p:cNvPr id="4" name="Date Placeholder 3"/>
+          </a:p>
+        </p:txBody>
+      </p:sp>
+      <p:sp>
+        <p:nvSpPr>
+          <p:cNvPr id="4" name="Date Placeholder 3">
+            <a:extLst>
+              <a:ext uri="{FF2B5EF4-FFF2-40B4-BE49-F238E27FC236}">
+                <a16:creationId xmlns:a16="http://schemas.microsoft.com/office/drawing/2014/main" id="{0C9A89C6-4FB1-F53F-F000-857CBE7F7D35}"/>
+              </a:ext>
+            </a:extLst>
+          </p:cNvPr>
           <p:cNvSpPr>
             <a:spLocks noGrp="1"/>
           </p:cNvSpPr>
@@ -606,7 +687,7 @@
           <a:p>
             <a:fld id="{1A45C29D-1E67-43CE-B101-42A911DDD761}" type="datetime1">
               <a:rPr lang="en-IN" smtClean="0"/>
-              <a:t>14/05/25</a:t>
+              <a:t>14-05-2025</a:t>
             </a:fld>
             <a:endParaRPr lang="en-IN"/>
           </a:p>
@@ -614,7 +695,13 @@
       </p:sp>
       <p:sp>
         <p:nvSpPr>
-          <p:cNvPr id="5" name="Footer Placeholder 4"/>
+          <p:cNvPr id="5" name="Footer Placeholder 4">
+            <a:extLst>
+              <a:ext uri="{FF2B5EF4-FFF2-40B4-BE49-F238E27FC236}">
+                <a16:creationId xmlns:a16="http://schemas.microsoft.com/office/drawing/2014/main" id="{0AC13B39-EF18-AA6A-681B-C881E6A1F7FB}"/>
+              </a:ext>
+            </a:extLst>
+          </p:cNvPr>
           <p:cNvSpPr>
             <a:spLocks noGrp="1"/>
           </p:cNvSpPr>
@@ -636,7 +723,13 @@
       </p:sp>
       <p:sp>
         <p:nvSpPr>
-          <p:cNvPr id="6" name="Slide Number Placeholder 5"/>
+          <p:cNvPr id="6" name="Slide Number Placeholder 5">
+            <a:extLst>
+              <a:ext uri="{FF2B5EF4-FFF2-40B4-BE49-F238E27FC236}">
+                <a16:creationId xmlns:a16="http://schemas.microsoft.com/office/drawing/2014/main" id="{0A5F9E64-5E40-8F4E-94C4-5332BB0699FF}"/>
+              </a:ext>
+            </a:extLst>
+          </p:cNvPr>
           <p:cNvSpPr>
             <a:spLocks noGrp="1"/>
           </p:cNvSpPr>
@@ -660,7 +753,7 @@
     </p:spTree>
     <p:extLst>
       <p:ext uri="{BB962C8B-B14F-4D97-AF65-F5344CB8AC3E}">
-        <p14:creationId xmlns:p14="http://schemas.microsoft.com/office/powerpoint/2010/main" val="959161087"/>
+        <p14:creationId xmlns:p14="http://schemas.microsoft.com/office/powerpoint/2010/main" val="2013493783"/>
       </p:ext>
     </p:extLst>
   </p:cSld>
@@ -689,7 +782,13 @@
       </p:grpSpPr>
       <p:sp>
         <p:nvSpPr>
-          <p:cNvPr id="2" name="Title 1"/>
+          <p:cNvPr id="2" name="Title 1">
+            <a:extLst>
+              <a:ext uri="{FF2B5EF4-FFF2-40B4-BE49-F238E27FC236}">
+                <a16:creationId xmlns:a16="http://schemas.microsoft.com/office/drawing/2014/main" id="{E69845F0-E4B2-6E0B-F7A2-AA7E845688C6}"/>
+              </a:ext>
+            </a:extLst>
+          </p:cNvPr>
           <p:cNvSpPr>
             <a:spLocks noGrp="1"/>
           </p:cNvSpPr>
@@ -706,13 +805,18 @@
               <a:rPr lang="en-US"/>
               <a:t>Click to edit Master title style</a:t>
             </a:r>
-            <a:endParaRPr lang="en-US" dirty="0"/>
-          </a:p>
-        </p:txBody>
-      </p:sp>
-      <p:sp>
-        <p:nvSpPr>
-          <p:cNvPr id="3" name="Vertical Text Placeholder 2"/>
+          </a:p>
+        </p:txBody>
+      </p:sp>
+      <p:sp>
+        <p:nvSpPr>
+          <p:cNvPr id="3" name="Vertical Text Placeholder 2">
+            <a:extLst>
+              <a:ext uri="{FF2B5EF4-FFF2-40B4-BE49-F238E27FC236}">
+                <a16:creationId xmlns:a16="http://schemas.microsoft.com/office/drawing/2014/main" id="{D49E30EE-F8F7-155F-5B92-43294F9E72F5}"/>
+              </a:ext>
+            </a:extLst>
+          </p:cNvPr>
           <p:cNvSpPr>
             <a:spLocks noGrp="1"/>
           </p:cNvSpPr>
@@ -758,13 +862,18 @@
               <a:rPr lang="en-US"/>
               <a:t>Fifth level</a:t>
             </a:r>
-            <a:endParaRPr lang="en-US" dirty="0"/>
-          </a:p>
-        </p:txBody>
-      </p:sp>
-      <p:sp>
-        <p:nvSpPr>
-          <p:cNvPr id="4" name="Date Placeholder 3"/>
+          </a:p>
+        </p:txBody>
+      </p:sp>
+      <p:sp>
+        <p:nvSpPr>
+          <p:cNvPr id="4" name="Date Placeholder 3">
+            <a:extLst>
+              <a:ext uri="{FF2B5EF4-FFF2-40B4-BE49-F238E27FC236}">
+                <a16:creationId xmlns:a16="http://schemas.microsoft.com/office/drawing/2014/main" id="{26AD43E4-80CF-3A06-DC8F-1F96A4B62AEA}"/>
+              </a:ext>
+            </a:extLst>
+          </p:cNvPr>
           <p:cNvSpPr>
             <a:spLocks noGrp="1"/>
           </p:cNvSpPr>
@@ -777,9 +886,9 @@
           <a:bodyPr/>
           <a:lstStyle/>
           <a:p>
-            <a:fld id="{E033DB78-9D39-4D8A-84B3-797453FBD3C6}" type="datetime1">
+            <a:fld id="{11A10D73-B1C8-4950-AB52-4280F613E314}" type="datetime1">
               <a:rPr lang="en-IN" smtClean="0"/>
-              <a:t>14/05/25</a:t>
+              <a:t>14-05-2025</a:t>
             </a:fld>
             <a:endParaRPr lang="en-IN"/>
           </a:p>
@@ -787,7 +896,13 @@
       </p:sp>
       <p:sp>
         <p:nvSpPr>
-          <p:cNvPr id="5" name="Footer Placeholder 4"/>
+          <p:cNvPr id="5" name="Footer Placeholder 4">
+            <a:extLst>
+              <a:ext uri="{FF2B5EF4-FFF2-40B4-BE49-F238E27FC236}">
+                <a16:creationId xmlns:a16="http://schemas.microsoft.com/office/drawing/2014/main" id="{74A4DA58-7297-1CC3-A260-38E1D2D774BF}"/>
+              </a:ext>
+            </a:extLst>
+          </p:cNvPr>
           <p:cNvSpPr>
             <a:spLocks noGrp="1"/>
           </p:cNvSpPr>
@@ -809,7 +924,13 @@
       </p:sp>
       <p:sp>
         <p:nvSpPr>
-          <p:cNvPr id="6" name="Slide Number Placeholder 5"/>
+          <p:cNvPr id="6" name="Slide Number Placeholder 5">
+            <a:extLst>
+              <a:ext uri="{FF2B5EF4-FFF2-40B4-BE49-F238E27FC236}">
+                <a16:creationId xmlns:a16="http://schemas.microsoft.com/office/drawing/2014/main" id="{EC85AD73-0697-B90D-99D7-21467D72503E}"/>
+              </a:ext>
+            </a:extLst>
+          </p:cNvPr>
           <p:cNvSpPr>
             <a:spLocks noGrp="1"/>
           </p:cNvSpPr>
@@ -833,13 +954,14 @@
     </p:spTree>
     <p:extLst>
       <p:ext uri="{BB962C8B-B14F-4D97-AF65-F5344CB8AC3E}">
-        <p14:creationId xmlns:p14="http://schemas.microsoft.com/office/powerpoint/2010/main" val="1661279402"/>
+        <p14:creationId xmlns:p14="http://schemas.microsoft.com/office/powerpoint/2010/main" val="2527671106"/>
       </p:ext>
     </p:extLst>
   </p:cSld>
   <p:clrMapOvr>
     <a:masterClrMapping/>
   </p:clrMapOvr>
+  <p:hf hdr="0" ftr="0"/>
 </p:sldLayout>
 </file>
 
@@ -862,7 +984,13 @@
       </p:grpSpPr>
       <p:sp>
         <p:nvSpPr>
-          <p:cNvPr id="2" name="Vertical Title 1"/>
+          <p:cNvPr id="2" name="Vertical Title 1">
+            <a:extLst>
+              <a:ext uri="{FF2B5EF4-FFF2-40B4-BE49-F238E27FC236}">
+                <a16:creationId xmlns:a16="http://schemas.microsoft.com/office/drawing/2014/main" id="{713889C3-8045-E7A0-63C8-63AA1D4CCFCC}"/>
+              </a:ext>
+            </a:extLst>
+          </p:cNvPr>
           <p:cNvSpPr>
             <a:spLocks noGrp="1"/>
           </p:cNvSpPr>
@@ -884,13 +1012,18 @@
               <a:rPr lang="en-US"/>
               <a:t>Click to edit Master title style</a:t>
             </a:r>
-            <a:endParaRPr lang="en-US" dirty="0"/>
-          </a:p>
-        </p:txBody>
-      </p:sp>
-      <p:sp>
-        <p:nvSpPr>
-          <p:cNvPr id="3" name="Vertical Text Placeholder 2"/>
+          </a:p>
+        </p:txBody>
+      </p:sp>
+      <p:sp>
+        <p:nvSpPr>
+          <p:cNvPr id="3" name="Vertical Text Placeholder 2">
+            <a:extLst>
+              <a:ext uri="{FF2B5EF4-FFF2-40B4-BE49-F238E27FC236}">
+                <a16:creationId xmlns:a16="http://schemas.microsoft.com/office/drawing/2014/main" id="{64CDB240-1139-1B36-1CEF-0DE7E6435B9F}"/>
+              </a:ext>
+            </a:extLst>
+          </p:cNvPr>
           <p:cNvSpPr>
             <a:spLocks noGrp="1"/>
           </p:cNvSpPr>
@@ -941,13 +1074,18 @@
               <a:rPr lang="en-US"/>
               <a:t>Fifth level</a:t>
             </a:r>
-            <a:endParaRPr lang="en-US" dirty="0"/>
-          </a:p>
-        </p:txBody>
-      </p:sp>
-      <p:sp>
-        <p:nvSpPr>
-          <p:cNvPr id="4" name="Date Placeholder 3"/>
+          </a:p>
+        </p:txBody>
+      </p:sp>
+      <p:sp>
+        <p:nvSpPr>
+          <p:cNvPr id="4" name="Date Placeholder 3">
+            <a:extLst>
+              <a:ext uri="{FF2B5EF4-FFF2-40B4-BE49-F238E27FC236}">
+                <a16:creationId xmlns:a16="http://schemas.microsoft.com/office/drawing/2014/main" id="{E1FADDF5-C876-C210-F93F-605D66A3BCBF}"/>
+              </a:ext>
+            </a:extLst>
+          </p:cNvPr>
           <p:cNvSpPr>
             <a:spLocks noGrp="1"/>
           </p:cNvSpPr>
@@ -960,9 +1098,9 @@
           <a:bodyPr/>
           <a:lstStyle/>
           <a:p>
-            <a:fld id="{78A6DEB7-0399-4A11-8E8B-8532D5BEB52A}" type="datetime1">
+            <a:fld id="{11A10D73-B1C8-4950-AB52-4280F613E314}" type="datetime1">
               <a:rPr lang="en-IN" smtClean="0"/>
-              <a:t>14/05/25</a:t>
+              <a:t>14-05-2025</a:t>
             </a:fld>
             <a:endParaRPr lang="en-IN"/>
           </a:p>
@@ -970,7 +1108,13 @@
       </p:sp>
       <p:sp>
         <p:nvSpPr>
-          <p:cNvPr id="5" name="Footer Placeholder 4"/>
+          <p:cNvPr id="5" name="Footer Placeholder 4">
+            <a:extLst>
+              <a:ext uri="{FF2B5EF4-FFF2-40B4-BE49-F238E27FC236}">
+                <a16:creationId xmlns:a16="http://schemas.microsoft.com/office/drawing/2014/main" id="{1219784A-4EDF-0183-98D0-3B41B2D36A6E}"/>
+              </a:ext>
+            </a:extLst>
+          </p:cNvPr>
           <p:cNvSpPr>
             <a:spLocks noGrp="1"/>
           </p:cNvSpPr>
@@ -992,7 +1136,13 @@
       </p:sp>
       <p:sp>
         <p:nvSpPr>
-          <p:cNvPr id="6" name="Slide Number Placeholder 5"/>
+          <p:cNvPr id="6" name="Slide Number Placeholder 5">
+            <a:extLst>
+              <a:ext uri="{FF2B5EF4-FFF2-40B4-BE49-F238E27FC236}">
+                <a16:creationId xmlns:a16="http://schemas.microsoft.com/office/drawing/2014/main" id="{91267579-7BA1-86CD-A796-6F6583E78AA9}"/>
+              </a:ext>
+            </a:extLst>
+          </p:cNvPr>
           <p:cNvSpPr>
             <a:spLocks noGrp="1"/>
           </p:cNvSpPr>
@@ -1016,13 +1166,14 @@
     </p:spTree>
     <p:extLst>
       <p:ext uri="{BB962C8B-B14F-4D97-AF65-F5344CB8AC3E}">
-        <p14:creationId xmlns:p14="http://schemas.microsoft.com/office/powerpoint/2010/main" val="4064714525"/>
+        <p14:creationId xmlns:p14="http://schemas.microsoft.com/office/powerpoint/2010/main" val="1978406973"/>
       </p:ext>
     </p:extLst>
   </p:cSld>
   <p:clrMapOvr>
     <a:masterClrMapping/>
   </p:clrMapOvr>
+  <p:hf hdr="0" ftr="0"/>
 </p:sldLayout>
 </file>
 
@@ -1045,7 +1196,13 @@
       </p:grpSpPr>
       <p:sp>
         <p:nvSpPr>
-          <p:cNvPr id="2" name="Title 1"/>
+          <p:cNvPr id="2" name="Title 1">
+            <a:extLst>
+              <a:ext uri="{FF2B5EF4-FFF2-40B4-BE49-F238E27FC236}">
+                <a16:creationId xmlns:a16="http://schemas.microsoft.com/office/drawing/2014/main" id="{34F63512-D322-0437-8D61-22910982C3C7}"/>
+              </a:ext>
+            </a:extLst>
+          </p:cNvPr>
           <p:cNvSpPr>
             <a:spLocks noGrp="1"/>
           </p:cNvSpPr>
@@ -1062,13 +1219,18 @@
               <a:rPr lang="en-US"/>
               <a:t>Click to edit Master title style</a:t>
             </a:r>
-            <a:endParaRPr lang="en-US" dirty="0"/>
-          </a:p>
-        </p:txBody>
-      </p:sp>
-      <p:sp>
-        <p:nvSpPr>
-          <p:cNvPr id="3" name="Content Placeholder 2"/>
+          </a:p>
+        </p:txBody>
+      </p:sp>
+      <p:sp>
+        <p:nvSpPr>
+          <p:cNvPr id="3" name="Content Placeholder 2">
+            <a:extLst>
+              <a:ext uri="{FF2B5EF4-FFF2-40B4-BE49-F238E27FC236}">
+                <a16:creationId xmlns:a16="http://schemas.microsoft.com/office/drawing/2014/main" id="{C7B090E5-605E-8575-3E33-5245A2B874FE}"/>
+              </a:ext>
+            </a:extLst>
+          </p:cNvPr>
           <p:cNvSpPr>
             <a:spLocks noGrp="1"/>
           </p:cNvSpPr>
@@ -1114,13 +1276,18 @@
               <a:rPr lang="en-US"/>
               <a:t>Fifth level</a:t>
             </a:r>
-            <a:endParaRPr lang="en-US" dirty="0"/>
-          </a:p>
-        </p:txBody>
-      </p:sp>
-      <p:sp>
-        <p:nvSpPr>
-          <p:cNvPr id="4" name="Date Placeholder 3"/>
+          </a:p>
+        </p:txBody>
+      </p:sp>
+      <p:sp>
+        <p:nvSpPr>
+          <p:cNvPr id="4" name="Date Placeholder 3">
+            <a:extLst>
+              <a:ext uri="{FF2B5EF4-FFF2-40B4-BE49-F238E27FC236}">
+                <a16:creationId xmlns:a16="http://schemas.microsoft.com/office/drawing/2014/main" id="{B6A25DFA-55CC-2D2C-2120-AAAFEBC90114}"/>
+              </a:ext>
+            </a:extLst>
+          </p:cNvPr>
           <p:cNvSpPr>
             <a:spLocks noGrp="1"/>
           </p:cNvSpPr>
@@ -1133,9 +1300,9 @@
           <a:bodyPr/>
           <a:lstStyle/>
           <a:p>
-            <a:fld id="{AE9A2A5F-FEB0-48F6-B605-F9DB968BCAC1}" type="datetime1">
+            <a:fld id="{11A10D73-B1C8-4950-AB52-4280F613E314}" type="datetime1">
               <a:rPr lang="en-IN" smtClean="0"/>
-              <a:t>14/05/25</a:t>
+              <a:t>14-05-2025</a:t>
             </a:fld>
             <a:endParaRPr lang="en-IN"/>
           </a:p>
@@ -1143,7 +1310,13 @@
       </p:sp>
       <p:sp>
         <p:nvSpPr>
-          <p:cNvPr id="5" name="Footer Placeholder 4"/>
+          <p:cNvPr id="5" name="Footer Placeholder 4">
+            <a:extLst>
+              <a:ext uri="{FF2B5EF4-FFF2-40B4-BE49-F238E27FC236}">
+                <a16:creationId xmlns:a16="http://schemas.microsoft.com/office/drawing/2014/main" id="{826C6B03-CE34-AE12-84D1-13257272054B}"/>
+              </a:ext>
+            </a:extLst>
+          </p:cNvPr>
           <p:cNvSpPr>
             <a:spLocks noGrp="1"/>
           </p:cNvSpPr>
@@ -1165,7 +1338,13 @@
       </p:sp>
       <p:sp>
         <p:nvSpPr>
-          <p:cNvPr id="6" name="Slide Number Placeholder 5"/>
+          <p:cNvPr id="6" name="Slide Number Placeholder 5">
+            <a:extLst>
+              <a:ext uri="{FF2B5EF4-FFF2-40B4-BE49-F238E27FC236}">
+                <a16:creationId xmlns:a16="http://schemas.microsoft.com/office/drawing/2014/main" id="{A3FE6937-52E1-9447-F462-2B77780228D2}"/>
+              </a:ext>
+            </a:extLst>
+          </p:cNvPr>
           <p:cNvSpPr>
             <a:spLocks noGrp="1"/>
           </p:cNvSpPr>
@@ -1189,13 +1368,14 @@
     </p:spTree>
     <p:extLst>
       <p:ext uri="{BB962C8B-B14F-4D97-AF65-F5344CB8AC3E}">
-        <p14:creationId xmlns:p14="http://schemas.microsoft.com/office/powerpoint/2010/main" val="3548705666"/>
+        <p14:creationId xmlns:p14="http://schemas.microsoft.com/office/powerpoint/2010/main" val="94105769"/>
       </p:ext>
     </p:extLst>
   </p:cSld>
   <p:clrMapOvr>
     <a:masterClrMapping/>
   </p:clrMapOvr>
+  <p:hf hdr="0" ftr="0"/>
 </p:sldLayout>
 </file>
 
@@ -1218,7 +1398,13 @@
       </p:grpSpPr>
       <p:sp>
         <p:nvSpPr>
-          <p:cNvPr id="2" name="Title 1"/>
+          <p:cNvPr id="2" name="Title 1">
+            <a:extLst>
+              <a:ext uri="{FF2B5EF4-FFF2-40B4-BE49-F238E27FC236}">
+                <a16:creationId xmlns:a16="http://schemas.microsoft.com/office/drawing/2014/main" id="{05C42C45-9FD0-5667-5724-B1AF09B81681}"/>
+              </a:ext>
+            </a:extLst>
+          </p:cNvPr>
           <p:cNvSpPr>
             <a:spLocks noGrp="1"/>
           </p:cNvSpPr>
@@ -1244,13 +1430,18 @@
               <a:rPr lang="en-US"/>
               <a:t>Click to edit Master title style</a:t>
             </a:r>
-            <a:endParaRPr lang="en-US" dirty="0"/>
-          </a:p>
-        </p:txBody>
-      </p:sp>
-      <p:sp>
-        <p:nvSpPr>
-          <p:cNvPr id="3" name="Text Placeholder 2"/>
+          </a:p>
+        </p:txBody>
+      </p:sp>
+      <p:sp>
+        <p:nvSpPr>
+          <p:cNvPr id="3" name="Text Placeholder 2">
+            <a:extLst>
+              <a:ext uri="{FF2B5EF4-FFF2-40B4-BE49-F238E27FC236}">
+                <a16:creationId xmlns:a16="http://schemas.microsoft.com/office/drawing/2014/main" id="{A6DCE051-F505-E150-DDC7-72174338B013}"/>
+              </a:ext>
+            </a:extLst>
+          </p:cNvPr>
           <p:cNvSpPr>
             <a:spLocks noGrp="1"/>
           </p:cNvSpPr>
@@ -1369,7 +1560,13 @@
       </p:sp>
       <p:sp>
         <p:nvSpPr>
-          <p:cNvPr id="4" name="Date Placeholder 3"/>
+          <p:cNvPr id="4" name="Date Placeholder 3">
+            <a:extLst>
+              <a:ext uri="{FF2B5EF4-FFF2-40B4-BE49-F238E27FC236}">
+                <a16:creationId xmlns:a16="http://schemas.microsoft.com/office/drawing/2014/main" id="{FE2D53B3-1AED-4E2E-6FCD-C0C57EC01EDA}"/>
+              </a:ext>
+            </a:extLst>
+          </p:cNvPr>
           <p:cNvSpPr>
             <a:spLocks noGrp="1"/>
           </p:cNvSpPr>
@@ -1384,7 +1581,7 @@
           <a:p>
             <a:fld id="{5C39A1A0-52D3-4C59-ABFD-C685CE792BD7}" type="datetime1">
               <a:rPr lang="en-IN" smtClean="0"/>
-              <a:t>14/05/25</a:t>
+              <a:t>14-05-2025</a:t>
             </a:fld>
             <a:endParaRPr lang="en-IN"/>
           </a:p>
@@ -1392,7 +1589,13 @@
       </p:sp>
       <p:sp>
         <p:nvSpPr>
-          <p:cNvPr id="5" name="Footer Placeholder 4"/>
+          <p:cNvPr id="5" name="Footer Placeholder 4">
+            <a:extLst>
+              <a:ext uri="{FF2B5EF4-FFF2-40B4-BE49-F238E27FC236}">
+                <a16:creationId xmlns:a16="http://schemas.microsoft.com/office/drawing/2014/main" id="{300F3612-E544-322B-700C-B87C150A050D}"/>
+              </a:ext>
+            </a:extLst>
+          </p:cNvPr>
           <p:cNvSpPr>
             <a:spLocks noGrp="1"/>
           </p:cNvSpPr>
@@ -1414,7 +1617,13 @@
       </p:sp>
       <p:sp>
         <p:nvSpPr>
-          <p:cNvPr id="6" name="Slide Number Placeholder 5"/>
+          <p:cNvPr id="6" name="Slide Number Placeholder 5">
+            <a:extLst>
+              <a:ext uri="{FF2B5EF4-FFF2-40B4-BE49-F238E27FC236}">
+                <a16:creationId xmlns:a16="http://schemas.microsoft.com/office/drawing/2014/main" id="{AE415A7A-9863-0036-8806-ED5294067DAC}"/>
+              </a:ext>
+            </a:extLst>
+          </p:cNvPr>
           <p:cNvSpPr>
             <a:spLocks noGrp="1"/>
           </p:cNvSpPr>
@@ -1438,7 +1647,7 @@
     </p:spTree>
     <p:extLst>
       <p:ext uri="{BB962C8B-B14F-4D97-AF65-F5344CB8AC3E}">
-        <p14:creationId xmlns:p14="http://schemas.microsoft.com/office/powerpoint/2010/main" val="2337546197"/>
+        <p14:creationId xmlns:p14="http://schemas.microsoft.com/office/powerpoint/2010/main" val="169142913"/>
       </p:ext>
     </p:extLst>
   </p:cSld>
@@ -1467,7 +1676,13 @@
       </p:grpSpPr>
       <p:sp>
         <p:nvSpPr>
-          <p:cNvPr id="2" name="Title 1"/>
+          <p:cNvPr id="2" name="Title 1">
+            <a:extLst>
+              <a:ext uri="{FF2B5EF4-FFF2-40B4-BE49-F238E27FC236}">
+                <a16:creationId xmlns:a16="http://schemas.microsoft.com/office/drawing/2014/main" id="{C9FD0196-E452-E383-B1FB-26771158F579}"/>
+              </a:ext>
+            </a:extLst>
+          </p:cNvPr>
           <p:cNvSpPr>
             <a:spLocks noGrp="1"/>
           </p:cNvSpPr>
@@ -1484,13 +1699,18 @@
               <a:rPr lang="en-US"/>
               <a:t>Click to edit Master title style</a:t>
             </a:r>
-            <a:endParaRPr lang="en-US" dirty="0"/>
-          </a:p>
-        </p:txBody>
-      </p:sp>
-      <p:sp>
-        <p:nvSpPr>
-          <p:cNvPr id="3" name="Content Placeholder 2"/>
+          </a:p>
+        </p:txBody>
+      </p:sp>
+      <p:sp>
+        <p:nvSpPr>
+          <p:cNvPr id="3" name="Content Placeholder 2">
+            <a:extLst>
+              <a:ext uri="{FF2B5EF4-FFF2-40B4-BE49-F238E27FC236}">
+                <a16:creationId xmlns:a16="http://schemas.microsoft.com/office/drawing/2014/main" id="{BD5AA449-D387-FB5C-96BE-8470ED64B598}"/>
+              </a:ext>
+            </a:extLst>
+          </p:cNvPr>
           <p:cNvSpPr>
             <a:spLocks noGrp="1"/>
           </p:cNvSpPr>
@@ -1541,13 +1761,18 @@
               <a:rPr lang="en-US"/>
               <a:t>Fifth level</a:t>
             </a:r>
-            <a:endParaRPr lang="en-US" dirty="0"/>
-          </a:p>
-        </p:txBody>
-      </p:sp>
-      <p:sp>
-        <p:nvSpPr>
-          <p:cNvPr id="4" name="Content Placeholder 3"/>
+          </a:p>
+        </p:txBody>
+      </p:sp>
+      <p:sp>
+        <p:nvSpPr>
+          <p:cNvPr id="4" name="Content Placeholder 3">
+            <a:extLst>
+              <a:ext uri="{FF2B5EF4-FFF2-40B4-BE49-F238E27FC236}">
+                <a16:creationId xmlns:a16="http://schemas.microsoft.com/office/drawing/2014/main" id="{3651D445-D1F9-D1E4-E130-AB3EBD288A4E}"/>
+              </a:ext>
+            </a:extLst>
+          </p:cNvPr>
           <p:cNvSpPr>
             <a:spLocks noGrp="1"/>
           </p:cNvSpPr>
@@ -1598,13 +1823,18 @@
               <a:rPr lang="en-US"/>
               <a:t>Fifth level</a:t>
             </a:r>
-            <a:endParaRPr lang="en-US" dirty="0"/>
-          </a:p>
-        </p:txBody>
-      </p:sp>
-      <p:sp>
-        <p:nvSpPr>
-          <p:cNvPr id="5" name="Date Placeholder 4"/>
+          </a:p>
+        </p:txBody>
+      </p:sp>
+      <p:sp>
+        <p:nvSpPr>
+          <p:cNvPr id="5" name="Date Placeholder 4">
+            <a:extLst>
+              <a:ext uri="{FF2B5EF4-FFF2-40B4-BE49-F238E27FC236}">
+                <a16:creationId xmlns:a16="http://schemas.microsoft.com/office/drawing/2014/main" id="{E599A215-0A11-A75F-9AD1-B5A93FD35582}"/>
+              </a:ext>
+            </a:extLst>
+          </p:cNvPr>
           <p:cNvSpPr>
             <a:spLocks noGrp="1"/>
           </p:cNvSpPr>
@@ -1617,9 +1847,9 @@
           <a:bodyPr/>
           <a:lstStyle/>
           <a:p>
-            <a:fld id="{A89BCD98-AEC0-43F3-A017-036D554B7C17}" type="datetime1">
+            <a:fld id="{11A10D73-B1C8-4950-AB52-4280F613E314}" type="datetime1">
               <a:rPr lang="en-IN" smtClean="0"/>
-              <a:t>14/05/25</a:t>
+              <a:t>14-05-2025</a:t>
             </a:fld>
             <a:endParaRPr lang="en-IN"/>
           </a:p>
@@ -1627,7 +1857,13 @@
       </p:sp>
       <p:sp>
         <p:nvSpPr>
-          <p:cNvPr id="6" name="Footer Placeholder 5"/>
+          <p:cNvPr id="6" name="Footer Placeholder 5">
+            <a:extLst>
+              <a:ext uri="{FF2B5EF4-FFF2-40B4-BE49-F238E27FC236}">
+                <a16:creationId xmlns:a16="http://schemas.microsoft.com/office/drawing/2014/main" id="{1E419066-5FB3-F0CA-5D53-D8FC0F36878C}"/>
+              </a:ext>
+            </a:extLst>
+          </p:cNvPr>
           <p:cNvSpPr>
             <a:spLocks noGrp="1"/>
           </p:cNvSpPr>
@@ -1649,7 +1885,13 @@
       </p:sp>
       <p:sp>
         <p:nvSpPr>
-          <p:cNvPr id="7" name="Slide Number Placeholder 6"/>
+          <p:cNvPr id="7" name="Slide Number Placeholder 6">
+            <a:extLst>
+              <a:ext uri="{FF2B5EF4-FFF2-40B4-BE49-F238E27FC236}">
+                <a16:creationId xmlns:a16="http://schemas.microsoft.com/office/drawing/2014/main" id="{8604C656-EADC-AD13-63C3-28F1ECEAB028}"/>
+              </a:ext>
+            </a:extLst>
+          </p:cNvPr>
           <p:cNvSpPr>
             <a:spLocks noGrp="1"/>
           </p:cNvSpPr>
@@ -1673,13 +1915,14 @@
     </p:spTree>
     <p:extLst>
       <p:ext uri="{BB962C8B-B14F-4D97-AF65-F5344CB8AC3E}">
-        <p14:creationId xmlns:p14="http://schemas.microsoft.com/office/powerpoint/2010/main" val="3630809891"/>
+        <p14:creationId xmlns:p14="http://schemas.microsoft.com/office/powerpoint/2010/main" val="2646474860"/>
       </p:ext>
     </p:extLst>
   </p:cSld>
   <p:clrMapOvr>
     <a:masterClrMapping/>
   </p:clrMapOvr>
+  <p:hf hdr="0" ftr="0"/>
 </p:sldLayout>
 </file>
 
@@ -1702,7 +1945,13 @@
       </p:grpSpPr>
       <p:sp>
         <p:nvSpPr>
-          <p:cNvPr id="2" name="Title 1"/>
+          <p:cNvPr id="2" name="Title 1">
+            <a:extLst>
+              <a:ext uri="{FF2B5EF4-FFF2-40B4-BE49-F238E27FC236}">
+                <a16:creationId xmlns:a16="http://schemas.microsoft.com/office/drawing/2014/main" id="{526C462C-A287-FCBB-F77C-C4706C526468}"/>
+              </a:ext>
+            </a:extLst>
+          </p:cNvPr>
           <p:cNvSpPr>
             <a:spLocks noGrp="1"/>
           </p:cNvSpPr>
@@ -1724,13 +1973,18 @@
               <a:rPr lang="en-US"/>
               <a:t>Click to edit Master title style</a:t>
             </a:r>
-            <a:endParaRPr lang="en-US" dirty="0"/>
-          </a:p>
-        </p:txBody>
-      </p:sp>
-      <p:sp>
-        <p:nvSpPr>
-          <p:cNvPr id="3" name="Text Placeholder 2"/>
+          </a:p>
+        </p:txBody>
+      </p:sp>
+      <p:sp>
+        <p:nvSpPr>
+          <p:cNvPr id="3" name="Text Placeholder 2">
+            <a:extLst>
+              <a:ext uri="{FF2B5EF4-FFF2-40B4-BE49-F238E27FC236}">
+                <a16:creationId xmlns:a16="http://schemas.microsoft.com/office/drawing/2014/main" id="{3874F66D-671A-CD6B-44D7-591FD8DBACA1}"/>
+              </a:ext>
+            </a:extLst>
+          </p:cNvPr>
           <p:cNvSpPr>
             <a:spLocks noGrp="1"/>
           </p:cNvSpPr>
@@ -1795,7 +2049,13 @@
       </p:sp>
       <p:sp>
         <p:nvSpPr>
-          <p:cNvPr id="4" name="Content Placeholder 3"/>
+          <p:cNvPr id="4" name="Content Placeholder 3">
+            <a:extLst>
+              <a:ext uri="{FF2B5EF4-FFF2-40B4-BE49-F238E27FC236}">
+                <a16:creationId xmlns:a16="http://schemas.microsoft.com/office/drawing/2014/main" id="{33A87BAE-200E-02EC-C6D0-9E002DB239C7}"/>
+              </a:ext>
+            </a:extLst>
+          </p:cNvPr>
           <p:cNvSpPr>
             <a:spLocks noGrp="1"/>
           </p:cNvSpPr>
@@ -1846,13 +2106,18 @@
               <a:rPr lang="en-US"/>
               <a:t>Fifth level</a:t>
             </a:r>
-            <a:endParaRPr lang="en-US" dirty="0"/>
-          </a:p>
-        </p:txBody>
-      </p:sp>
-      <p:sp>
-        <p:nvSpPr>
-          <p:cNvPr id="5" name="Text Placeholder 4"/>
+          </a:p>
+        </p:txBody>
+      </p:sp>
+      <p:sp>
+        <p:nvSpPr>
+          <p:cNvPr id="5" name="Text Placeholder 4">
+            <a:extLst>
+              <a:ext uri="{FF2B5EF4-FFF2-40B4-BE49-F238E27FC236}">
+                <a16:creationId xmlns:a16="http://schemas.microsoft.com/office/drawing/2014/main" id="{CC9C0EBB-8F2E-29B4-D1E9-8963B90C3AE5}"/>
+              </a:ext>
+            </a:extLst>
+          </p:cNvPr>
           <p:cNvSpPr>
             <a:spLocks noGrp="1"/>
           </p:cNvSpPr>
@@ -1917,7 +2182,13 @@
       </p:sp>
       <p:sp>
         <p:nvSpPr>
-          <p:cNvPr id="6" name="Content Placeholder 5"/>
+          <p:cNvPr id="6" name="Content Placeholder 5">
+            <a:extLst>
+              <a:ext uri="{FF2B5EF4-FFF2-40B4-BE49-F238E27FC236}">
+                <a16:creationId xmlns:a16="http://schemas.microsoft.com/office/drawing/2014/main" id="{1F55EDDB-4D6B-C034-75A7-A14AD30B98CD}"/>
+              </a:ext>
+            </a:extLst>
+          </p:cNvPr>
           <p:cNvSpPr>
             <a:spLocks noGrp="1"/>
           </p:cNvSpPr>
@@ -1968,13 +2239,18 @@
               <a:rPr lang="en-US"/>
               <a:t>Fifth level</a:t>
             </a:r>
-            <a:endParaRPr lang="en-US" dirty="0"/>
-          </a:p>
-        </p:txBody>
-      </p:sp>
-      <p:sp>
-        <p:nvSpPr>
-          <p:cNvPr id="7" name="Date Placeholder 6"/>
+          </a:p>
+        </p:txBody>
+      </p:sp>
+      <p:sp>
+        <p:nvSpPr>
+          <p:cNvPr id="7" name="Date Placeholder 6">
+            <a:extLst>
+              <a:ext uri="{FF2B5EF4-FFF2-40B4-BE49-F238E27FC236}">
+                <a16:creationId xmlns:a16="http://schemas.microsoft.com/office/drawing/2014/main" id="{ABB3203F-0562-5B53-E901-5D4D28B88B61}"/>
+              </a:ext>
+            </a:extLst>
+          </p:cNvPr>
           <p:cNvSpPr>
             <a:spLocks noGrp="1"/>
           </p:cNvSpPr>
@@ -1987,9 +2263,9 @@
           <a:bodyPr/>
           <a:lstStyle/>
           <a:p>
-            <a:fld id="{9ACCA1BA-E476-4BA9-96AD-57580068E3AB}" type="datetime1">
+            <a:fld id="{11A10D73-B1C8-4950-AB52-4280F613E314}" type="datetime1">
               <a:rPr lang="en-IN" smtClean="0"/>
-              <a:t>14/05/25</a:t>
+              <a:t>14-05-2025</a:t>
             </a:fld>
             <a:endParaRPr lang="en-IN"/>
           </a:p>
@@ -1997,7 +2273,13 @@
       </p:sp>
       <p:sp>
         <p:nvSpPr>
-          <p:cNvPr id="8" name="Footer Placeholder 7"/>
+          <p:cNvPr id="8" name="Footer Placeholder 7">
+            <a:extLst>
+              <a:ext uri="{FF2B5EF4-FFF2-40B4-BE49-F238E27FC236}">
+                <a16:creationId xmlns:a16="http://schemas.microsoft.com/office/drawing/2014/main" id="{E7A82978-E2B4-2467-1FD9-B219B415BB1A}"/>
+              </a:ext>
+            </a:extLst>
+          </p:cNvPr>
           <p:cNvSpPr>
             <a:spLocks noGrp="1"/>
           </p:cNvSpPr>
@@ -2019,7 +2301,13 @@
       </p:sp>
       <p:sp>
         <p:nvSpPr>
-          <p:cNvPr id="9" name="Slide Number Placeholder 8"/>
+          <p:cNvPr id="9" name="Slide Number Placeholder 8">
+            <a:extLst>
+              <a:ext uri="{FF2B5EF4-FFF2-40B4-BE49-F238E27FC236}">
+                <a16:creationId xmlns:a16="http://schemas.microsoft.com/office/drawing/2014/main" id="{C890D836-C0AD-3F03-CADD-4007A7C05D5F}"/>
+              </a:ext>
+            </a:extLst>
+          </p:cNvPr>
           <p:cNvSpPr>
             <a:spLocks noGrp="1"/>
           </p:cNvSpPr>
@@ -2043,13 +2331,14 @@
     </p:spTree>
     <p:extLst>
       <p:ext uri="{BB962C8B-B14F-4D97-AF65-F5344CB8AC3E}">
-        <p14:creationId xmlns:p14="http://schemas.microsoft.com/office/powerpoint/2010/main" val="110984626"/>
+        <p14:creationId xmlns:p14="http://schemas.microsoft.com/office/powerpoint/2010/main" val="1702826714"/>
       </p:ext>
     </p:extLst>
   </p:cSld>
   <p:clrMapOvr>
     <a:masterClrMapping/>
   </p:clrMapOvr>
+  <p:hf hdr="0" ftr="0"/>
 </p:sldLayout>
 </file>
 
@@ -2072,7 +2361,13 @@
       </p:grpSpPr>
       <p:sp>
         <p:nvSpPr>
-          <p:cNvPr id="2" name="Title 1"/>
+          <p:cNvPr id="2" name="Title 1">
+            <a:extLst>
+              <a:ext uri="{FF2B5EF4-FFF2-40B4-BE49-F238E27FC236}">
+                <a16:creationId xmlns:a16="http://schemas.microsoft.com/office/drawing/2014/main" id="{1F8737AB-5132-5E15-33D4-D61A21BB40C1}"/>
+              </a:ext>
+            </a:extLst>
+          </p:cNvPr>
           <p:cNvSpPr>
             <a:spLocks noGrp="1"/>
           </p:cNvSpPr>
@@ -2089,13 +2384,18 @@
               <a:rPr lang="en-US"/>
               <a:t>Click to edit Master title style</a:t>
             </a:r>
-            <a:endParaRPr lang="en-US" dirty="0"/>
-          </a:p>
-        </p:txBody>
-      </p:sp>
-      <p:sp>
-        <p:nvSpPr>
-          <p:cNvPr id="3" name="Date Placeholder 2"/>
+          </a:p>
+        </p:txBody>
+      </p:sp>
+      <p:sp>
+        <p:nvSpPr>
+          <p:cNvPr id="3" name="Date Placeholder 2">
+            <a:extLst>
+              <a:ext uri="{FF2B5EF4-FFF2-40B4-BE49-F238E27FC236}">
+                <a16:creationId xmlns:a16="http://schemas.microsoft.com/office/drawing/2014/main" id="{8812E7A7-589D-EE7E-10AC-4775A2AA0438}"/>
+              </a:ext>
+            </a:extLst>
+          </p:cNvPr>
           <p:cNvSpPr>
             <a:spLocks noGrp="1"/>
           </p:cNvSpPr>
@@ -2110,7 +2410,7 @@
           <a:p>
             <a:fld id="{C63CFE3F-4BAC-4F76-A775-FD8AC59A6D11}" type="datetime1">
               <a:rPr lang="en-IN" smtClean="0"/>
-              <a:t>14/05/25</a:t>
+              <a:t>14-05-2025</a:t>
             </a:fld>
             <a:endParaRPr lang="en-IN"/>
           </a:p>
@@ -2118,7 +2418,13 @@
       </p:sp>
       <p:sp>
         <p:nvSpPr>
-          <p:cNvPr id="4" name="Footer Placeholder 3"/>
+          <p:cNvPr id="4" name="Footer Placeholder 3">
+            <a:extLst>
+              <a:ext uri="{FF2B5EF4-FFF2-40B4-BE49-F238E27FC236}">
+                <a16:creationId xmlns:a16="http://schemas.microsoft.com/office/drawing/2014/main" id="{C2365964-7B96-D027-B17A-34D6DA23AB59}"/>
+              </a:ext>
+            </a:extLst>
+          </p:cNvPr>
           <p:cNvSpPr>
             <a:spLocks noGrp="1"/>
           </p:cNvSpPr>
@@ -2140,7 +2446,13 @@
       </p:sp>
       <p:sp>
         <p:nvSpPr>
-          <p:cNvPr id="5" name="Slide Number Placeholder 4"/>
+          <p:cNvPr id="5" name="Slide Number Placeholder 4">
+            <a:extLst>
+              <a:ext uri="{FF2B5EF4-FFF2-40B4-BE49-F238E27FC236}">
+                <a16:creationId xmlns:a16="http://schemas.microsoft.com/office/drawing/2014/main" id="{FD8FC568-2BA7-C5B6-6D7B-B0207C3EE2FD}"/>
+              </a:ext>
+            </a:extLst>
+          </p:cNvPr>
           <p:cNvSpPr>
             <a:spLocks noGrp="1"/>
           </p:cNvSpPr>
@@ -2164,7 +2476,7 @@
     </p:spTree>
     <p:extLst>
       <p:ext uri="{BB962C8B-B14F-4D97-AF65-F5344CB8AC3E}">
-        <p14:creationId xmlns:p14="http://schemas.microsoft.com/office/powerpoint/2010/main" val="3037038057"/>
+        <p14:creationId xmlns:p14="http://schemas.microsoft.com/office/powerpoint/2010/main" val="3663458726"/>
       </p:ext>
     </p:extLst>
   </p:cSld>
@@ -2193,7 +2505,13 @@
       </p:grpSpPr>
       <p:sp>
         <p:nvSpPr>
-          <p:cNvPr id="2" name="Date Placeholder 1"/>
+          <p:cNvPr id="2" name="Date Placeholder 1">
+            <a:extLst>
+              <a:ext uri="{FF2B5EF4-FFF2-40B4-BE49-F238E27FC236}">
+                <a16:creationId xmlns:a16="http://schemas.microsoft.com/office/drawing/2014/main" id="{BA6C3D02-2908-D08D-D3DE-DEC9E87A1DB7}"/>
+              </a:ext>
+            </a:extLst>
+          </p:cNvPr>
           <p:cNvSpPr>
             <a:spLocks noGrp="1"/>
           </p:cNvSpPr>
@@ -2208,7 +2526,7 @@
           <a:p>
             <a:fld id="{DBEA56FE-C956-49AB-8DB5-0B7F2B32A429}" type="datetime1">
               <a:rPr lang="en-IN" smtClean="0"/>
-              <a:t>14/05/25</a:t>
+              <a:t>14-05-2025</a:t>
             </a:fld>
             <a:endParaRPr lang="en-IN"/>
           </a:p>
@@ -2216,7 +2534,13 @@
       </p:sp>
       <p:sp>
         <p:nvSpPr>
-          <p:cNvPr id="3" name="Footer Placeholder 2"/>
+          <p:cNvPr id="3" name="Footer Placeholder 2">
+            <a:extLst>
+              <a:ext uri="{FF2B5EF4-FFF2-40B4-BE49-F238E27FC236}">
+                <a16:creationId xmlns:a16="http://schemas.microsoft.com/office/drawing/2014/main" id="{5CB74A0E-BD9B-7581-BDDF-4E2DDBEB71DC}"/>
+              </a:ext>
+            </a:extLst>
+          </p:cNvPr>
           <p:cNvSpPr>
             <a:spLocks noGrp="1"/>
           </p:cNvSpPr>
@@ -2238,7 +2562,13 @@
       </p:sp>
       <p:sp>
         <p:nvSpPr>
-          <p:cNvPr id="4" name="Slide Number Placeholder 3"/>
+          <p:cNvPr id="4" name="Slide Number Placeholder 3">
+            <a:extLst>
+              <a:ext uri="{FF2B5EF4-FFF2-40B4-BE49-F238E27FC236}">
+                <a16:creationId xmlns:a16="http://schemas.microsoft.com/office/drawing/2014/main" id="{E6F71469-BDB3-CC20-DD8D-025FB5F30C08}"/>
+              </a:ext>
+            </a:extLst>
+          </p:cNvPr>
           <p:cNvSpPr>
             <a:spLocks noGrp="1"/>
           </p:cNvSpPr>
@@ -2262,7 +2592,7 @@
     </p:spTree>
     <p:extLst>
       <p:ext uri="{BB962C8B-B14F-4D97-AF65-F5344CB8AC3E}">
-        <p14:creationId xmlns:p14="http://schemas.microsoft.com/office/powerpoint/2010/main" val="2830302065"/>
+        <p14:creationId xmlns:p14="http://schemas.microsoft.com/office/powerpoint/2010/main" val="1551310738"/>
       </p:ext>
     </p:extLst>
   </p:cSld>
@@ -2291,7 +2621,13 @@
       </p:grpSpPr>
       <p:sp>
         <p:nvSpPr>
-          <p:cNvPr id="2" name="Title 1"/>
+          <p:cNvPr id="2" name="Title 1">
+            <a:extLst>
+              <a:ext uri="{FF2B5EF4-FFF2-40B4-BE49-F238E27FC236}">
+                <a16:creationId xmlns:a16="http://schemas.microsoft.com/office/drawing/2014/main" id="{DB4D4A10-A28E-4E00-DA54-02ADF1AD60AC}"/>
+              </a:ext>
+            </a:extLst>
+          </p:cNvPr>
           <p:cNvSpPr>
             <a:spLocks noGrp="1"/>
           </p:cNvSpPr>
@@ -2317,13 +2653,18 @@
               <a:rPr lang="en-US"/>
               <a:t>Click to edit Master title style</a:t>
             </a:r>
-            <a:endParaRPr lang="en-US" dirty="0"/>
-          </a:p>
-        </p:txBody>
-      </p:sp>
-      <p:sp>
-        <p:nvSpPr>
-          <p:cNvPr id="3" name="Content Placeholder 2"/>
+          </a:p>
+        </p:txBody>
+      </p:sp>
+      <p:sp>
+        <p:nvSpPr>
+          <p:cNvPr id="3" name="Content Placeholder 2">
+            <a:extLst>
+              <a:ext uri="{FF2B5EF4-FFF2-40B4-BE49-F238E27FC236}">
+                <a16:creationId xmlns:a16="http://schemas.microsoft.com/office/drawing/2014/main" id="{3205D68A-7F0D-BF0C-37FE-A3EEA8A8AB64}"/>
+              </a:ext>
+            </a:extLst>
+          </p:cNvPr>
           <p:cNvSpPr>
             <a:spLocks noGrp="1"/>
           </p:cNvSpPr>
@@ -2402,13 +2743,18 @@
               <a:rPr lang="en-US"/>
               <a:t>Fifth level</a:t>
             </a:r>
-            <a:endParaRPr lang="en-US" dirty="0"/>
-          </a:p>
-        </p:txBody>
-      </p:sp>
-      <p:sp>
-        <p:nvSpPr>
-          <p:cNvPr id="4" name="Text Placeholder 3"/>
+          </a:p>
+        </p:txBody>
+      </p:sp>
+      <p:sp>
+        <p:nvSpPr>
+          <p:cNvPr id="4" name="Text Placeholder 3">
+            <a:extLst>
+              <a:ext uri="{FF2B5EF4-FFF2-40B4-BE49-F238E27FC236}">
+                <a16:creationId xmlns:a16="http://schemas.microsoft.com/office/drawing/2014/main" id="{79EC5623-E2B9-10E5-0A79-243538466570}"/>
+              </a:ext>
+            </a:extLst>
+          </p:cNvPr>
           <p:cNvSpPr>
             <a:spLocks noGrp="1"/>
           </p:cNvSpPr>
@@ -2473,7 +2819,13 @@
       </p:sp>
       <p:sp>
         <p:nvSpPr>
-          <p:cNvPr id="5" name="Date Placeholder 4"/>
+          <p:cNvPr id="5" name="Date Placeholder 4">
+            <a:extLst>
+              <a:ext uri="{FF2B5EF4-FFF2-40B4-BE49-F238E27FC236}">
+                <a16:creationId xmlns:a16="http://schemas.microsoft.com/office/drawing/2014/main" id="{824F7059-99C7-917E-6975-1C40E88844D4}"/>
+              </a:ext>
+            </a:extLst>
+          </p:cNvPr>
           <p:cNvSpPr>
             <a:spLocks noGrp="1"/>
           </p:cNvSpPr>
@@ -2486,9 +2838,9 @@
           <a:bodyPr/>
           <a:lstStyle/>
           <a:p>
-            <a:fld id="{C92A256D-5A84-416E-B3CF-8A5720568363}" type="datetime1">
+            <a:fld id="{11A10D73-B1C8-4950-AB52-4280F613E314}" type="datetime1">
               <a:rPr lang="en-IN" smtClean="0"/>
-              <a:t>14/05/25</a:t>
+              <a:t>14-05-2025</a:t>
             </a:fld>
             <a:endParaRPr lang="en-IN"/>
           </a:p>
@@ -2496,7 +2848,13 @@
       </p:sp>
       <p:sp>
         <p:nvSpPr>
-          <p:cNvPr id="6" name="Footer Placeholder 5"/>
+          <p:cNvPr id="6" name="Footer Placeholder 5">
+            <a:extLst>
+              <a:ext uri="{FF2B5EF4-FFF2-40B4-BE49-F238E27FC236}">
+                <a16:creationId xmlns:a16="http://schemas.microsoft.com/office/drawing/2014/main" id="{1284FCA8-960F-B5EB-8AC7-9F8C2032205F}"/>
+              </a:ext>
+            </a:extLst>
+          </p:cNvPr>
           <p:cNvSpPr>
             <a:spLocks noGrp="1"/>
           </p:cNvSpPr>
@@ -2518,7 +2876,13 @@
       </p:sp>
       <p:sp>
         <p:nvSpPr>
-          <p:cNvPr id="7" name="Slide Number Placeholder 6"/>
+          <p:cNvPr id="7" name="Slide Number Placeholder 6">
+            <a:extLst>
+              <a:ext uri="{FF2B5EF4-FFF2-40B4-BE49-F238E27FC236}">
+                <a16:creationId xmlns:a16="http://schemas.microsoft.com/office/drawing/2014/main" id="{CE26F1FF-6F2A-76F1-5AB8-866ADD361E12}"/>
+              </a:ext>
+            </a:extLst>
+          </p:cNvPr>
           <p:cNvSpPr>
             <a:spLocks noGrp="1"/>
           </p:cNvSpPr>
@@ -2542,13 +2906,14 @@
     </p:spTree>
     <p:extLst>
       <p:ext uri="{BB962C8B-B14F-4D97-AF65-F5344CB8AC3E}">
-        <p14:creationId xmlns:p14="http://schemas.microsoft.com/office/powerpoint/2010/main" val="3033231060"/>
+        <p14:creationId xmlns:p14="http://schemas.microsoft.com/office/powerpoint/2010/main" val="1668477147"/>
       </p:ext>
     </p:extLst>
   </p:cSld>
   <p:clrMapOvr>
     <a:masterClrMapping/>
   </p:clrMapOvr>
+  <p:hf hdr="0" ftr="0"/>
 </p:sldLayout>
 </file>
 
@@ -2571,7 +2936,13 @@
       </p:grpSpPr>
       <p:sp>
         <p:nvSpPr>
-          <p:cNvPr id="2" name="Title 1"/>
+          <p:cNvPr id="2" name="Title 1">
+            <a:extLst>
+              <a:ext uri="{FF2B5EF4-FFF2-40B4-BE49-F238E27FC236}">
+                <a16:creationId xmlns:a16="http://schemas.microsoft.com/office/drawing/2014/main" id="{9BD5FB9F-F18C-F00D-437D-703CE83F8ACA}"/>
+              </a:ext>
+            </a:extLst>
+          </p:cNvPr>
           <p:cNvSpPr>
             <a:spLocks noGrp="1"/>
           </p:cNvSpPr>
@@ -2597,15 +2968,20 @@
               <a:rPr lang="en-US"/>
               <a:t>Click to edit Master title style</a:t>
             </a:r>
-            <a:endParaRPr lang="en-US" dirty="0"/>
-          </a:p>
-        </p:txBody>
-      </p:sp>
-      <p:sp>
-        <p:nvSpPr>
-          <p:cNvPr id="3" name="Picture Placeholder 2"/>
-          <p:cNvSpPr>
-            <a:spLocks noGrp="1" noChangeAspect="1"/>
+          </a:p>
+        </p:txBody>
+      </p:sp>
+      <p:sp>
+        <p:nvSpPr>
+          <p:cNvPr id="3" name="Picture Placeholder 2">
+            <a:extLst>
+              <a:ext uri="{FF2B5EF4-FFF2-40B4-BE49-F238E27FC236}">
+                <a16:creationId xmlns:a16="http://schemas.microsoft.com/office/drawing/2014/main" id="{3A0FDBFD-9ACB-2A77-1795-D0B63FA800B7}"/>
+              </a:ext>
+            </a:extLst>
+          </p:cNvPr>
+          <p:cNvSpPr>
+            <a:spLocks noGrp="1"/>
           </p:cNvSpPr>
           <p:nvPr>
             <p:ph type="pic" idx="1"/>
@@ -2618,7 +2994,7 @@
           </a:xfrm>
         </p:spPr>
         <p:txBody>
-          <a:bodyPr anchor="t"/>
+          <a:bodyPr/>
           <a:lstStyle>
             <a:lvl1pPr marL="0" indent="0">
               <a:buNone/>
@@ -2658,17 +3034,19 @@
             </a:lvl9pPr>
           </a:lstStyle>
           <a:p>
-            <a:r>
-              <a:rPr lang="en-US"/>
-              <a:t>Click icon to add picture</a:t>
-            </a:r>
-            <a:endParaRPr lang="en-US" dirty="0"/>
-          </a:p>
-        </p:txBody>
-      </p:sp>
-      <p:sp>
-        <p:nvSpPr>
-          <p:cNvPr id="4" name="Text Placeholder 3"/>
+            <a:endParaRPr lang="en-US"/>
+          </a:p>
+        </p:txBody>
+      </p:sp>
+      <p:sp>
+        <p:nvSpPr>
+          <p:cNvPr id="4" name="Text Placeholder 3">
+            <a:extLst>
+              <a:ext uri="{FF2B5EF4-FFF2-40B4-BE49-F238E27FC236}">
+                <a16:creationId xmlns:a16="http://schemas.microsoft.com/office/drawing/2014/main" id="{ACFDF353-F4FF-224C-BAF8-76527B463DFB}"/>
+              </a:ext>
+            </a:extLst>
+          </p:cNvPr>
           <p:cNvSpPr>
             <a:spLocks noGrp="1"/>
           </p:cNvSpPr>
@@ -2733,7 +3111,13 @@
       </p:sp>
       <p:sp>
         <p:nvSpPr>
-          <p:cNvPr id="5" name="Date Placeholder 4"/>
+          <p:cNvPr id="5" name="Date Placeholder 4">
+            <a:extLst>
+              <a:ext uri="{FF2B5EF4-FFF2-40B4-BE49-F238E27FC236}">
+                <a16:creationId xmlns:a16="http://schemas.microsoft.com/office/drawing/2014/main" id="{A0B451E1-11D6-B419-D616-0C23DE75D1DE}"/>
+              </a:ext>
+            </a:extLst>
+          </p:cNvPr>
           <p:cNvSpPr>
             <a:spLocks noGrp="1"/>
           </p:cNvSpPr>
@@ -2748,7 +3132,7 @@
           <a:p>
             <a:fld id="{0CA43B9C-1D09-411C-BF6A-EB93286A3B9E}" type="datetime1">
               <a:rPr lang="en-IN" smtClean="0"/>
-              <a:t>14/05/25</a:t>
+              <a:t>14-05-2025</a:t>
             </a:fld>
             <a:endParaRPr lang="en-IN"/>
           </a:p>
@@ -2756,7 +3140,13 @@
       </p:sp>
       <p:sp>
         <p:nvSpPr>
-          <p:cNvPr id="6" name="Footer Placeholder 5"/>
+          <p:cNvPr id="6" name="Footer Placeholder 5">
+            <a:extLst>
+              <a:ext uri="{FF2B5EF4-FFF2-40B4-BE49-F238E27FC236}">
+                <a16:creationId xmlns:a16="http://schemas.microsoft.com/office/drawing/2014/main" id="{CCDD5BE6-0DE7-D157-A20A-99BF0E24FC6A}"/>
+              </a:ext>
+            </a:extLst>
+          </p:cNvPr>
           <p:cNvSpPr>
             <a:spLocks noGrp="1"/>
           </p:cNvSpPr>
@@ -2769,16 +3159,19 @@
           <a:bodyPr/>
           <a:lstStyle/>
           <a:p>
-            <a:r>
-              <a:rPr lang="en-IN"/>
-              <a:t>Team 5</a:t>
-            </a:r>
-          </a:p>
-        </p:txBody>
-      </p:sp>
-      <p:sp>
-        <p:nvSpPr>
-          <p:cNvPr id="7" name="Slide Number Placeholder 6"/>
+            <a:endParaRPr lang="en-US"/>
+          </a:p>
+        </p:txBody>
+      </p:sp>
+      <p:sp>
+        <p:nvSpPr>
+          <p:cNvPr id="7" name="Slide Number Placeholder 6">
+            <a:extLst>
+              <a:ext uri="{FF2B5EF4-FFF2-40B4-BE49-F238E27FC236}">
+                <a16:creationId xmlns:a16="http://schemas.microsoft.com/office/drawing/2014/main" id="{60A80721-AE87-E935-B94C-F7CC7FCFE222}"/>
+              </a:ext>
+            </a:extLst>
+          </p:cNvPr>
           <p:cNvSpPr>
             <a:spLocks noGrp="1"/>
           </p:cNvSpPr>
@@ -2802,7 +3195,7 @@
     </p:spTree>
     <p:extLst>
       <p:ext uri="{BB962C8B-B14F-4D97-AF65-F5344CB8AC3E}">
-        <p14:creationId xmlns:p14="http://schemas.microsoft.com/office/powerpoint/2010/main" val="3465819542"/>
+        <p14:creationId xmlns:p14="http://schemas.microsoft.com/office/powerpoint/2010/main" val="2778387372"/>
       </p:ext>
     </p:extLst>
   </p:cSld>
@@ -2836,7 +3229,13 @@
       </p:grpSpPr>
       <p:sp>
         <p:nvSpPr>
-          <p:cNvPr id="2" name="Title Placeholder 1"/>
+          <p:cNvPr id="2" name="Title Placeholder 1">
+            <a:extLst>
+              <a:ext uri="{FF2B5EF4-FFF2-40B4-BE49-F238E27FC236}">
+                <a16:creationId xmlns:a16="http://schemas.microsoft.com/office/drawing/2014/main" id="{CBD05329-F501-BEFE-BCAE-C75878DB13C0}"/>
+              </a:ext>
+            </a:extLst>
+          </p:cNvPr>
           <p:cNvSpPr>
             <a:spLocks noGrp="1"/>
           </p:cNvSpPr>
@@ -2863,13 +3262,18 @@
               <a:rPr lang="en-US"/>
               <a:t>Click to edit Master title style</a:t>
             </a:r>
-            <a:endParaRPr lang="en-US" dirty="0"/>
-          </a:p>
-        </p:txBody>
-      </p:sp>
-      <p:sp>
-        <p:nvSpPr>
-          <p:cNvPr id="3" name="Text Placeholder 2"/>
+          </a:p>
+        </p:txBody>
+      </p:sp>
+      <p:sp>
+        <p:nvSpPr>
+          <p:cNvPr id="3" name="Text Placeholder 2">
+            <a:extLst>
+              <a:ext uri="{FF2B5EF4-FFF2-40B4-BE49-F238E27FC236}">
+                <a16:creationId xmlns:a16="http://schemas.microsoft.com/office/drawing/2014/main" id="{2FEA418C-E021-0B94-5F76-D5C7E776C998}"/>
+              </a:ext>
+            </a:extLst>
+          </p:cNvPr>
           <p:cNvSpPr>
             <a:spLocks noGrp="1"/>
           </p:cNvSpPr>
@@ -2925,13 +3329,18 @@
               <a:rPr lang="en-US"/>
               <a:t>Fifth level</a:t>
             </a:r>
-            <a:endParaRPr lang="en-US" dirty="0"/>
-          </a:p>
-        </p:txBody>
-      </p:sp>
-      <p:sp>
-        <p:nvSpPr>
-          <p:cNvPr id="4" name="Date Placeholder 3"/>
+          </a:p>
+        </p:txBody>
+      </p:sp>
+      <p:sp>
+        <p:nvSpPr>
+          <p:cNvPr id="4" name="Date Placeholder 3">
+            <a:extLst>
+              <a:ext uri="{FF2B5EF4-FFF2-40B4-BE49-F238E27FC236}">
+                <a16:creationId xmlns:a16="http://schemas.microsoft.com/office/drawing/2014/main" id="{1AC8FA6A-FB44-D510-E71B-97BC66E5C546}"/>
+              </a:ext>
+            </a:extLst>
+          </p:cNvPr>
           <p:cNvSpPr>
             <a:spLocks noGrp="1"/>
           </p:cNvSpPr>
@@ -2964,7 +3373,7 @@
           <a:p>
             <a:fld id="{11A10D73-B1C8-4950-AB52-4280F613E314}" type="datetime1">
               <a:rPr lang="en-IN" smtClean="0"/>
-              <a:t>14/05/25</a:t>
+              <a:t>14-05-2025</a:t>
             </a:fld>
             <a:endParaRPr lang="en-IN"/>
           </a:p>
@@ -2972,7 +3381,13 @@
       </p:sp>
       <p:sp>
         <p:nvSpPr>
-          <p:cNvPr id="5" name="Footer Placeholder 4"/>
+          <p:cNvPr id="5" name="Footer Placeholder 4">
+            <a:extLst>
+              <a:ext uri="{FF2B5EF4-FFF2-40B4-BE49-F238E27FC236}">
+                <a16:creationId xmlns:a16="http://schemas.microsoft.com/office/drawing/2014/main" id="{858EC98C-289B-5349-1CF4-A51BC1AF1E44}"/>
+              </a:ext>
+            </a:extLst>
+          </p:cNvPr>
           <p:cNvSpPr>
             <a:spLocks noGrp="1"/>
           </p:cNvSpPr>
@@ -3012,7 +3427,13 @@
       </p:sp>
       <p:sp>
         <p:nvSpPr>
-          <p:cNvPr id="6" name="Slide Number Placeholder 5"/>
+          <p:cNvPr id="6" name="Slide Number Placeholder 5">
+            <a:extLst>
+              <a:ext uri="{FF2B5EF4-FFF2-40B4-BE49-F238E27FC236}">
+                <a16:creationId xmlns:a16="http://schemas.microsoft.com/office/drawing/2014/main" id="{2B176A86-E354-8CA7-F782-3BC3924D4C10}"/>
+              </a:ext>
+            </a:extLst>
+          </p:cNvPr>
           <p:cNvSpPr>
             <a:spLocks noGrp="1"/>
           </p:cNvSpPr>
@@ -3054,23 +3475,23 @@
     </p:spTree>
     <p:extLst>
       <p:ext uri="{BB962C8B-B14F-4D97-AF65-F5344CB8AC3E}">
-        <p14:creationId xmlns:p14="http://schemas.microsoft.com/office/powerpoint/2010/main" val="48935794"/>
+        <p14:creationId xmlns:p14="http://schemas.microsoft.com/office/powerpoint/2010/main" val="3442484292"/>
       </p:ext>
     </p:extLst>
   </p:cSld>
   <p:clrMap bg1="lt1" tx1="dk1" bg2="lt2" tx2="dk2" accent1="accent1" accent2="accent2" accent3="accent3" accent4="accent4" accent5="accent5" accent6="accent6" hlink="hlink" folHlink="folHlink"/>
   <p:sldLayoutIdLst>
-    <p:sldLayoutId id="2147483673" r:id="rId1"/>
-    <p:sldLayoutId id="2147483674" r:id="rId2"/>
-    <p:sldLayoutId id="2147483675" r:id="rId3"/>
-    <p:sldLayoutId id="2147483676" r:id="rId4"/>
-    <p:sldLayoutId id="2147483677" r:id="rId5"/>
-    <p:sldLayoutId id="2147483678" r:id="rId6"/>
-    <p:sldLayoutId id="2147483679" r:id="rId7"/>
-    <p:sldLayoutId id="2147483680" r:id="rId8"/>
-    <p:sldLayoutId id="2147483681" r:id="rId9"/>
-    <p:sldLayoutId id="2147483682" r:id="rId10"/>
-    <p:sldLayoutId id="2147483683" r:id="rId11"/>
+    <p:sldLayoutId id="2147483746" r:id="rId1"/>
+    <p:sldLayoutId id="2147483747" r:id="rId2"/>
+    <p:sldLayoutId id="2147483748" r:id="rId3"/>
+    <p:sldLayoutId id="2147483749" r:id="rId4"/>
+    <p:sldLayoutId id="2147483750" r:id="rId5"/>
+    <p:sldLayoutId id="2147483751" r:id="rId6"/>
+    <p:sldLayoutId id="2147483752" r:id="rId7"/>
+    <p:sldLayoutId id="2147483753" r:id="rId8"/>
+    <p:sldLayoutId id="2147483754" r:id="rId9"/>
+    <p:sldLayoutId id="2147483755" r:id="rId10"/>
+    <p:sldLayoutId id="2147483756" r:id="rId11"/>
   </p:sldLayoutIdLst>
   <p:hf hdr="0" ftr="0"/>
   <p:txStyles>
@@ -3375,69 +3796,18 @@
       </p:grpSpPr>
       <p:sp>
         <p:nvSpPr>
-          <p:cNvPr id="2" name="Title 1">
-            <a:extLst>
-              <a:ext uri="{FF2B5EF4-FFF2-40B4-BE49-F238E27FC236}">
-                <a16:creationId xmlns:a16="http://schemas.microsoft.com/office/drawing/2014/main" id="{68F23FA9-AF7D-1604-794F-95CA82370A9A}"/>
-              </a:ext>
-            </a:extLst>
-          </p:cNvPr>
-          <p:cNvSpPr>
-            <a:spLocks noGrp="1"/>
-          </p:cNvSpPr>
-          <p:nvPr>
-            <p:ph type="title"/>
-          </p:nvPr>
-        </p:nvSpPr>
-        <p:spPr>
-          <a:xfrm>
-            <a:off x="838200" y="842168"/>
-            <a:ext cx="10515600" cy="2852737"/>
-          </a:xfrm>
-        </p:spPr>
-        <p:txBody>
-          <a:bodyPr>
-            <a:normAutofit/>
-          </a:bodyPr>
-          <a:lstStyle/>
-          <a:p>
-            <a:r>
-              <a:rPr lang="en-IN" sz="4800" dirty="0"/>
-              <a:t>Code for Bharat: </a:t>
-            </a:r>
-            <a:r>
-              <a:rPr lang="en-IN" sz="4800" dirty="0" err="1"/>
-              <a:t>NumNuggets</a:t>
-            </a:r>
-            <a:br>
-              <a:rPr lang="en-IN" sz="4800" dirty="0"/>
-            </a:br>
-            <a:r>
-              <a:rPr lang="en-IN" sz="4800" dirty="0"/>
-              <a:t>		</a:t>
-            </a:r>
-            <a:r>
-              <a:rPr lang="en-US" sz="1400" b="1" dirty="0"/>
-              <a:t>DELIVERS DAILY TRIVIA TIED TO MATH, DATES, OR FUN NUMBER FACTS TO MAKE NUMERACY MEMORABLE.</a:t>
-            </a:r>
-            <a:endParaRPr lang="en-IN" sz="1800" b="1" dirty="0"/>
-          </a:p>
-        </p:txBody>
-      </p:sp>
-      <p:sp>
-        <p:nvSpPr>
-          <p:cNvPr id="3" name="Text Placeholder 2">
-            <a:extLst>
-              <a:ext uri="{FF2B5EF4-FFF2-40B4-BE49-F238E27FC236}">
-                <a16:creationId xmlns:a16="http://schemas.microsoft.com/office/drawing/2014/main" id="{551EFD10-8DAA-B34E-9457-71EB9A7BA73A}"/>
-              </a:ext>
-            </a:extLst>
-          </p:cNvPr>
-          <p:cNvSpPr>
-            <a:spLocks noGrp="1"/>
-          </p:cNvSpPr>
-          <p:nvPr>
-            <p:ph type="body" idx="1"/>
+          <p:cNvPr id="2" name="Date Placeholder 1">
+            <a:extLst>
+              <a:ext uri="{FF2B5EF4-FFF2-40B4-BE49-F238E27FC236}">
+                <a16:creationId xmlns:a16="http://schemas.microsoft.com/office/drawing/2014/main" id="{03FC841F-8DBC-EA88-8E1D-08B69528152C}"/>
+              </a:ext>
+            </a:extLst>
+          </p:cNvPr>
+          <p:cNvSpPr>
+            <a:spLocks noGrp="1"/>
+          </p:cNvSpPr>
+          <p:nvPr>
+            <p:ph type="dt" sz="half" idx="10"/>
           </p:nvPr>
         </p:nvSpPr>
         <p:spPr/>
@@ -3445,44 +3815,9 @@
           <a:bodyPr/>
           <a:lstStyle/>
           <a:p>
-            <a:r>
-              <a:rPr lang="en-US" b="1" dirty="0"/>
-              <a:t>Team 5</a:t>
-            </a:r>
-          </a:p>
-          <a:p>
-            <a:r>
-              <a:rPr lang="en-US" dirty="0"/>
-              <a:t>Members: </a:t>
-            </a:r>
-            <a:endParaRPr lang="en-IN" dirty="0"/>
-          </a:p>
-        </p:txBody>
-      </p:sp>
-      <p:sp>
-        <p:nvSpPr>
-          <p:cNvPr id="9" name="Date Placeholder 8">
-            <a:extLst>
-              <a:ext uri="{FF2B5EF4-FFF2-40B4-BE49-F238E27FC236}">
-                <a16:creationId xmlns:a16="http://schemas.microsoft.com/office/drawing/2014/main" id="{20D8E846-A8B3-01EF-C52B-E74652E5E43E}"/>
-              </a:ext>
-            </a:extLst>
-          </p:cNvPr>
-          <p:cNvSpPr>
-            <a:spLocks noGrp="1"/>
-          </p:cNvSpPr>
-          <p:nvPr>
-            <p:ph type="dt" sz="half" idx="10"/>
-          </p:nvPr>
-        </p:nvSpPr>
-        <p:spPr/>
-        <p:txBody>
-          <a:bodyPr/>
-          <a:lstStyle/>
-          <a:p>
-            <a:fld id="{4E5CE0BD-9C5D-4BCE-A852-CDFAF7C482BA}" type="datetime1">
+            <a:fld id="{DBEA56FE-C956-49AB-8DB5-0B7F2B32A429}" type="datetime1">
               <a:rPr lang="en-IN" smtClean="0"/>
-              <a:t>14/05/25</a:t>
+              <a:t>14-05-2025</a:t>
             </a:fld>
             <a:endParaRPr lang="en-IN"/>
           </a:p>
@@ -3490,10 +3825,10 @@
       </p:sp>
       <p:sp>
         <p:nvSpPr>
-          <p:cNvPr id="10" name="Slide Number Placeholder 9">
-            <a:extLst>
-              <a:ext uri="{FF2B5EF4-FFF2-40B4-BE49-F238E27FC236}">
-                <a16:creationId xmlns:a16="http://schemas.microsoft.com/office/drawing/2014/main" id="{0FB2D142-5C25-09AC-E80B-20B0D169FCE5}"/>
+          <p:cNvPr id="3" name="Slide Number Placeholder 2">
+            <a:extLst>
+              <a:ext uri="{FF2B5EF4-FFF2-40B4-BE49-F238E27FC236}">
+                <a16:creationId xmlns:a16="http://schemas.microsoft.com/office/drawing/2014/main" id="{997535AF-E053-587C-E413-928F4C61B000}"/>
               </a:ext>
             </a:extLst>
           </p:cNvPr>
@@ -3519,10 +3854,10 @@
       </p:sp>
       <p:pic>
         <p:nvPicPr>
-          <p:cNvPr id="12" name="Picture 11">
-            <a:extLst>
-              <a:ext uri="{FF2B5EF4-FFF2-40B4-BE49-F238E27FC236}">
-                <a16:creationId xmlns:a16="http://schemas.microsoft.com/office/drawing/2014/main" id="{86427335-CF89-7069-AEE6-383502AB86B7}"/>
+          <p:cNvPr id="4" name="Picture 3">
+            <a:extLst>
+              <a:ext uri="{FF2B5EF4-FFF2-40B4-BE49-F238E27FC236}">
+                <a16:creationId xmlns:a16="http://schemas.microsoft.com/office/drawing/2014/main" id="{1EFDBB1C-2EF2-1FAA-EAD2-C7F72C7E2BBF}"/>
               </a:ext>
             </a:extLst>
           </p:cNvPr>
@@ -3532,14 +3867,53 @@
           <p:nvPr/>
         </p:nvPicPr>
         <p:blipFill>
-          <a:blip r:embed="rId2"/>
+          <a:blip r:embed="rId2">
+            <a:extLst>
+              <a:ext uri="{28A0092B-C50C-407E-A947-70E740481C1C}">
+                <a14:useLocalDpi xmlns:a14="http://schemas.microsoft.com/office/drawing/2010/main" val="0"/>
+              </a:ext>
+              <a:ext uri="{837473B0-CC2E-450A-ABE3-18F120FF3D39}">
+                <a1611:picAttrSrcUrl xmlns:a1611="http://schemas.microsoft.com/office/drawing/2016/11/main" r:id="rId3"/>
+              </a:ext>
+            </a:extLst>
+          </a:blip>
           <a:stretch>
             <a:fillRect/>
           </a:stretch>
         </p:blipFill>
         <p:spPr>
           <a:xfrm>
-            <a:off x="1005511" y="455342"/>
+            <a:off x="190500" y="136525"/>
+            <a:ext cx="11811000" cy="6858000"/>
+          </a:xfrm>
+          <a:prstGeom prst="rect">
+            <a:avLst/>
+          </a:prstGeom>
+        </p:spPr>
+      </p:pic>
+      <p:pic>
+        <p:nvPicPr>
+          <p:cNvPr id="5" name="Picture 4">
+            <a:extLst>
+              <a:ext uri="{FF2B5EF4-FFF2-40B4-BE49-F238E27FC236}">
+                <a16:creationId xmlns:a16="http://schemas.microsoft.com/office/drawing/2014/main" id="{9E370CF2-BDB3-9D41-98ED-2A57BA04B715}"/>
+              </a:ext>
+            </a:extLst>
+          </p:cNvPr>
+          <p:cNvPicPr>
+            <a:picLocks noChangeAspect="1"/>
+          </p:cNvPicPr>
+          <p:nvPr/>
+        </p:nvPicPr>
+        <p:blipFill>
+          <a:blip r:embed="rId4"/>
+          <a:stretch>
+            <a:fillRect/>
+          </a:stretch>
+        </p:blipFill>
+        <p:spPr>
+          <a:xfrm>
+            <a:off x="454905" y="504504"/>
             <a:ext cx="2190863" cy="1701887"/>
           </a:xfrm>
           <a:prstGeom prst="ellipse">
@@ -3571,94 +3945,22 @@
           </a:sp3d>
         </p:spPr>
       </p:pic>
-    </p:spTree>
-    <p:extLst>
-      <p:ext uri="{BB962C8B-B14F-4D97-AF65-F5344CB8AC3E}">
-        <p14:creationId xmlns:p14="http://schemas.microsoft.com/office/powerpoint/2010/main" val="2724001385"/>
-      </p:ext>
-    </p:extLst>
-  </p:cSld>
-  <p:clrMapOvr>
-    <a:masterClrMapping/>
-  </p:clrMapOvr>
-</p:sld>
-</file>
-
-<file path=ppt/slides/slide10.xml><?xml version="1.0" encoding="utf-8"?>
-<p:sld xmlns:a="http://schemas.openxmlformats.org/drawingml/2006/main" xmlns:r="http://schemas.openxmlformats.org/officeDocument/2006/relationships" xmlns:p="http://schemas.openxmlformats.org/presentationml/2006/main">
-  <p:cSld>
-    <p:spTree>
-      <p:nvGrpSpPr>
-        <p:cNvPr id="1" name="">
-          <a:extLst>
-            <a:ext uri="{FF2B5EF4-FFF2-40B4-BE49-F238E27FC236}">
-              <a16:creationId xmlns:a16="http://schemas.microsoft.com/office/drawing/2014/main" id="{68BF5CD1-3EA5-58E8-7CA8-7D205615FBA1}"/>
-            </a:ext>
-          </a:extLst>
-        </p:cNvPr>
-        <p:cNvGrpSpPr/>
-        <p:nvPr/>
-      </p:nvGrpSpPr>
-      <p:grpSpPr>
-        <a:xfrm>
-          <a:off x="0" y="0"/>
-          <a:ext cx="0" cy="0"/>
-          <a:chOff x="0" y="0"/>
-          <a:chExt cx="0" cy="0"/>
-        </a:xfrm>
-      </p:grpSpPr>
-      <p:cxnSp>
-        <p:nvCxnSpPr>
-          <p:cNvPr id="5" name="Straight Connector 4">
-            <a:extLst>
-              <a:ext uri="{FF2B5EF4-FFF2-40B4-BE49-F238E27FC236}">
-                <a16:creationId xmlns:a16="http://schemas.microsoft.com/office/drawing/2014/main" id="{C6F4238D-72BD-A12C-5E82-D24348B55D52}"/>
-              </a:ext>
-            </a:extLst>
-          </p:cNvPr>
-          <p:cNvCxnSpPr/>
+      <p:sp>
+        <p:nvSpPr>
+          <p:cNvPr id="6" name="TextBox 5">
+            <a:extLst>
+              <a:ext uri="{FF2B5EF4-FFF2-40B4-BE49-F238E27FC236}">
+                <a16:creationId xmlns:a16="http://schemas.microsoft.com/office/drawing/2014/main" id="{224AF722-9850-3DC1-009C-CE87501A6047}"/>
+              </a:ext>
+            </a:extLst>
+          </p:cNvPr>
+          <p:cNvSpPr txBox="1"/>
           <p:nvPr/>
-        </p:nvCxnSpPr>
+        </p:nvSpPr>
         <p:spPr>
           <a:xfrm>
-            <a:off x="631372" y="1066800"/>
-            <a:ext cx="9873343" cy="0"/>
-          </a:xfrm>
-          <a:prstGeom prst="line">
-            <a:avLst/>
-          </a:prstGeom>
-        </p:spPr>
-        <p:style>
-          <a:lnRef idx="1">
-            <a:schemeClr val="accent2"/>
-          </a:lnRef>
-          <a:fillRef idx="0">
-            <a:schemeClr val="accent2"/>
-          </a:fillRef>
-          <a:effectRef idx="0">
-            <a:schemeClr val="accent2"/>
-          </a:effectRef>
-          <a:fontRef idx="minor">
-            <a:schemeClr val="tx1"/>
-          </a:fontRef>
-        </p:style>
-      </p:cxnSp>
-      <p:sp>
-        <p:nvSpPr>
-          <p:cNvPr id="6" name="TextBox 5">
-            <a:extLst>
-              <a:ext uri="{FF2B5EF4-FFF2-40B4-BE49-F238E27FC236}">
-                <a16:creationId xmlns:a16="http://schemas.microsoft.com/office/drawing/2014/main" id="{B90927CD-C5C3-CBC5-7385-1899531610A0}"/>
-              </a:ext>
-            </a:extLst>
-          </p:cNvPr>
-          <p:cNvSpPr txBox="1"/>
-          <p:nvPr/>
-        </p:nvSpPr>
-        <p:spPr>
-          <a:xfrm>
-            <a:off x="631372" y="511629"/>
-            <a:ext cx="8882742" cy="380995"/>
+            <a:off x="3746091" y="430194"/>
+            <a:ext cx="6162368" cy="400110"/>
           </a:xfrm>
           <a:prstGeom prst="rect">
             <a:avLst/>
@@ -3672,101 +3974,33 @@
           <a:lstStyle/>
           <a:p>
             <a:r>
-              <a:rPr lang="en-US" b="1" dirty="0"/>
-              <a:t>Appendix</a:t>
-            </a:r>
-            <a:endParaRPr lang="en-IN" b="1" dirty="0"/>
-          </a:p>
-        </p:txBody>
-      </p:sp>
-    </p:spTree>
-    <p:extLst>
-      <p:ext uri="{BB962C8B-B14F-4D97-AF65-F5344CB8AC3E}">
-        <p14:creationId xmlns:p14="http://schemas.microsoft.com/office/powerpoint/2010/main" val="2673975366"/>
-      </p:ext>
-    </p:extLst>
-  </p:cSld>
-  <p:clrMapOvr>
-    <a:masterClrMapping/>
-  </p:clrMapOvr>
-</p:sld>
-</file>
-
-<file path=ppt/slides/slide11.xml><?xml version="1.0" encoding="utf-8"?>
-<p:sld xmlns:a="http://schemas.openxmlformats.org/drawingml/2006/main" xmlns:r="http://schemas.openxmlformats.org/officeDocument/2006/relationships" xmlns:p="http://schemas.openxmlformats.org/presentationml/2006/main">
-  <p:cSld>
-    <p:spTree>
-      <p:nvGrpSpPr>
-        <p:cNvPr id="1" name="">
-          <a:extLst>
-            <a:ext uri="{FF2B5EF4-FFF2-40B4-BE49-F238E27FC236}">
-              <a16:creationId xmlns:a16="http://schemas.microsoft.com/office/drawing/2014/main" id="{03FFB602-566D-2D02-6F67-AAFE3CD160A1}"/>
-            </a:ext>
-          </a:extLst>
-        </p:cNvPr>
-        <p:cNvGrpSpPr/>
-        <p:nvPr/>
-      </p:nvGrpSpPr>
-      <p:grpSpPr>
-        <a:xfrm>
-          <a:off x="0" y="0"/>
-          <a:ext cx="0" cy="0"/>
-          <a:chOff x="0" y="0"/>
-          <a:chExt cx="0" cy="0"/>
-        </a:xfrm>
-      </p:grpSpPr>
-      <p:cxnSp>
-        <p:nvCxnSpPr>
-          <p:cNvPr id="5" name="Straight Connector 4">
-            <a:extLst>
-              <a:ext uri="{FF2B5EF4-FFF2-40B4-BE49-F238E27FC236}">
-                <a16:creationId xmlns:a16="http://schemas.microsoft.com/office/drawing/2014/main" id="{EC2AE078-35DA-3406-A1EC-32F8A7A233FC}"/>
-              </a:ext>
-            </a:extLst>
-          </p:cNvPr>
-          <p:cNvCxnSpPr/>
+              <a:rPr lang="en-IN" sz="2000" dirty="0">
+                <a:latin typeface="Castellar" panose="020A0402060406010301" pitchFamily="18" charset="0"/>
+              </a:rPr>
+              <a:t>Code for Bharat: Number Nuggets</a:t>
+            </a:r>
+            <a:endParaRPr lang="en-US" sz="2000" dirty="0">
+              <a:latin typeface="Castellar" panose="020A0402060406010301" pitchFamily="18" charset="0"/>
+            </a:endParaRPr>
+          </a:p>
+        </p:txBody>
+      </p:sp>
+      <p:sp>
+        <p:nvSpPr>
+          <p:cNvPr id="7" name="TextBox 6">
+            <a:extLst>
+              <a:ext uri="{FF2B5EF4-FFF2-40B4-BE49-F238E27FC236}">
+                <a16:creationId xmlns:a16="http://schemas.microsoft.com/office/drawing/2014/main" id="{10872521-D5CF-00B7-BD9F-6609C0B7AD21}"/>
+              </a:ext>
+            </a:extLst>
+          </p:cNvPr>
+          <p:cNvSpPr txBox="1"/>
           <p:nvPr/>
-        </p:nvCxnSpPr>
+        </p:nvSpPr>
         <p:spPr>
           <a:xfrm>
-            <a:off x="631372" y="1066800"/>
-            <a:ext cx="9873343" cy="0"/>
-          </a:xfrm>
-          <a:prstGeom prst="line">
-            <a:avLst/>
-          </a:prstGeom>
-        </p:spPr>
-        <p:style>
-          <a:lnRef idx="1">
-            <a:schemeClr val="accent2"/>
-          </a:lnRef>
-          <a:fillRef idx="0">
-            <a:schemeClr val="accent2"/>
-          </a:fillRef>
-          <a:effectRef idx="0">
-            <a:schemeClr val="accent2"/>
-          </a:effectRef>
-          <a:fontRef idx="minor">
-            <a:schemeClr val="tx1"/>
-          </a:fontRef>
-        </p:style>
-      </p:cxnSp>
-      <p:sp>
-        <p:nvSpPr>
-          <p:cNvPr id="6" name="TextBox 5">
-            <a:extLst>
-              <a:ext uri="{FF2B5EF4-FFF2-40B4-BE49-F238E27FC236}">
-                <a16:creationId xmlns:a16="http://schemas.microsoft.com/office/drawing/2014/main" id="{2A97F8EB-CB05-0570-C886-DD4D03D2C8A3}"/>
-              </a:ext>
-            </a:extLst>
-          </p:cNvPr>
-          <p:cNvSpPr txBox="1"/>
-          <p:nvPr/>
-        </p:nvSpPr>
-        <p:spPr>
-          <a:xfrm>
-            <a:off x="631372" y="511629"/>
-            <a:ext cx="8882742" cy="380995"/>
+            <a:off x="4218039" y="831585"/>
+            <a:ext cx="7440561" cy="584775"/>
           </a:xfrm>
           <a:prstGeom prst="rect">
             <a:avLst/>
@@ -3780,19 +4014,23 @@
           <a:lstStyle/>
           <a:p>
             <a:r>
-              <a:rPr lang="en-US" b="1" dirty="0"/>
-              <a:t>References</a:t>
-            </a:r>
-            <a:endParaRPr lang="en-IN" b="1" dirty="0"/>
-          </a:p>
-        </p:txBody>
-      </p:sp>
-      <p:sp>
-        <p:nvSpPr>
-          <p:cNvPr id="3" name="TextBox 2">
-            <a:extLst>
-              <a:ext uri="{FF2B5EF4-FFF2-40B4-BE49-F238E27FC236}">
-                <a16:creationId xmlns:a16="http://schemas.microsoft.com/office/drawing/2014/main" id="{43BC306B-84E6-4639-8B9E-5F6E8401A893}"/>
+              <a:rPr lang="en-US" sz="1600" b="1" dirty="0">
+                <a:latin typeface="Comic Sans MS" panose="030F0702030302020204" pitchFamily="66" charset="0"/>
+              </a:rPr>
+              <a:t>DELIVERS DAILY TRIVIA TIED TO MATH, DATES, OR FUN NUMBER FACTS TO MAKE NUMERACY MEMORABLE.</a:t>
+            </a:r>
+            <a:endParaRPr lang="en-US" sz="1600" dirty="0">
+              <a:latin typeface="Comic Sans MS" panose="030F0702030302020204" pitchFamily="66" charset="0"/>
+            </a:endParaRPr>
+          </a:p>
+        </p:txBody>
+      </p:sp>
+      <p:sp>
+        <p:nvSpPr>
+          <p:cNvPr id="9" name="TextBox 8">
+            <a:extLst>
+              <a:ext uri="{FF2B5EF4-FFF2-40B4-BE49-F238E27FC236}">
+                <a16:creationId xmlns:a16="http://schemas.microsoft.com/office/drawing/2014/main" id="{8C9B97AE-B33D-1A3C-478C-BA939915B863}"/>
               </a:ext>
             </a:extLst>
           </p:cNvPr>
@@ -3801,8 +4039,8 @@
         </p:nvSpPr>
         <p:spPr>
           <a:xfrm>
-            <a:off x="631371" y="1404648"/>
-            <a:ext cx="10602685" cy="1477328"/>
+            <a:off x="9123106" y="2351409"/>
+            <a:ext cx="2535494" cy="3939540"/>
           </a:xfrm>
           <a:prstGeom prst="rect">
             <a:avLst/>
@@ -3810,54 +4048,126 @@
           <a:noFill/>
         </p:spPr>
         <p:txBody>
-          <a:bodyPr wrap="square">
+          <a:bodyPr wrap="square" rtlCol="0">
             <a:spAutoFit/>
           </a:bodyPr>
           <a:lstStyle/>
           <a:p>
-            <a:pPr marL="342900" indent="-342900">
-              <a:lnSpc>
-                <a:spcPct val="150000"/>
-              </a:lnSpc>
-              <a:buFont typeface="+mj-lt"/>
-              <a:buAutoNum type="arabicPeriod"/>
-            </a:pPr>
-            <a:r>
-              <a:rPr lang="en-IN" dirty="0">
-                <a:hlinkClick r:id="rId2"/>
+            <a:r>
+              <a:rPr lang="en-US" sz="2000" dirty="0">
+                <a:latin typeface="Comic Sans MS" panose="030F0702030302020204" pitchFamily="66" charset="0"/>
               </a:rPr>
-              <a:t>GitHub - Code4Bharat-2025/demo</a:t>
-            </a:r>
-            <a:endParaRPr lang="en-IN" dirty="0"/>
-          </a:p>
-          <a:p>
-            <a:pPr marL="342900" indent="-342900">
-              <a:lnSpc>
-                <a:spcPct val="150000"/>
-              </a:lnSpc>
-              <a:buFont typeface="+mj-lt"/>
-              <a:buAutoNum type="arabicPeriod"/>
-            </a:pPr>
-            <a:r>
-              <a:rPr lang="en-IN" dirty="0">
-                <a:hlinkClick r:id="rId3"/>
+              <a:t>TEAM_5 Members: </a:t>
+            </a:r>
+          </a:p>
+          <a:p>
+            <a:endParaRPr lang="en-US" dirty="0">
+              <a:latin typeface="Comic Sans MS" panose="030F0702030302020204" pitchFamily="66" charset="0"/>
+            </a:endParaRPr>
+          </a:p>
+          <a:p>
+            <a:r>
+              <a:rPr lang="en-US" sz="2000" dirty="0">
+                <a:latin typeface="Comic Sans MS" panose="030F0702030302020204" pitchFamily="66" charset="0"/>
               </a:rPr>
-              <a:t>http://numbersapi.com/</a:t>
-            </a:r>
-            <a:endParaRPr lang="en-IN" dirty="0"/>
-          </a:p>
-          <a:p>
-            <a:endParaRPr lang="en-IN" dirty="0"/>
-          </a:p>
-          <a:p>
-            <a:endParaRPr lang="en-IN" dirty="0"/>
+              <a:t>Alok Diwan</a:t>
+            </a:r>
+          </a:p>
+          <a:p>
+            <a:r>
+              <a:rPr lang="en-US" sz="2000" dirty="0">
+                <a:latin typeface="Comic Sans MS" panose="030F0702030302020204" pitchFamily="66" charset="0"/>
+              </a:rPr>
+              <a:t>Ashwini Badge</a:t>
+            </a:r>
+          </a:p>
+          <a:p>
+            <a:r>
+              <a:rPr lang="en-US" sz="2000" dirty="0">
+                <a:latin typeface="Comic Sans MS" panose="030F0702030302020204" pitchFamily="66" charset="0"/>
+              </a:rPr>
+              <a:t>Suraj </a:t>
+            </a:r>
+            <a:r>
+              <a:rPr lang="en-US" sz="2000" dirty="0" err="1">
+                <a:latin typeface="Comic Sans MS" panose="030F0702030302020204" pitchFamily="66" charset="0"/>
+              </a:rPr>
+              <a:t>Dhase</a:t>
+            </a:r>
+            <a:endParaRPr lang="en-US" sz="2000" dirty="0">
+              <a:latin typeface="Comic Sans MS" panose="030F0702030302020204" pitchFamily="66" charset="0"/>
+            </a:endParaRPr>
+          </a:p>
+          <a:p>
+            <a:r>
+              <a:rPr lang="en-US" sz="2000" dirty="0">
+                <a:latin typeface="Comic Sans MS" panose="030F0702030302020204" pitchFamily="66" charset="0"/>
+              </a:rPr>
+              <a:t>Shruti Rani</a:t>
+            </a:r>
+          </a:p>
+          <a:p>
+            <a:r>
+              <a:rPr lang="en-US" sz="2000" dirty="0">
+                <a:latin typeface="Comic Sans MS" panose="030F0702030302020204" pitchFamily="66" charset="0"/>
+              </a:rPr>
+              <a:t>Abhishek Jagtap</a:t>
+            </a:r>
+          </a:p>
+          <a:p>
+            <a:r>
+              <a:rPr lang="en-US" sz="2000" dirty="0">
+                <a:latin typeface="Comic Sans MS" panose="030F0702030302020204" pitchFamily="66" charset="0"/>
+              </a:rPr>
+              <a:t>Preeti </a:t>
+            </a:r>
+            <a:r>
+              <a:rPr lang="en-US" sz="2000" dirty="0" err="1">
+                <a:latin typeface="Comic Sans MS" panose="030F0702030302020204" pitchFamily="66" charset="0"/>
+              </a:rPr>
+              <a:t>Natekar</a:t>
+            </a:r>
+            <a:endParaRPr lang="en-US" sz="2000" dirty="0">
+              <a:latin typeface="Comic Sans MS" panose="030F0702030302020204" pitchFamily="66" charset="0"/>
+            </a:endParaRPr>
+          </a:p>
+          <a:p>
+            <a:r>
+              <a:rPr lang="en-US" sz="2000" dirty="0">
+                <a:latin typeface="Comic Sans MS" panose="030F0702030302020204" pitchFamily="66" charset="0"/>
+              </a:rPr>
+              <a:t>Sandip Sannyasi</a:t>
+            </a:r>
+          </a:p>
+          <a:p>
+            <a:r>
+              <a:rPr lang="en-US" sz="2000" dirty="0">
+                <a:latin typeface="Comic Sans MS" panose="030F0702030302020204" pitchFamily="66" charset="0"/>
+              </a:rPr>
+              <a:t>Avishek Sinha</a:t>
+            </a:r>
+          </a:p>
+          <a:p>
+            <a:endParaRPr lang="en-US" dirty="0">
+              <a:latin typeface="Comic Sans MS" panose="030F0702030302020204" pitchFamily="66" charset="0"/>
+            </a:endParaRPr>
+          </a:p>
+          <a:p>
+            <a:endParaRPr lang="en-US" dirty="0">
+              <a:latin typeface="Comic Sans MS" panose="030F0702030302020204" pitchFamily="66" charset="0"/>
+            </a:endParaRPr>
+          </a:p>
+          <a:p>
+            <a:endParaRPr lang="en-US" dirty="0">
+              <a:latin typeface="Comic Sans MS" panose="030F0702030302020204" pitchFamily="66" charset="0"/>
+            </a:endParaRPr>
           </a:p>
         </p:txBody>
       </p:sp>
     </p:spTree>
     <p:extLst>
       <p:ext uri="{BB962C8B-B14F-4D97-AF65-F5344CB8AC3E}">
-        <p14:creationId xmlns:p14="http://schemas.microsoft.com/office/powerpoint/2010/main" val="2620370907"/>
+        <p14:creationId xmlns:p14="http://schemas.microsoft.com/office/powerpoint/2010/main" val="2537269822"/>
       </p:ext>
     </p:extLst>
   </p:cSld>
@@ -3884,58 +4194,154 @@
           <a:chExt cx="0" cy="0"/>
         </a:xfrm>
       </p:grpSpPr>
-      <p:cxnSp>
-        <p:nvCxnSpPr>
-          <p:cNvPr id="5" name="Straight Connector 4">
-            <a:extLst>
-              <a:ext uri="{FF2B5EF4-FFF2-40B4-BE49-F238E27FC236}">
-                <a16:creationId xmlns:a16="http://schemas.microsoft.com/office/drawing/2014/main" id="{0A98CB40-A09A-3EEC-1317-B08DAF690BE0}"/>
-              </a:ext>
-            </a:extLst>
-          </p:cNvPr>
-          <p:cNvCxnSpPr/>
+      <p:sp>
+        <p:nvSpPr>
+          <p:cNvPr id="2" name="Title 1">
+            <a:extLst>
+              <a:ext uri="{FF2B5EF4-FFF2-40B4-BE49-F238E27FC236}">
+                <a16:creationId xmlns:a16="http://schemas.microsoft.com/office/drawing/2014/main" id="{C82B06D2-615A-A211-FA59-2E0F9503D139}"/>
+              </a:ext>
+            </a:extLst>
+          </p:cNvPr>
+          <p:cNvSpPr>
+            <a:spLocks noGrp="1"/>
+          </p:cNvSpPr>
+          <p:nvPr>
+            <p:ph type="title"/>
+          </p:nvPr>
+        </p:nvSpPr>
+        <p:spPr/>
+        <p:txBody>
+          <a:bodyPr/>
+          <a:lstStyle/>
+          <a:p>
+            <a:endParaRPr lang="en-US" dirty="0"/>
+          </a:p>
+        </p:txBody>
+      </p:sp>
+      <p:pic>
+        <p:nvPicPr>
+          <p:cNvPr id="6" name="Picture 4" descr="Education Powerpoint Templates - Free PPT Backgrounds">
+            <a:extLst>
+              <a:ext uri="{FF2B5EF4-FFF2-40B4-BE49-F238E27FC236}">
+                <a16:creationId xmlns:a16="http://schemas.microsoft.com/office/drawing/2014/main" id="{CBBB75C3-C752-3067-CE7F-4ED0063A658A}"/>
+              </a:ext>
+            </a:extLst>
+          </p:cNvPr>
+          <p:cNvPicPr>
+            <a:picLocks noGrp="1" noChangeAspect="1" noChangeArrowheads="1"/>
+          </p:cNvPicPr>
+          <p:nvPr>
+            <p:ph idx="1"/>
+          </p:nvPr>
+        </p:nvPicPr>
+        <p:blipFill>
+          <a:blip r:embed="rId2">
+            <a:extLst>
+              <a:ext uri="{28A0092B-C50C-407E-A947-70E740481C1C}">
+                <a14:useLocalDpi xmlns:a14="http://schemas.microsoft.com/office/drawing/2010/main" val="0"/>
+              </a:ext>
+            </a:extLst>
+          </a:blip>
+          <a:srcRect/>
+          <a:stretch>
+            <a:fillRect/>
+          </a:stretch>
+        </p:blipFill>
+        <p:spPr bwMode="auto">
+          <a:xfrm>
+            <a:off x="639097" y="365125"/>
+            <a:ext cx="10815483" cy="6356349"/>
+          </a:xfrm>
+          <a:prstGeom prst="rect">
+            <a:avLst/>
+          </a:prstGeom>
+          <a:noFill/>
+          <a:extLst>
+            <a:ext uri="{909E8E84-426E-40DD-AFC4-6F175D3DCCD1}">
+              <a14:hiddenFill xmlns:a14="http://schemas.microsoft.com/office/drawing/2010/main">
+                <a:solidFill>
+                  <a:srgbClr val="FFFFFF"/>
+                </a:solidFill>
+              </a14:hiddenFill>
+            </a:ext>
+          </a:extLst>
+        </p:spPr>
+      </p:pic>
+      <p:sp>
+        <p:nvSpPr>
+          <p:cNvPr id="4" name="Date Placeholder 3">
+            <a:extLst>
+              <a:ext uri="{FF2B5EF4-FFF2-40B4-BE49-F238E27FC236}">
+                <a16:creationId xmlns:a16="http://schemas.microsoft.com/office/drawing/2014/main" id="{39EFBA09-8722-0FBE-32B8-ED8960BAB4EF}"/>
+              </a:ext>
+            </a:extLst>
+          </p:cNvPr>
+          <p:cNvSpPr>
+            <a:spLocks noGrp="1"/>
+          </p:cNvSpPr>
+          <p:nvPr>
+            <p:ph type="dt" sz="half" idx="10"/>
+          </p:nvPr>
+        </p:nvSpPr>
+        <p:spPr/>
+        <p:txBody>
+          <a:bodyPr/>
+          <a:lstStyle/>
+          <a:p>
+            <a:fld id="{AE9A2A5F-FEB0-48F6-B605-F9DB968BCAC1}" type="datetime1">
+              <a:rPr lang="en-IN" smtClean="0"/>
+              <a:t>14-05-2025</a:t>
+            </a:fld>
+            <a:endParaRPr lang="en-IN"/>
+          </a:p>
+        </p:txBody>
+      </p:sp>
+      <p:sp>
+        <p:nvSpPr>
+          <p:cNvPr id="5" name="Slide Number Placeholder 4">
+            <a:extLst>
+              <a:ext uri="{FF2B5EF4-FFF2-40B4-BE49-F238E27FC236}">
+                <a16:creationId xmlns:a16="http://schemas.microsoft.com/office/drawing/2014/main" id="{C983F2E6-41EE-BCDF-F5A2-17A9A86A76E4}"/>
+              </a:ext>
+            </a:extLst>
+          </p:cNvPr>
+          <p:cNvSpPr>
+            <a:spLocks noGrp="1"/>
+          </p:cNvSpPr>
+          <p:nvPr>
+            <p:ph type="sldNum" sz="quarter" idx="12"/>
+          </p:nvPr>
+        </p:nvSpPr>
+        <p:spPr/>
+        <p:txBody>
+          <a:bodyPr/>
+          <a:lstStyle/>
+          <a:p>
+            <a:fld id="{3CCCCD15-A91D-4933-83FC-B538C647448D}" type="slidenum">
+              <a:rPr lang="en-IN" smtClean="0"/>
+              <a:t>2</a:t>
+            </a:fld>
+            <a:endParaRPr lang="en-IN"/>
+          </a:p>
+        </p:txBody>
+      </p:sp>
+      <p:sp>
+        <p:nvSpPr>
+          <p:cNvPr id="7" name="TextBox 6">
+            <a:extLst>
+              <a:ext uri="{FF2B5EF4-FFF2-40B4-BE49-F238E27FC236}">
+                <a16:creationId xmlns:a16="http://schemas.microsoft.com/office/drawing/2014/main" id="{81A7468C-194F-BCE0-C507-5EEC0B8618EF}"/>
+              </a:ext>
+            </a:extLst>
+          </p:cNvPr>
+          <p:cNvSpPr txBox="1"/>
           <p:nvPr/>
-        </p:nvCxnSpPr>
+        </p:nvSpPr>
         <p:spPr>
           <a:xfrm>
-            <a:off x="631372" y="1066800"/>
-            <a:ext cx="9873343" cy="0"/>
-          </a:xfrm>
-          <a:prstGeom prst="line">
-            <a:avLst/>
-          </a:prstGeom>
-        </p:spPr>
-        <p:style>
-          <a:lnRef idx="1">
-            <a:schemeClr val="accent2"/>
-          </a:lnRef>
-          <a:fillRef idx="0">
-            <a:schemeClr val="accent2"/>
-          </a:fillRef>
-          <a:effectRef idx="0">
-            <a:schemeClr val="accent2"/>
-          </a:effectRef>
-          <a:fontRef idx="minor">
-            <a:schemeClr val="tx1"/>
-          </a:fontRef>
-        </p:style>
-      </p:cxnSp>
-      <p:sp>
-        <p:nvSpPr>
-          <p:cNvPr id="6" name="TextBox 5">
-            <a:extLst>
-              <a:ext uri="{FF2B5EF4-FFF2-40B4-BE49-F238E27FC236}">
-                <a16:creationId xmlns:a16="http://schemas.microsoft.com/office/drawing/2014/main" id="{F6195049-56EE-7A0A-8C41-ADAA5A12E0B0}"/>
-              </a:ext>
-            </a:extLst>
-          </p:cNvPr>
-          <p:cNvSpPr txBox="1"/>
-          <p:nvPr/>
-        </p:nvSpPr>
-        <p:spPr>
-          <a:xfrm>
-            <a:off x="631372" y="511629"/>
-            <a:ext cx="8882742" cy="380995"/>
+            <a:off x="1654629" y="1027906"/>
+            <a:ext cx="8882742" cy="400110"/>
           </a:xfrm>
           <a:prstGeom prst="rect">
             <a:avLst/>
@@ -3949,19 +4355,23 @@
           <a:lstStyle/>
           <a:p>
             <a:r>
-              <a:rPr lang="en-US" b="1" dirty="0"/>
+              <a:rPr lang="en-US" sz="2000" b="1" dirty="0">
+                <a:latin typeface="Castellar" panose="020A0402060406010301" pitchFamily="18" charset="0"/>
+              </a:rPr>
               <a:t>Table of Contents</a:t>
             </a:r>
-            <a:endParaRPr lang="en-IN" b="1" dirty="0"/>
+            <a:endParaRPr lang="en-IN" sz="2000" b="1" dirty="0">
+              <a:latin typeface="Castellar" panose="020A0402060406010301" pitchFamily="18" charset="0"/>
+            </a:endParaRPr>
           </a:p>
         </p:txBody>
       </p:sp>
       <p:graphicFrame>
         <p:nvGraphicFramePr>
-          <p:cNvPr id="7" name="Table 6">
-            <a:extLst>
-              <a:ext uri="{FF2B5EF4-FFF2-40B4-BE49-F238E27FC236}">
-                <a16:creationId xmlns:a16="http://schemas.microsoft.com/office/drawing/2014/main" id="{EFDDD07C-D427-1061-8C68-72C1CE70C39F}"/>
+          <p:cNvPr id="8" name="Table 7">
+            <a:extLst>
+              <a:ext uri="{FF2B5EF4-FFF2-40B4-BE49-F238E27FC236}">
+                <a16:creationId xmlns:a16="http://schemas.microsoft.com/office/drawing/2014/main" id="{A1C5D8BE-02C8-A06A-0D74-86B48F8D4846}"/>
               </a:ext>
             </a:extLst>
           </p:cNvPr>
@@ -3971,13 +4381,13 @@
           <p:nvPr>
             <p:extLst>
               <p:ext uri="{D42A27DB-BD31-4B8C-83A1-F6EECF244321}">
-                <p14:modId xmlns:p14="http://schemas.microsoft.com/office/powerpoint/2010/main" val="3799541294"/>
+                <p14:modId xmlns:p14="http://schemas.microsoft.com/office/powerpoint/2010/main" val="3501085063"/>
               </p:ext>
             </p:extLst>
           </p:nvPr>
         </p:nvGraphicFramePr>
         <p:xfrm>
-          <a:off x="631372" y="1574799"/>
+          <a:off x="1605467" y="1555135"/>
           <a:ext cx="10776858" cy="3095170"/>
         </p:xfrm>
         <a:graphic>
@@ -4016,10 +4426,14 @@
                     <a:lstStyle/>
                     <a:p>
                       <a:r>
-                        <a:rPr lang="en-US" b="0" dirty="0"/>
+                        <a:rPr lang="en-US" sz="2000" b="0" dirty="0">
+                          <a:latin typeface="Comic Sans MS" panose="030F0702030302020204" pitchFamily="66" charset="0"/>
+                        </a:rPr>
                         <a:t>Section 1</a:t>
                       </a:r>
-                      <a:endParaRPr lang="en-IN" b="0" dirty="0"/>
+                      <a:endParaRPr lang="en-IN" sz="2000" b="0" dirty="0">
+                        <a:latin typeface="Comic Sans MS" panose="030F0702030302020204" pitchFamily="66" charset="0"/>
+                      </a:endParaRPr>
                     </a:p>
                   </a:txBody>
                   <a:tcPr/>
@@ -4030,10 +4444,14 @@
                     <a:lstStyle/>
                     <a:p>
                       <a:r>
-                        <a:rPr lang="en-US" b="0" dirty="0"/>
+                        <a:rPr lang="en-US" sz="2000" b="0" dirty="0">
+                          <a:latin typeface="Comic Sans MS" panose="030F0702030302020204" pitchFamily="66" charset="0"/>
+                        </a:rPr>
                         <a:t>Summary</a:t>
                       </a:r>
-                      <a:endParaRPr lang="en-IN" b="0" dirty="0"/>
+                      <a:endParaRPr lang="en-IN" sz="2000" b="0" dirty="0">
+                        <a:latin typeface="Comic Sans MS" panose="030F0702030302020204" pitchFamily="66" charset="0"/>
+                      </a:endParaRPr>
                     </a:p>
                   </a:txBody>
                   <a:tcPr/>
@@ -4044,10 +4462,14 @@
                     <a:lstStyle/>
                     <a:p>
                       <a:r>
-                        <a:rPr lang="en-US" b="0" dirty="0"/>
+                        <a:rPr lang="en-US" sz="2000" b="0" dirty="0">
+                          <a:latin typeface="Comic Sans MS" panose="030F0702030302020204" pitchFamily="66" charset="0"/>
+                        </a:rPr>
                         <a:t>Slide No.  3</a:t>
                       </a:r>
-                      <a:endParaRPr lang="en-IN" b="0" dirty="0"/>
+                      <a:endParaRPr lang="en-IN" sz="2000" b="0" dirty="0">
+                        <a:latin typeface="Comic Sans MS" panose="030F0702030302020204" pitchFamily="66" charset="0"/>
+                      </a:endParaRPr>
                     </a:p>
                   </a:txBody>
                   <a:tcPr/>
@@ -4065,10 +4487,14 @@
                     <a:lstStyle/>
                     <a:p>
                       <a:r>
-                        <a:rPr lang="en-US" b="0" dirty="0"/>
+                        <a:rPr lang="en-US" sz="2000" b="0" dirty="0">
+                          <a:latin typeface="Comic Sans MS" panose="030F0702030302020204" pitchFamily="66" charset="0"/>
+                        </a:rPr>
                         <a:t>Section 2</a:t>
                       </a:r>
-                      <a:endParaRPr lang="en-IN" b="0" dirty="0"/>
+                      <a:endParaRPr lang="en-IN" sz="2000" b="0" dirty="0">
+                        <a:latin typeface="Comic Sans MS" panose="030F0702030302020204" pitchFamily="66" charset="0"/>
+                      </a:endParaRPr>
                     </a:p>
                   </a:txBody>
                   <a:tcPr/>
@@ -4079,10 +4505,14 @@
                     <a:lstStyle/>
                     <a:p>
                       <a:r>
-                        <a:rPr lang="en-US" b="0" dirty="0"/>
+                        <a:rPr lang="en-US" sz="2000" b="0" dirty="0">
+                          <a:latin typeface="Comic Sans MS" panose="030F0702030302020204" pitchFamily="66" charset="0"/>
+                        </a:rPr>
                         <a:t>Background &amp; Context /Problem Statement</a:t>
                       </a:r>
-                      <a:endParaRPr lang="en-IN" b="0" dirty="0"/>
+                      <a:endParaRPr lang="en-IN" sz="2000" b="0" dirty="0">
+                        <a:latin typeface="Comic Sans MS" panose="030F0702030302020204" pitchFamily="66" charset="0"/>
+                      </a:endParaRPr>
                     </a:p>
                   </a:txBody>
                   <a:tcPr/>
@@ -4093,10 +4523,14 @@
                     <a:lstStyle/>
                     <a:p>
                       <a:r>
-                        <a:rPr lang="en-US" b="0" dirty="0"/>
+                        <a:rPr lang="en-US" sz="2000" b="0" dirty="0">
+                          <a:latin typeface="Comic Sans MS" panose="030F0702030302020204" pitchFamily="66" charset="0"/>
+                        </a:rPr>
                         <a:t>Slide No. 4</a:t>
                       </a:r>
-                      <a:endParaRPr lang="en-IN" b="0" dirty="0"/>
+                      <a:endParaRPr lang="en-IN" sz="2000" b="0" dirty="0">
+                        <a:latin typeface="Comic Sans MS" panose="030F0702030302020204" pitchFamily="66" charset="0"/>
+                      </a:endParaRPr>
                     </a:p>
                   </a:txBody>
                   <a:tcPr/>
@@ -4131,10 +4565,14 @@
                         <a:defRPr/>
                       </a:pPr>
                       <a:r>
-                        <a:rPr lang="en-US" b="0" dirty="0"/>
+                        <a:rPr lang="en-US" sz="2000" b="0" dirty="0">
+                          <a:latin typeface="Comic Sans MS" panose="030F0702030302020204" pitchFamily="66" charset="0"/>
+                        </a:rPr>
                         <a:t>Section 3</a:t>
                       </a:r>
-                      <a:endParaRPr lang="en-IN" b="0" dirty="0"/>
+                      <a:endParaRPr lang="en-IN" sz="2000" b="0" dirty="0">
+                        <a:latin typeface="Comic Sans MS" panose="030F0702030302020204" pitchFamily="66" charset="0"/>
+                      </a:endParaRPr>
                     </a:p>
                   </a:txBody>
                   <a:tcPr/>
@@ -4145,10 +4583,14 @@
                     <a:lstStyle/>
                     <a:p>
                       <a:r>
-                        <a:rPr lang="en-US" b="0" dirty="0"/>
+                        <a:rPr lang="en-US" sz="2000" b="0" dirty="0">
+                          <a:latin typeface="Comic Sans MS" panose="030F0702030302020204" pitchFamily="66" charset="0"/>
+                        </a:rPr>
                         <a:t>Analysis and Workflow</a:t>
                       </a:r>
-                      <a:endParaRPr lang="en-IN" b="0" dirty="0"/>
+                      <a:endParaRPr lang="en-IN" sz="2000" b="0" dirty="0">
+                        <a:latin typeface="Comic Sans MS" panose="030F0702030302020204" pitchFamily="66" charset="0"/>
+                      </a:endParaRPr>
                     </a:p>
                   </a:txBody>
                   <a:tcPr/>
@@ -4176,10 +4618,14 @@
                         <a:defRPr/>
                       </a:pPr>
                       <a:r>
-                        <a:rPr lang="en-US" b="0" dirty="0"/>
+                        <a:rPr lang="en-US" sz="2000" b="0" dirty="0">
+                          <a:latin typeface="Comic Sans MS" panose="030F0702030302020204" pitchFamily="66" charset="0"/>
+                        </a:rPr>
                         <a:t>Slide No. 6</a:t>
                       </a:r>
-                      <a:endParaRPr lang="en-IN" b="0" dirty="0"/>
+                      <a:endParaRPr lang="en-IN" sz="2000" b="0" dirty="0">
+                        <a:latin typeface="Comic Sans MS" panose="030F0702030302020204" pitchFamily="66" charset="0"/>
+                      </a:endParaRPr>
                     </a:p>
                   </a:txBody>
                   <a:tcPr/>
@@ -4214,10 +4660,14 @@
                         <a:defRPr/>
                       </a:pPr>
                       <a:r>
-                        <a:rPr lang="en-US" b="0" dirty="0"/>
+                        <a:rPr lang="en-US" sz="2000" b="0" dirty="0">
+                          <a:latin typeface="Comic Sans MS" panose="030F0702030302020204" pitchFamily="66" charset="0"/>
+                        </a:rPr>
                         <a:t>Section 4</a:t>
                       </a:r>
-                      <a:endParaRPr lang="en-IN" b="0" dirty="0"/>
+                      <a:endParaRPr lang="en-IN" sz="2000" b="0" dirty="0">
+                        <a:latin typeface="Comic Sans MS" panose="030F0702030302020204" pitchFamily="66" charset="0"/>
+                      </a:endParaRPr>
                     </a:p>
                   </a:txBody>
                   <a:tcPr/>
@@ -4228,10 +4678,14 @@
                     <a:lstStyle/>
                     <a:p>
                       <a:r>
-                        <a:rPr lang="en-US" b="0" dirty="0"/>
+                        <a:rPr lang="en-US" sz="2000" b="0" dirty="0">
+                          <a:latin typeface="Comic Sans MS" panose="030F0702030302020204" pitchFamily="66" charset="0"/>
+                        </a:rPr>
                         <a:t>Demo</a:t>
                       </a:r>
-                      <a:endParaRPr lang="en-IN" b="0" dirty="0"/>
+                      <a:endParaRPr lang="en-IN" sz="2000" b="0" dirty="0">
+                        <a:latin typeface="Comic Sans MS" panose="030F0702030302020204" pitchFamily="66" charset="0"/>
+                      </a:endParaRPr>
                     </a:p>
                   </a:txBody>
                   <a:tcPr/>
@@ -4259,10 +4713,14 @@
                         <a:defRPr/>
                       </a:pPr>
                       <a:r>
-                        <a:rPr lang="en-US" b="0" dirty="0"/>
+                        <a:rPr lang="en-US" sz="2000" b="0" dirty="0">
+                          <a:latin typeface="Comic Sans MS" panose="030F0702030302020204" pitchFamily="66" charset="0"/>
+                        </a:rPr>
                         <a:t>Slide No. 7</a:t>
                       </a:r>
-                      <a:endParaRPr lang="en-IN" b="0" dirty="0"/>
+                      <a:endParaRPr lang="en-IN" sz="2000" b="0" dirty="0">
+                        <a:latin typeface="Comic Sans MS" panose="030F0702030302020204" pitchFamily="66" charset="0"/>
+                      </a:endParaRPr>
                     </a:p>
                   </a:txBody>
                   <a:tcPr/>
@@ -4297,10 +4755,14 @@
                         <a:defRPr/>
                       </a:pPr>
                       <a:r>
-                        <a:rPr lang="en-US" b="0" dirty="0"/>
+                        <a:rPr lang="en-US" sz="2000" b="0" dirty="0">
+                          <a:latin typeface="Comic Sans MS" panose="030F0702030302020204" pitchFamily="66" charset="0"/>
+                        </a:rPr>
                         <a:t>Section 5</a:t>
                       </a:r>
-                      <a:endParaRPr lang="en-IN" b="0" dirty="0"/>
+                      <a:endParaRPr lang="en-IN" sz="2000" b="0" dirty="0">
+                        <a:latin typeface="Comic Sans MS" panose="030F0702030302020204" pitchFamily="66" charset="0"/>
+                      </a:endParaRPr>
                     </a:p>
                   </a:txBody>
                   <a:tcPr/>
@@ -4311,10 +4773,14 @@
                     <a:lstStyle/>
                     <a:p>
                       <a:r>
-                        <a:rPr lang="en-US" b="0" dirty="0"/>
+                        <a:rPr lang="en-US" sz="2000" b="0" dirty="0">
+                          <a:latin typeface="Comic Sans MS" panose="030F0702030302020204" pitchFamily="66" charset="0"/>
+                        </a:rPr>
                         <a:t>Appendix</a:t>
                       </a:r>
-                      <a:endParaRPr lang="en-IN" b="0" dirty="0"/>
+                      <a:endParaRPr lang="en-IN" sz="2000" b="0" dirty="0">
+                        <a:latin typeface="Comic Sans MS" panose="030F0702030302020204" pitchFamily="66" charset="0"/>
+                      </a:endParaRPr>
                     </a:p>
                   </a:txBody>
                   <a:tcPr/>
@@ -4342,10 +4808,14 @@
                         <a:defRPr/>
                       </a:pPr>
                       <a:r>
-                        <a:rPr lang="en-US" b="0" dirty="0"/>
+                        <a:rPr lang="en-US" sz="2000" b="0" dirty="0">
+                          <a:latin typeface="Comic Sans MS" panose="030F0702030302020204" pitchFamily="66" charset="0"/>
+                        </a:rPr>
                         <a:t>Slide No. 8</a:t>
                       </a:r>
-                      <a:endParaRPr lang="en-IN" b="0" dirty="0"/>
+                      <a:endParaRPr lang="en-IN" sz="2000" b="0" dirty="0">
+                        <a:latin typeface="Comic Sans MS" panose="030F0702030302020204" pitchFamily="66" charset="0"/>
+                      </a:endParaRPr>
                     </a:p>
                   </a:txBody>
                   <a:tcPr/>
@@ -4363,7 +4833,7 @@
     </p:spTree>
     <p:extLst>
       <p:ext uri="{BB962C8B-B14F-4D97-AF65-F5344CB8AC3E}">
-        <p14:creationId xmlns:p14="http://schemas.microsoft.com/office/powerpoint/2010/main" val="1724544236"/>
+        <p14:creationId xmlns:p14="http://schemas.microsoft.com/office/powerpoint/2010/main" val="3288705653"/>
       </p:ext>
     </p:extLst>
   </p:cSld>
@@ -4378,13 +4848,7 @@
   <p:cSld>
     <p:spTree>
       <p:nvGrpSpPr>
-        <p:cNvPr id="1" name="">
-          <a:extLst>
-            <a:ext uri="{FF2B5EF4-FFF2-40B4-BE49-F238E27FC236}">
-              <a16:creationId xmlns:a16="http://schemas.microsoft.com/office/drawing/2014/main" id="{EDE6943F-A680-6C14-41DD-FAD525AA201D}"/>
-            </a:ext>
-          </a:extLst>
-        </p:cNvPr>
+        <p:cNvPr id="1" name=""/>
         <p:cNvGrpSpPr/>
         <p:nvPr/>
       </p:nvGrpSpPr>
@@ -4396,48 +4860,111 @@
           <a:chExt cx="0" cy="0"/>
         </a:xfrm>
       </p:grpSpPr>
-      <p:cxnSp>
-        <p:nvCxnSpPr>
-          <p:cNvPr id="5" name="Straight Connector 4">
-            <a:extLst>
-              <a:ext uri="{FF2B5EF4-FFF2-40B4-BE49-F238E27FC236}">
-                <a16:creationId xmlns:a16="http://schemas.microsoft.com/office/drawing/2014/main" id="{1BBA1221-19D7-5C5A-B09E-1C406045C354}"/>
-              </a:ext>
-            </a:extLst>
-          </p:cNvPr>
-          <p:cNvCxnSpPr/>
-          <p:nvPr/>
-        </p:nvCxnSpPr>
+      <p:pic>
+        <p:nvPicPr>
+          <p:cNvPr id="6" name="Content Placeholder 5">
+            <a:extLst>
+              <a:ext uri="{FF2B5EF4-FFF2-40B4-BE49-F238E27FC236}">
+                <a16:creationId xmlns:a16="http://schemas.microsoft.com/office/drawing/2014/main" id="{AB972E22-D56C-ED0F-FAB1-8A74FCA11933}"/>
+              </a:ext>
+            </a:extLst>
+          </p:cNvPr>
+          <p:cNvPicPr>
+            <a:picLocks noGrp="1" noChangeAspect="1"/>
+          </p:cNvPicPr>
+          <p:nvPr>
+            <p:ph idx="1"/>
+          </p:nvPr>
+        </p:nvPicPr>
+        <p:blipFill>
+          <a:blip r:embed="rId2">
+            <a:extLst>
+              <a:ext uri="{96DAC541-7B7A-43D3-8B79-37D633B846F1}">
+                <asvg:svgBlip xmlns:asvg="http://schemas.microsoft.com/office/drawing/2016/SVG/main" r:embed="rId3"/>
+              </a:ext>
+              <a:ext uri="{837473B0-CC2E-450A-ABE3-18F120FF3D39}">
+                <a1611:picAttrSrcUrl xmlns:a1611="http://schemas.microsoft.com/office/drawing/2016/11/main" r:id="rId4"/>
+              </a:ext>
+            </a:extLst>
+          </a:blip>
+          <a:stretch>
+            <a:fillRect/>
+          </a:stretch>
+        </p:blipFill>
         <p:spPr>
           <a:xfrm>
-            <a:off x="631372" y="1066800"/>
-            <a:ext cx="9873343" cy="0"/>
+            <a:off x="6984537" y="136525"/>
+            <a:ext cx="3650331" cy="4770950"/>
           </a:xfrm>
-          <a:prstGeom prst="line">
+          <a:prstGeom prst="rect">
             <a:avLst/>
           </a:prstGeom>
         </p:spPr>
-        <p:style>
-          <a:lnRef idx="1">
-            <a:schemeClr val="accent2"/>
-          </a:lnRef>
-          <a:fillRef idx="0">
-            <a:schemeClr val="accent2"/>
-          </a:fillRef>
-          <a:effectRef idx="0">
-            <a:schemeClr val="accent2"/>
-          </a:effectRef>
-          <a:fontRef idx="minor">
-            <a:schemeClr val="tx1"/>
-          </a:fontRef>
-        </p:style>
-      </p:cxnSp>
-      <p:sp>
-        <p:nvSpPr>
-          <p:cNvPr id="6" name="TextBox 5">
-            <a:extLst>
-              <a:ext uri="{FF2B5EF4-FFF2-40B4-BE49-F238E27FC236}">
-                <a16:creationId xmlns:a16="http://schemas.microsoft.com/office/drawing/2014/main" id="{E55E598F-C78A-FFEE-DB6B-37AEF2223C3D}"/>
+      </p:pic>
+      <p:sp>
+        <p:nvSpPr>
+          <p:cNvPr id="4" name="Date Placeholder 3">
+            <a:extLst>
+              <a:ext uri="{FF2B5EF4-FFF2-40B4-BE49-F238E27FC236}">
+                <a16:creationId xmlns:a16="http://schemas.microsoft.com/office/drawing/2014/main" id="{6BE4E5F4-84AD-D5B0-7CCA-9347736C1FEF}"/>
+              </a:ext>
+            </a:extLst>
+          </p:cNvPr>
+          <p:cNvSpPr>
+            <a:spLocks noGrp="1"/>
+          </p:cNvSpPr>
+          <p:nvPr>
+            <p:ph type="dt" sz="half" idx="10"/>
+          </p:nvPr>
+        </p:nvSpPr>
+        <p:spPr/>
+        <p:txBody>
+          <a:bodyPr/>
+          <a:lstStyle/>
+          <a:p>
+            <a:fld id="{AE9A2A5F-FEB0-48F6-B605-F9DB968BCAC1}" type="datetime1">
+              <a:rPr lang="en-IN" smtClean="0"/>
+              <a:t>14-05-2025</a:t>
+            </a:fld>
+            <a:endParaRPr lang="en-IN"/>
+          </a:p>
+        </p:txBody>
+      </p:sp>
+      <p:sp>
+        <p:nvSpPr>
+          <p:cNvPr id="5" name="Slide Number Placeholder 4">
+            <a:extLst>
+              <a:ext uri="{FF2B5EF4-FFF2-40B4-BE49-F238E27FC236}">
+                <a16:creationId xmlns:a16="http://schemas.microsoft.com/office/drawing/2014/main" id="{B25F4CE5-9D5D-5DBD-3109-76602D32F996}"/>
+              </a:ext>
+            </a:extLst>
+          </p:cNvPr>
+          <p:cNvSpPr>
+            <a:spLocks noGrp="1"/>
+          </p:cNvSpPr>
+          <p:nvPr>
+            <p:ph type="sldNum" sz="quarter" idx="12"/>
+          </p:nvPr>
+        </p:nvSpPr>
+        <p:spPr/>
+        <p:txBody>
+          <a:bodyPr/>
+          <a:lstStyle/>
+          <a:p>
+            <a:fld id="{3CCCCD15-A91D-4933-83FC-B538C647448D}" type="slidenum">
+              <a:rPr lang="en-IN" smtClean="0"/>
+              <a:t>3</a:t>
+            </a:fld>
+            <a:endParaRPr lang="en-IN"/>
+          </a:p>
+        </p:txBody>
+      </p:sp>
+      <p:sp>
+        <p:nvSpPr>
+          <p:cNvPr id="7" name="TextBox 6">
+            <a:extLst>
+              <a:ext uri="{FF2B5EF4-FFF2-40B4-BE49-F238E27FC236}">
+                <a16:creationId xmlns:a16="http://schemas.microsoft.com/office/drawing/2014/main" id="{5024173D-87E6-65FE-5F88-014B19C2289F}"/>
               </a:ext>
             </a:extLst>
           </p:cNvPr>
@@ -4447,7 +4974,7 @@
         <p:spPr>
           <a:xfrm>
             <a:off x="631372" y="511629"/>
-            <a:ext cx="8882742" cy="380995"/>
+            <a:ext cx="8882742" cy="400110"/>
           </a:xfrm>
           <a:prstGeom prst="rect">
             <a:avLst/>
@@ -4461,19 +4988,23 @@
           <a:lstStyle/>
           <a:p>
             <a:r>
-              <a:rPr lang="en-US" b="1" dirty="0"/>
+              <a:rPr lang="en-US" sz="2000" b="1" dirty="0">
+                <a:latin typeface="Castellar" panose="020A0402060406010301" pitchFamily="18" charset="0"/>
+              </a:rPr>
               <a:t>Summary</a:t>
             </a:r>
-            <a:endParaRPr lang="en-IN" b="1" dirty="0"/>
-          </a:p>
-        </p:txBody>
-      </p:sp>
-      <p:sp>
-        <p:nvSpPr>
-          <p:cNvPr id="3" name="TextBox 2">
-            <a:extLst>
-              <a:ext uri="{FF2B5EF4-FFF2-40B4-BE49-F238E27FC236}">
-                <a16:creationId xmlns:a16="http://schemas.microsoft.com/office/drawing/2014/main" id="{40172789-B42F-5998-F299-3A24545DECB1}"/>
+            <a:endParaRPr lang="en-IN" sz="2000" b="1" dirty="0">
+              <a:latin typeface="Castellar" panose="020A0402060406010301" pitchFamily="18" charset="0"/>
+            </a:endParaRPr>
+          </a:p>
+        </p:txBody>
+      </p:sp>
+      <p:sp>
+        <p:nvSpPr>
+          <p:cNvPr id="11" name="TextBox 10">
+            <a:extLst>
+              <a:ext uri="{FF2B5EF4-FFF2-40B4-BE49-F238E27FC236}">
+                <a16:creationId xmlns:a16="http://schemas.microsoft.com/office/drawing/2014/main" id="{A91D028B-9C3A-69A5-A5CE-836EEFDA08AB}"/>
               </a:ext>
             </a:extLst>
           </p:cNvPr>
@@ -4482,8 +5013,8 @@
         </p:nvSpPr>
         <p:spPr>
           <a:xfrm>
-            <a:off x="631372" y="1456569"/>
-            <a:ext cx="10602685" cy="4204356"/>
+            <a:off x="324465" y="1078223"/>
+            <a:ext cx="10628671" cy="5032340"/>
           </a:xfrm>
           <a:prstGeom prst="rect">
             <a:avLst/>
@@ -4504,7 +5035,9 @@
               <a:buChar char="•"/>
             </a:pPr>
             <a:r>
-              <a:rPr lang="en-IN" dirty="0"/>
+              <a:rPr lang="en-IN" dirty="0">
+                <a:latin typeface="Comic Sans MS" panose="030F0702030302020204" pitchFamily="66" charset="0"/>
+              </a:rPr>
               <a:t>For many students, numbers feel like lifeless equations things to memorize, not explore. But what if we could breathe wonder into math by connecting numbers to stories, science, and surprises? </a:t>
             </a:r>
           </a:p>
@@ -4516,7 +5049,9 @@
               <a:buFont typeface="Arial" panose="020B0604020202020204" pitchFamily="34" charset="0"/>
               <a:buChar char="•"/>
             </a:pPr>
-            <a:endParaRPr lang="en-IN" dirty="0"/>
+            <a:endParaRPr lang="en-IN" dirty="0">
+              <a:latin typeface="Comic Sans MS" panose="030F0702030302020204" pitchFamily="66" charset="0"/>
+            </a:endParaRPr>
           </a:p>
           <a:p>
             <a:pPr marL="742950" lvl="1" indent="-285750" algn="just">
@@ -4527,7 +5062,9 @@
               <a:buChar char="•"/>
             </a:pPr>
             <a:r>
-              <a:rPr lang="en-IN" dirty="0"/>
+              <a:rPr lang="en-IN" dirty="0">
+                <a:latin typeface="Comic Sans MS" panose="030F0702030302020204" pitchFamily="66" charset="0"/>
+              </a:rPr>
               <a:t>Number Nuggets is a chatbot that turns every number into a fascinating fact. Whether it's the birthday of a freedom fighter, the distance between Earth and Mars, or a quirky math property, the bot delivers one intriguing nugget a day - transforming numeracy into an adventure. </a:t>
             </a:r>
           </a:p>
@@ -4539,7 +5076,9 @@
               <a:buFont typeface="Arial" panose="020B0604020202020204" pitchFamily="34" charset="0"/>
               <a:buChar char="•"/>
             </a:pPr>
-            <a:endParaRPr lang="en-IN" dirty="0"/>
+            <a:endParaRPr lang="en-IN" dirty="0">
+              <a:latin typeface="Comic Sans MS" panose="030F0702030302020204" pitchFamily="66" charset="0"/>
+            </a:endParaRPr>
           </a:p>
           <a:p>
             <a:pPr marL="742950" lvl="1" indent="-285750" algn="just">
@@ -4550,7 +5089,9 @@
               <a:buChar char="•"/>
             </a:pPr>
             <a:r>
-              <a:rPr lang="en-IN" dirty="0"/>
+              <a:rPr lang="en-IN" dirty="0">
+                <a:latin typeface="Comic Sans MS" panose="030F0702030302020204" pitchFamily="66" charset="0"/>
+              </a:rPr>
               <a:t>Designed for middle and high school learners, this idea turns dry digits into memorable experiences. With a conversational interface and trivia-style interaction, it helps students build number sense, cross-subject awareness and a lasting sense of curiosity. </a:t>
             </a:r>
           </a:p>
@@ -4559,7 +5100,7 @@
     </p:spTree>
     <p:extLst>
       <p:ext uri="{BB962C8B-B14F-4D97-AF65-F5344CB8AC3E}">
-        <p14:creationId xmlns:p14="http://schemas.microsoft.com/office/powerpoint/2010/main" val="3839551106"/>
+        <p14:creationId xmlns:p14="http://schemas.microsoft.com/office/powerpoint/2010/main" val="2653577911"/>
       </p:ext>
     </p:extLst>
   </p:cSld>
@@ -4574,13 +5115,7 @@
   <p:cSld>
     <p:spTree>
       <p:nvGrpSpPr>
-        <p:cNvPr id="1" name="">
-          <a:extLst>
-            <a:ext uri="{FF2B5EF4-FFF2-40B4-BE49-F238E27FC236}">
-              <a16:creationId xmlns:a16="http://schemas.microsoft.com/office/drawing/2014/main" id="{DE762CC5-6D27-8C87-F3C3-97EE6CA30BC6}"/>
-            </a:ext>
-          </a:extLst>
-        </p:cNvPr>
+        <p:cNvPr id="1" name=""/>
         <p:cNvGrpSpPr/>
         <p:nvPr/>
       </p:nvGrpSpPr>
@@ -4592,857 +5127,120 @@
           <a:chExt cx="0" cy="0"/>
         </a:xfrm>
       </p:grpSpPr>
-      <p:cxnSp>
-        <p:nvCxnSpPr>
-          <p:cNvPr id="5" name="Straight Connector 4">
-            <a:extLst>
-              <a:ext uri="{FF2B5EF4-FFF2-40B4-BE49-F238E27FC236}">
-                <a16:creationId xmlns:a16="http://schemas.microsoft.com/office/drawing/2014/main" id="{FEFC03FD-7AF4-E209-C59E-91C30EBD0281}"/>
-              </a:ext>
-            </a:extLst>
-          </p:cNvPr>
-          <p:cNvCxnSpPr/>
-          <p:nvPr/>
-        </p:nvCxnSpPr>
-        <p:spPr>
-          <a:xfrm>
-            <a:off x="631372" y="1066800"/>
-            <a:ext cx="9873343" cy="0"/>
-          </a:xfrm>
-          <a:prstGeom prst="line">
-            <a:avLst/>
-          </a:prstGeom>
-        </p:spPr>
-        <p:style>
-          <a:lnRef idx="1">
-            <a:schemeClr val="accent2"/>
-          </a:lnRef>
-          <a:fillRef idx="0">
-            <a:schemeClr val="accent2"/>
-          </a:fillRef>
-          <a:effectRef idx="0">
-            <a:schemeClr val="accent2"/>
-          </a:effectRef>
-          <a:fontRef idx="minor">
-            <a:schemeClr val="tx1"/>
-          </a:fontRef>
-        </p:style>
-      </p:cxnSp>
-      <p:sp>
-        <p:nvSpPr>
-          <p:cNvPr id="6" name="TextBox 5">
-            <a:extLst>
-              <a:ext uri="{FF2B5EF4-FFF2-40B4-BE49-F238E27FC236}">
-                <a16:creationId xmlns:a16="http://schemas.microsoft.com/office/drawing/2014/main" id="{C55A4F7D-D087-879F-CA0C-9FD81A7A5464}"/>
-              </a:ext>
-            </a:extLst>
-          </p:cNvPr>
-          <p:cNvSpPr txBox="1"/>
-          <p:nvPr/>
-        </p:nvSpPr>
-        <p:spPr>
-          <a:xfrm>
-            <a:off x="631372" y="511629"/>
-            <a:ext cx="8882742" cy="380995"/>
-          </a:xfrm>
-          <a:prstGeom prst="rect">
-            <a:avLst/>
-          </a:prstGeom>
-          <a:noFill/>
-        </p:spPr>
-        <p:txBody>
-          <a:bodyPr wrap="square" rtlCol="0">
-            <a:spAutoFit/>
-          </a:bodyPr>
-          <a:lstStyle/>
-          <a:p>
-            <a:r>
-              <a:rPr lang="en-US" b="1" dirty="0"/>
-              <a:t>Background &amp; Context /Problem Statement</a:t>
-            </a:r>
-            <a:endParaRPr lang="en-IN" b="1" dirty="0"/>
-          </a:p>
-        </p:txBody>
-      </p:sp>
-      <p:sp>
-        <p:nvSpPr>
-          <p:cNvPr id="3" name="TextBox 2">
-            <a:extLst>
-              <a:ext uri="{FF2B5EF4-FFF2-40B4-BE49-F238E27FC236}">
-                <a16:creationId xmlns:a16="http://schemas.microsoft.com/office/drawing/2014/main" id="{F19E93A4-4234-5586-3417-DCE4D62F3EA9}"/>
-              </a:ext>
-            </a:extLst>
-          </p:cNvPr>
-          <p:cNvSpPr txBox="1"/>
-          <p:nvPr/>
-        </p:nvSpPr>
-        <p:spPr>
-          <a:xfrm>
-            <a:off x="631372" y="1083906"/>
-            <a:ext cx="10602685" cy="5450851"/>
-          </a:xfrm>
-          <a:prstGeom prst="rect">
-            <a:avLst/>
-          </a:prstGeom>
-          <a:noFill/>
-        </p:spPr>
-        <p:txBody>
-          <a:bodyPr wrap="square">
-            <a:spAutoFit/>
-          </a:bodyPr>
-          <a:lstStyle/>
-          <a:p>
-            <a:pPr>
-              <a:lnSpc>
-                <a:spcPct val="150000"/>
-              </a:lnSpc>
-            </a:pPr>
-            <a:r>
-              <a:rPr lang="en-IN" b="1" dirty="0"/>
-              <a:t>Explore by Number</a:t>
-            </a:r>
-          </a:p>
-          <a:p>
-            <a:pPr marL="285750" indent="-285750">
-              <a:lnSpc>
-                <a:spcPct val="150000"/>
-              </a:lnSpc>
-              <a:buFont typeface="Arial" panose="020B0604020202020204" pitchFamily="34" charset="0"/>
-              <a:buChar char="•"/>
-            </a:pPr>
-            <a:r>
-              <a:rPr lang="en-IN" dirty="0"/>
-              <a:t>Let users type in or click a number of interest number. like their birthday, roll number, or a random number</a:t>
-            </a:r>
-          </a:p>
-          <a:p>
-            <a:pPr marL="285750" indent="-285750">
-              <a:lnSpc>
-                <a:spcPct val="150000"/>
-              </a:lnSpc>
-              <a:buFont typeface="Arial" panose="020B0604020202020204" pitchFamily="34" charset="0"/>
-              <a:buChar char="•"/>
-            </a:pPr>
-            <a:r>
-              <a:rPr lang="en-IN" dirty="0"/>
-              <a:t>The bot responds with a matching fact, like: "15- The number of languages in the Indian currency note!</a:t>
-            </a:r>
-          </a:p>
-          <a:p>
-            <a:pPr marL="285750" indent="-285750">
-              <a:lnSpc>
-                <a:spcPct val="150000"/>
-              </a:lnSpc>
-              <a:buFont typeface="Arial" panose="020B0604020202020204" pitchFamily="34" charset="0"/>
-              <a:buChar char="•"/>
-            </a:pPr>
-            <a:r>
-              <a:rPr lang="en-IN" dirty="0"/>
-              <a:t>For bonus points, allow users to favourite numbers or facts they love.</a:t>
-            </a:r>
-          </a:p>
-          <a:p>
-            <a:pPr marL="285750" indent="-285750">
-              <a:lnSpc>
-                <a:spcPct val="150000"/>
-              </a:lnSpc>
-              <a:buFont typeface="Arial" panose="020B0604020202020204" pitchFamily="34" charset="0"/>
-              <a:buChar char="•"/>
-            </a:pPr>
-            <a:endParaRPr lang="en-IN" dirty="0"/>
-          </a:p>
-          <a:p>
-            <a:pPr>
-              <a:lnSpc>
-                <a:spcPct val="150000"/>
-              </a:lnSpc>
-            </a:pPr>
-            <a:r>
-              <a:rPr lang="en-US" b="1" dirty="0"/>
-              <a:t>Surprise Me Mode </a:t>
-            </a:r>
-          </a:p>
-          <a:p>
-            <a:pPr marL="285750" indent="-285750">
-              <a:lnSpc>
-                <a:spcPct val="150000"/>
-              </a:lnSpc>
-              <a:buFont typeface="Arial" panose="020B0604020202020204" pitchFamily="34" charset="0"/>
-              <a:buChar char="•"/>
-            </a:pPr>
-            <a:r>
-              <a:rPr lang="en-US" dirty="0"/>
-              <a:t>Add a playful "Surprise Me" button to generate a completely random fact.</a:t>
-            </a:r>
-          </a:p>
-          <a:p>
-            <a:pPr marL="285750" indent="-285750">
-              <a:lnSpc>
-                <a:spcPct val="150000"/>
-              </a:lnSpc>
-              <a:buFont typeface="Arial" panose="020B0604020202020204" pitchFamily="34" charset="0"/>
-              <a:buChar char="•"/>
-            </a:pPr>
-            <a:r>
-              <a:rPr lang="en-US" dirty="0"/>
-              <a:t>This supports curiosity-driven learning and keeps the experience fresh.</a:t>
-            </a:r>
-          </a:p>
-          <a:p>
-            <a:pPr marL="285750" indent="-285750">
-              <a:lnSpc>
-                <a:spcPct val="150000"/>
-              </a:lnSpc>
-              <a:buFont typeface="Arial" panose="020B0604020202020204" pitchFamily="34" charset="0"/>
-              <a:buChar char="•"/>
-            </a:pPr>
+      <p:sp>
+        <p:nvSpPr>
+          <p:cNvPr id="2" name="Title 1">
+            <a:extLst>
+              <a:ext uri="{FF2B5EF4-FFF2-40B4-BE49-F238E27FC236}">
+                <a16:creationId xmlns:a16="http://schemas.microsoft.com/office/drawing/2014/main" id="{8A1A506C-EF18-EAA4-79CB-3C3016F98767}"/>
+              </a:ext>
+            </a:extLst>
+          </p:cNvPr>
+          <p:cNvSpPr>
+            <a:spLocks noGrp="1"/>
+          </p:cNvSpPr>
+          <p:nvPr>
+            <p:ph type="title"/>
+          </p:nvPr>
+        </p:nvSpPr>
+        <p:spPr/>
+        <p:txBody>
+          <a:bodyPr/>
+          <a:lstStyle/>
+          <a:p>
             <a:endParaRPr lang="en-US" dirty="0"/>
           </a:p>
-          <a:p>
-            <a:pPr>
-              <a:lnSpc>
-                <a:spcPct val="150000"/>
-              </a:lnSpc>
-            </a:pPr>
-            <a:r>
-              <a:rPr lang="en-US" b="1" dirty="0"/>
-              <a:t>Date-Based Facts</a:t>
-            </a:r>
-          </a:p>
-          <a:p>
-            <a:pPr marL="285750" indent="-285750">
-              <a:lnSpc>
-                <a:spcPct val="150000"/>
-              </a:lnSpc>
-              <a:buFont typeface="Arial" panose="020B0604020202020204" pitchFamily="34" charset="0"/>
-              <a:buChar char="•"/>
-            </a:pPr>
-            <a:r>
-              <a:rPr lang="en-US" dirty="0"/>
-              <a:t>Optionally link the number to the current date "Today is May 14 (Day 134 of the year). Did you know the secret meaning of number 134 tells you to embrace positive energy going forward.</a:t>
-            </a:r>
-          </a:p>
-          <a:p>
-            <a:pPr marL="285750" indent="-285750">
-              <a:lnSpc>
-                <a:spcPct val="150000"/>
-              </a:lnSpc>
-              <a:buFont typeface="Arial" panose="020B0604020202020204" pitchFamily="34" charset="0"/>
-              <a:buChar char="•"/>
-            </a:pPr>
-            <a:r>
-              <a:rPr lang="en-US" dirty="0"/>
-              <a:t>Combine this with "Today in History" for cross-concept links between time and math.</a:t>
-            </a:r>
-            <a:endParaRPr lang="en-IN" dirty="0"/>
-          </a:p>
-        </p:txBody>
-      </p:sp>
-    </p:spTree>
-    <p:extLst>
-      <p:ext uri="{BB962C8B-B14F-4D97-AF65-F5344CB8AC3E}">
-        <p14:creationId xmlns:p14="http://schemas.microsoft.com/office/powerpoint/2010/main" val="3782258629"/>
-      </p:ext>
-    </p:extLst>
-  </p:cSld>
-  <p:clrMapOvr>
-    <a:masterClrMapping/>
-  </p:clrMapOvr>
-</p:sld>
-</file>
-
-<file path=ppt/slides/slide5.xml><?xml version="1.0" encoding="utf-8"?>
-<p:sld xmlns:a="http://schemas.openxmlformats.org/drawingml/2006/main" xmlns:r="http://schemas.openxmlformats.org/officeDocument/2006/relationships" xmlns:p="http://schemas.openxmlformats.org/presentationml/2006/main">
-  <p:cSld>
-    <p:spTree>
-      <p:nvGrpSpPr>
-        <p:cNvPr id="1" name="">
-          <a:extLst>
-            <a:ext uri="{FF2B5EF4-FFF2-40B4-BE49-F238E27FC236}">
-              <a16:creationId xmlns:a16="http://schemas.microsoft.com/office/drawing/2014/main" id="{C065AEB0-7FF6-6017-87D0-71B35FF1BB5D}"/>
-            </a:ext>
-          </a:extLst>
-        </p:cNvPr>
-        <p:cNvGrpSpPr/>
-        <p:nvPr/>
-      </p:nvGrpSpPr>
-      <p:grpSpPr>
-        <a:xfrm>
-          <a:off x="0" y="0"/>
-          <a:ext cx="0" cy="0"/>
-          <a:chOff x="0" y="0"/>
-          <a:chExt cx="0" cy="0"/>
-        </a:xfrm>
-      </p:grpSpPr>
-      <p:cxnSp>
-        <p:nvCxnSpPr>
-          <p:cNvPr id="5" name="Straight Connector 4">
-            <a:extLst>
-              <a:ext uri="{FF2B5EF4-FFF2-40B4-BE49-F238E27FC236}">
-                <a16:creationId xmlns:a16="http://schemas.microsoft.com/office/drawing/2014/main" id="{1955A000-2B28-CAA3-14D5-6B11AFC11EFC}"/>
-              </a:ext>
-            </a:extLst>
-          </p:cNvPr>
-          <p:cNvCxnSpPr/>
-          <p:nvPr/>
-        </p:nvCxnSpPr>
-        <p:spPr>
-          <a:xfrm>
-            <a:off x="631372" y="1066800"/>
-            <a:ext cx="9873343" cy="0"/>
-          </a:xfrm>
-          <a:prstGeom prst="line">
-            <a:avLst/>
-          </a:prstGeom>
-        </p:spPr>
-        <p:style>
-          <a:lnRef idx="1">
-            <a:schemeClr val="accent2"/>
-          </a:lnRef>
-          <a:fillRef idx="0">
-            <a:schemeClr val="accent2"/>
-          </a:fillRef>
-          <a:effectRef idx="0">
-            <a:schemeClr val="accent2"/>
-          </a:effectRef>
-          <a:fontRef idx="minor">
-            <a:schemeClr val="tx1"/>
-          </a:fontRef>
-        </p:style>
-      </p:cxnSp>
-      <p:sp>
-        <p:nvSpPr>
-          <p:cNvPr id="6" name="TextBox 5">
-            <a:extLst>
-              <a:ext uri="{FF2B5EF4-FFF2-40B4-BE49-F238E27FC236}">
-                <a16:creationId xmlns:a16="http://schemas.microsoft.com/office/drawing/2014/main" id="{150F3133-D621-0687-1403-49D9AD2A8720}"/>
-              </a:ext>
-            </a:extLst>
-          </p:cNvPr>
-          <p:cNvSpPr txBox="1"/>
-          <p:nvPr/>
-        </p:nvSpPr>
-        <p:spPr>
-          <a:xfrm>
-            <a:off x="631372" y="511629"/>
-            <a:ext cx="8882742" cy="380995"/>
-          </a:xfrm>
-          <a:prstGeom prst="rect">
-            <a:avLst/>
-          </a:prstGeom>
-          <a:noFill/>
-        </p:spPr>
-        <p:txBody>
-          <a:bodyPr wrap="square" rtlCol="0">
-            <a:spAutoFit/>
-          </a:bodyPr>
-          <a:lstStyle/>
-          <a:p>
-            <a:r>
-              <a:rPr lang="en-US" b="1" dirty="0"/>
-              <a:t>Background &amp; Context /Problem Statement</a:t>
-            </a:r>
-            <a:endParaRPr lang="en-IN" b="1" dirty="0"/>
-          </a:p>
-        </p:txBody>
-      </p:sp>
-      <p:sp>
-        <p:nvSpPr>
-          <p:cNvPr id="7" name="TextBox 6">
-            <a:extLst>
-              <a:ext uri="{FF2B5EF4-FFF2-40B4-BE49-F238E27FC236}">
-                <a16:creationId xmlns:a16="http://schemas.microsoft.com/office/drawing/2014/main" id="{D8226FED-406B-CB58-380B-521E54B7174C}"/>
-              </a:ext>
-            </a:extLst>
-          </p:cNvPr>
-          <p:cNvSpPr txBox="1"/>
-          <p:nvPr/>
-        </p:nvSpPr>
-        <p:spPr>
-          <a:xfrm>
-            <a:off x="631372" y="1430644"/>
-            <a:ext cx="10602685" cy="2957861"/>
-          </a:xfrm>
-          <a:prstGeom prst="rect">
-            <a:avLst/>
-          </a:prstGeom>
-          <a:noFill/>
-        </p:spPr>
-        <p:txBody>
-          <a:bodyPr wrap="square">
-            <a:spAutoFit/>
-          </a:bodyPr>
-          <a:lstStyle/>
-          <a:p>
-            <a:pPr>
-              <a:lnSpc>
-                <a:spcPct val="150000"/>
-              </a:lnSpc>
-            </a:pPr>
-            <a:r>
-              <a:rPr lang="en-IN" b="1" dirty="0"/>
-              <a:t>Desired Impact</a:t>
-            </a:r>
-          </a:p>
-          <a:p>
-            <a:pPr marL="285750" indent="-285750">
-              <a:lnSpc>
-                <a:spcPct val="150000"/>
-              </a:lnSpc>
-              <a:buFont typeface="Arial" panose="020B0604020202020204" pitchFamily="34" charset="0"/>
-              <a:buChar char="•"/>
-            </a:pPr>
-            <a:r>
-              <a:rPr lang="en-IN" dirty="0"/>
-              <a:t>Numeracy Engagement: Transform passive arithmetic into curiosity-led exploration through daily play Interdisciplinary Thinking: </a:t>
-            </a:r>
-          </a:p>
-          <a:p>
-            <a:pPr marL="285750" indent="-285750">
-              <a:lnSpc>
-                <a:spcPct val="150000"/>
-              </a:lnSpc>
-              <a:buFont typeface="Arial" panose="020B0604020202020204" pitchFamily="34" charset="0"/>
-              <a:buChar char="•"/>
-            </a:pPr>
-            <a:r>
-              <a:rPr lang="en-IN" b="1" dirty="0"/>
-              <a:t>Connect math to science, culture, history, and language Memory &amp; Recall</a:t>
-            </a:r>
-            <a:r>
-              <a:rPr lang="en-IN" dirty="0"/>
-              <a:t>:</a:t>
-            </a:r>
-          </a:p>
-          <a:p>
-            <a:pPr marL="285750" indent="-285750">
-              <a:lnSpc>
-                <a:spcPct val="150000"/>
-              </a:lnSpc>
-              <a:buFont typeface="Arial" panose="020B0604020202020204" pitchFamily="34" charset="0"/>
-              <a:buChar char="•"/>
-            </a:pPr>
-            <a:r>
-              <a:rPr lang="en-IN" dirty="0"/>
-              <a:t>Use surprise and delight to make numerical facts stick Equity in Access: Provide a lightweight, mobile-friendly learning tool for all types of learners Cognitive Confidence: </a:t>
-            </a:r>
-          </a:p>
-          <a:p>
-            <a:pPr marL="285750" indent="-285750">
-              <a:lnSpc>
-                <a:spcPct val="150000"/>
-              </a:lnSpc>
-              <a:buFont typeface="Arial" panose="020B0604020202020204" pitchFamily="34" charset="0"/>
-              <a:buChar char="•"/>
-            </a:pPr>
-            <a:r>
-              <a:rPr lang="en-IN" dirty="0"/>
-              <a:t>Help students develop a positive emotional connection with numbers</a:t>
-            </a:r>
-          </a:p>
-        </p:txBody>
-      </p:sp>
-    </p:spTree>
-    <p:extLst>
-      <p:ext uri="{BB962C8B-B14F-4D97-AF65-F5344CB8AC3E}">
-        <p14:creationId xmlns:p14="http://schemas.microsoft.com/office/powerpoint/2010/main" val="2038448390"/>
-      </p:ext>
-    </p:extLst>
-  </p:cSld>
-  <p:clrMapOvr>
-    <a:masterClrMapping/>
-  </p:clrMapOvr>
-</p:sld>
-</file>
-
-<file path=ppt/slides/slide6.xml><?xml version="1.0" encoding="utf-8"?>
-<p:sld xmlns:a="http://schemas.openxmlformats.org/drawingml/2006/main" xmlns:r="http://schemas.openxmlformats.org/officeDocument/2006/relationships" xmlns:p="http://schemas.openxmlformats.org/presentationml/2006/main">
-  <p:cSld>
-    <p:spTree>
-      <p:nvGrpSpPr>
-        <p:cNvPr id="1" name="">
-          <a:extLst>
-            <a:ext uri="{FF2B5EF4-FFF2-40B4-BE49-F238E27FC236}">
-              <a16:creationId xmlns:a16="http://schemas.microsoft.com/office/drawing/2014/main" id="{90D574A6-6EFA-6BC2-59A9-96DF01ACE1F8}"/>
-            </a:ext>
-          </a:extLst>
-        </p:cNvPr>
-        <p:cNvGrpSpPr/>
-        <p:nvPr/>
-      </p:nvGrpSpPr>
-      <p:grpSpPr>
-        <a:xfrm>
-          <a:off x="0" y="0"/>
-          <a:ext cx="0" cy="0"/>
-          <a:chOff x="0" y="0"/>
-          <a:chExt cx="0" cy="0"/>
-        </a:xfrm>
-      </p:grpSpPr>
-      <p:cxnSp>
-        <p:nvCxnSpPr>
-          <p:cNvPr id="5" name="Straight Connector 4">
-            <a:extLst>
-              <a:ext uri="{FF2B5EF4-FFF2-40B4-BE49-F238E27FC236}">
-                <a16:creationId xmlns:a16="http://schemas.microsoft.com/office/drawing/2014/main" id="{0DF0B439-AE65-D156-6836-3B81E06DC5D2}"/>
-              </a:ext>
-            </a:extLst>
-          </p:cNvPr>
-          <p:cNvCxnSpPr/>
-          <p:nvPr/>
-        </p:nvCxnSpPr>
-        <p:spPr>
-          <a:xfrm>
-            <a:off x="631372" y="1066800"/>
-            <a:ext cx="9873343" cy="0"/>
-          </a:xfrm>
-          <a:prstGeom prst="line">
-            <a:avLst/>
-          </a:prstGeom>
-        </p:spPr>
-        <p:style>
-          <a:lnRef idx="1">
-            <a:schemeClr val="accent2"/>
-          </a:lnRef>
-          <a:fillRef idx="0">
-            <a:schemeClr val="accent2"/>
-          </a:fillRef>
-          <a:effectRef idx="0">
-            <a:schemeClr val="accent2"/>
-          </a:effectRef>
-          <a:fontRef idx="minor">
-            <a:schemeClr val="tx1"/>
-          </a:fontRef>
-        </p:style>
-      </p:cxnSp>
-      <p:sp>
-        <p:nvSpPr>
-          <p:cNvPr id="6" name="TextBox 5">
-            <a:extLst>
-              <a:ext uri="{FF2B5EF4-FFF2-40B4-BE49-F238E27FC236}">
-                <a16:creationId xmlns:a16="http://schemas.microsoft.com/office/drawing/2014/main" id="{054AAE13-9B66-C836-17CF-9ED43F946538}"/>
-              </a:ext>
-            </a:extLst>
-          </p:cNvPr>
-          <p:cNvSpPr txBox="1"/>
-          <p:nvPr/>
-        </p:nvSpPr>
-        <p:spPr>
-          <a:xfrm>
-            <a:off x="631372" y="511629"/>
-            <a:ext cx="8882742" cy="380995"/>
-          </a:xfrm>
-          <a:prstGeom prst="rect">
-            <a:avLst/>
-          </a:prstGeom>
-          <a:noFill/>
-        </p:spPr>
-        <p:txBody>
-          <a:bodyPr wrap="square" rtlCol="0">
-            <a:spAutoFit/>
-          </a:bodyPr>
-          <a:lstStyle/>
-          <a:p>
-            <a:r>
-              <a:rPr lang="en-US" b="1" dirty="0"/>
-              <a:t>Analysis and Workflow</a:t>
-            </a:r>
-            <a:endParaRPr lang="en-IN" b="1" dirty="0"/>
-          </a:p>
-        </p:txBody>
-      </p:sp>
-      <p:sp>
-        <p:nvSpPr>
-          <p:cNvPr id="2" name="TextBox 1">
-            <a:extLst>
-              <a:ext uri="{FF2B5EF4-FFF2-40B4-BE49-F238E27FC236}">
-                <a16:creationId xmlns:a16="http://schemas.microsoft.com/office/drawing/2014/main" id="{C1F987CA-4EE6-C7ED-0EAE-440AB17261F3}"/>
-              </a:ext>
-            </a:extLst>
-          </p:cNvPr>
-          <p:cNvSpPr txBox="1"/>
-          <p:nvPr/>
-        </p:nvSpPr>
-        <p:spPr>
-          <a:xfrm>
-            <a:off x="631372" y="1430644"/>
-            <a:ext cx="10602685" cy="1477328"/>
-          </a:xfrm>
-          <a:prstGeom prst="rect">
-            <a:avLst/>
-          </a:prstGeom>
-          <a:noFill/>
-        </p:spPr>
-        <p:txBody>
-          <a:bodyPr wrap="square">
-            <a:spAutoFit/>
-          </a:bodyPr>
-          <a:lstStyle/>
-          <a:p>
-            <a:r>
-              <a:rPr lang="en-IN" b="1" dirty="0"/>
-              <a:t>Strategy</a:t>
-            </a:r>
-          </a:p>
-          <a:p>
-            <a:endParaRPr lang="en-IN" b="1" dirty="0"/>
-          </a:p>
-          <a:p>
-            <a:endParaRPr lang="en-IN" b="1" dirty="0"/>
-          </a:p>
-          <a:p>
-            <a:endParaRPr lang="en-IN" b="1" dirty="0"/>
-          </a:p>
-          <a:p>
-            <a:endParaRPr lang="en-IN" b="1" dirty="0"/>
-          </a:p>
-        </p:txBody>
-      </p:sp>
-      <p:sp>
-        <p:nvSpPr>
-          <p:cNvPr id="3" name="TextBox 2">
-            <a:extLst>
-              <a:ext uri="{FF2B5EF4-FFF2-40B4-BE49-F238E27FC236}">
-                <a16:creationId xmlns:a16="http://schemas.microsoft.com/office/drawing/2014/main" id="{C39B48E9-8071-C8E5-785D-6D4C58CF91FD}"/>
-              </a:ext>
-            </a:extLst>
-          </p:cNvPr>
-          <p:cNvSpPr txBox="1"/>
-          <p:nvPr/>
-        </p:nvSpPr>
-        <p:spPr>
-          <a:xfrm>
-            <a:off x="631371" y="4075872"/>
-            <a:ext cx="10602685" cy="1477328"/>
-          </a:xfrm>
-          <a:prstGeom prst="rect">
-            <a:avLst/>
-          </a:prstGeom>
-          <a:noFill/>
-        </p:spPr>
-        <p:txBody>
-          <a:bodyPr wrap="square">
-            <a:spAutoFit/>
-          </a:bodyPr>
-          <a:lstStyle/>
-          <a:p>
-            <a:r>
-              <a:rPr lang="en-IN" b="1" dirty="0"/>
-              <a:t>Steps Explanation </a:t>
-            </a:r>
-          </a:p>
-          <a:p>
-            <a:endParaRPr lang="en-IN" b="1" dirty="0"/>
-          </a:p>
-          <a:p>
-            <a:endParaRPr lang="en-IN" b="1" dirty="0"/>
-          </a:p>
-          <a:p>
-            <a:endParaRPr lang="en-IN" b="1" dirty="0"/>
-          </a:p>
-          <a:p>
-            <a:endParaRPr lang="en-IN" b="1" dirty="0"/>
-          </a:p>
-        </p:txBody>
-      </p:sp>
-    </p:spTree>
-    <p:extLst>
-      <p:ext uri="{BB962C8B-B14F-4D97-AF65-F5344CB8AC3E}">
-        <p14:creationId xmlns:p14="http://schemas.microsoft.com/office/powerpoint/2010/main" val="3215909172"/>
-      </p:ext>
-    </p:extLst>
-  </p:cSld>
-  <p:clrMapOvr>
-    <a:masterClrMapping/>
-  </p:clrMapOvr>
-</p:sld>
-</file>
-
-<file path=ppt/slides/slide7.xml><?xml version="1.0" encoding="utf-8"?>
-<p:sld xmlns:a="http://schemas.openxmlformats.org/drawingml/2006/main" xmlns:r="http://schemas.openxmlformats.org/officeDocument/2006/relationships" xmlns:p="http://schemas.openxmlformats.org/presentationml/2006/main">
-  <p:cSld>
-    <p:spTree>
-      <p:nvGrpSpPr>
-        <p:cNvPr id="1" name="">
-          <a:extLst>
-            <a:ext uri="{FF2B5EF4-FFF2-40B4-BE49-F238E27FC236}">
-              <a16:creationId xmlns:a16="http://schemas.microsoft.com/office/drawing/2014/main" id="{88AB3D5A-FFE6-BA22-B282-BFB3CAA45A08}"/>
-            </a:ext>
-          </a:extLst>
-        </p:cNvPr>
-        <p:cNvGrpSpPr/>
-        <p:nvPr/>
-      </p:nvGrpSpPr>
-      <p:grpSpPr>
-        <a:xfrm>
-          <a:off x="0" y="0"/>
-          <a:ext cx="0" cy="0"/>
-          <a:chOff x="0" y="0"/>
-          <a:chExt cx="0" cy="0"/>
-        </a:xfrm>
-      </p:grpSpPr>
-      <p:cxnSp>
-        <p:nvCxnSpPr>
-          <p:cNvPr id="5" name="Straight Connector 4">
-            <a:extLst>
-              <a:ext uri="{FF2B5EF4-FFF2-40B4-BE49-F238E27FC236}">
-                <a16:creationId xmlns:a16="http://schemas.microsoft.com/office/drawing/2014/main" id="{3AAD6DFD-65AD-68C5-325E-E9563E3C235F}"/>
-              </a:ext>
-            </a:extLst>
-          </p:cNvPr>
-          <p:cNvCxnSpPr/>
-          <p:nvPr/>
-        </p:nvCxnSpPr>
-        <p:spPr>
-          <a:xfrm>
-            <a:off x="631372" y="1066800"/>
-            <a:ext cx="9873343" cy="0"/>
-          </a:xfrm>
-          <a:prstGeom prst="line">
-            <a:avLst/>
-          </a:prstGeom>
-        </p:spPr>
-        <p:style>
-          <a:lnRef idx="1">
-            <a:schemeClr val="accent2"/>
-          </a:lnRef>
-          <a:fillRef idx="0">
-            <a:schemeClr val="accent2"/>
-          </a:fillRef>
-          <a:effectRef idx="0">
-            <a:schemeClr val="accent2"/>
-          </a:effectRef>
-          <a:fontRef idx="minor">
-            <a:schemeClr val="tx1"/>
-          </a:fontRef>
-        </p:style>
-      </p:cxnSp>
-      <p:sp>
-        <p:nvSpPr>
-          <p:cNvPr id="6" name="TextBox 5">
-            <a:extLst>
-              <a:ext uri="{FF2B5EF4-FFF2-40B4-BE49-F238E27FC236}">
-                <a16:creationId xmlns:a16="http://schemas.microsoft.com/office/drawing/2014/main" id="{2E71DFC5-015C-1D27-159D-0C1245AC804F}"/>
-              </a:ext>
-            </a:extLst>
-          </p:cNvPr>
-          <p:cNvSpPr txBox="1"/>
-          <p:nvPr/>
-        </p:nvSpPr>
-        <p:spPr>
-          <a:xfrm>
-            <a:off x="631372" y="511629"/>
-            <a:ext cx="8882742" cy="380995"/>
-          </a:xfrm>
-          <a:prstGeom prst="rect">
-            <a:avLst/>
-          </a:prstGeom>
-          <a:noFill/>
-        </p:spPr>
-        <p:txBody>
-          <a:bodyPr wrap="square" rtlCol="0">
-            <a:spAutoFit/>
-          </a:bodyPr>
-          <a:lstStyle/>
-          <a:p>
-            <a:r>
-              <a:rPr lang="en-US" b="1" dirty="0"/>
-              <a:t>Analysis and Workflow</a:t>
-            </a:r>
-            <a:endParaRPr lang="en-IN" b="1" dirty="0"/>
-          </a:p>
-        </p:txBody>
-      </p:sp>
-      <p:sp>
-        <p:nvSpPr>
-          <p:cNvPr id="2" name="TextBox 1">
-            <a:extLst>
-              <a:ext uri="{FF2B5EF4-FFF2-40B4-BE49-F238E27FC236}">
-                <a16:creationId xmlns:a16="http://schemas.microsoft.com/office/drawing/2014/main" id="{D3596947-77CD-DA6B-E415-425AFBCAC240}"/>
-              </a:ext>
-            </a:extLst>
-          </p:cNvPr>
-          <p:cNvSpPr txBox="1"/>
-          <p:nvPr/>
-        </p:nvSpPr>
-        <p:spPr>
-          <a:xfrm>
-            <a:off x="631372" y="1430644"/>
-            <a:ext cx="10602685" cy="1754326"/>
-          </a:xfrm>
-          <a:prstGeom prst="rect">
-            <a:avLst/>
-          </a:prstGeom>
-          <a:noFill/>
-        </p:spPr>
-        <p:txBody>
-          <a:bodyPr wrap="square">
-            <a:spAutoFit/>
-          </a:bodyPr>
-          <a:lstStyle/>
-          <a:p>
-            <a:r>
-              <a:rPr lang="en-IN" b="1" dirty="0"/>
-              <a:t>Flow chart</a:t>
-            </a:r>
-          </a:p>
-          <a:p>
-            <a:endParaRPr lang="en-IN" b="1" dirty="0"/>
-          </a:p>
-          <a:p>
-            <a:endParaRPr lang="en-IN" b="1" dirty="0"/>
-          </a:p>
-          <a:p>
-            <a:endParaRPr lang="en-IN" b="1" dirty="0"/>
-          </a:p>
-          <a:p>
-            <a:endParaRPr lang="en-IN" b="1" dirty="0"/>
-          </a:p>
-          <a:p>
-            <a:endParaRPr lang="en-IN" b="1" dirty="0"/>
-          </a:p>
-        </p:txBody>
-      </p:sp>
-      <p:sp>
-        <p:nvSpPr>
-          <p:cNvPr id="4" name="TextBox 3">
-            <a:extLst>
-              <a:ext uri="{FF2B5EF4-FFF2-40B4-BE49-F238E27FC236}">
-                <a16:creationId xmlns:a16="http://schemas.microsoft.com/office/drawing/2014/main" id="{2F898093-F66B-BCEC-9477-259509191FAE}"/>
-              </a:ext>
-            </a:extLst>
-          </p:cNvPr>
-          <p:cNvSpPr txBox="1"/>
-          <p:nvPr/>
-        </p:nvSpPr>
-        <p:spPr>
-          <a:xfrm>
-            <a:off x="631372" y="5380672"/>
-            <a:ext cx="10602685" cy="369332"/>
-          </a:xfrm>
-          <a:prstGeom prst="rect">
-            <a:avLst/>
-          </a:prstGeom>
-          <a:noFill/>
-        </p:spPr>
-        <p:txBody>
-          <a:bodyPr wrap="square">
-            <a:spAutoFit/>
-          </a:bodyPr>
-          <a:lstStyle/>
-          <a:p>
-            <a:r>
-              <a:rPr lang="en-IN" b="1" dirty="0"/>
-              <a:t>Code Reference</a:t>
-            </a:r>
+        </p:txBody>
+      </p:sp>
+      <p:sp>
+        <p:nvSpPr>
+          <p:cNvPr id="4" name="Date Placeholder 3">
+            <a:extLst>
+              <a:ext uri="{FF2B5EF4-FFF2-40B4-BE49-F238E27FC236}">
+                <a16:creationId xmlns:a16="http://schemas.microsoft.com/office/drawing/2014/main" id="{97A1EE36-5843-64FF-241B-8CBB2AA2FDC3}"/>
+              </a:ext>
+            </a:extLst>
+          </p:cNvPr>
+          <p:cNvSpPr>
+            <a:spLocks noGrp="1"/>
+          </p:cNvSpPr>
+          <p:nvPr>
+            <p:ph type="dt" sz="half" idx="10"/>
+          </p:nvPr>
+        </p:nvSpPr>
+        <p:spPr/>
+        <p:txBody>
+          <a:bodyPr/>
+          <a:lstStyle/>
+          <a:p>
+            <a:fld id="{11A10D73-B1C8-4950-AB52-4280F613E314}" type="datetime1">
+              <a:rPr lang="en-IN" smtClean="0"/>
+              <a:t>14-05-2025</a:t>
+            </a:fld>
+            <a:endParaRPr lang="en-IN"/>
+          </a:p>
+        </p:txBody>
+      </p:sp>
+      <p:sp>
+        <p:nvSpPr>
+          <p:cNvPr id="5" name="Slide Number Placeholder 4">
+            <a:extLst>
+              <a:ext uri="{FF2B5EF4-FFF2-40B4-BE49-F238E27FC236}">
+                <a16:creationId xmlns:a16="http://schemas.microsoft.com/office/drawing/2014/main" id="{2AFDB8DE-CCAD-F677-900B-1C512EA1DFC7}"/>
+              </a:ext>
+            </a:extLst>
+          </p:cNvPr>
+          <p:cNvSpPr>
+            <a:spLocks noGrp="1"/>
+          </p:cNvSpPr>
+          <p:nvPr>
+            <p:ph type="sldNum" sz="quarter" idx="12"/>
+          </p:nvPr>
+        </p:nvSpPr>
+        <p:spPr/>
+        <p:txBody>
+          <a:bodyPr/>
+          <a:lstStyle/>
+          <a:p>
+            <a:fld id="{3CCCCD15-A91D-4933-83FC-B538C647448D}" type="slidenum">
+              <a:rPr lang="en-IN" smtClean="0"/>
+              <a:t>4</a:t>
+            </a:fld>
+            <a:endParaRPr lang="en-IN"/>
+          </a:p>
+        </p:txBody>
+      </p:sp>
+      <p:sp>
+        <p:nvSpPr>
+          <p:cNvPr id="7" name="Content Placeholder 6">
+            <a:extLst>
+              <a:ext uri="{FF2B5EF4-FFF2-40B4-BE49-F238E27FC236}">
+                <a16:creationId xmlns:a16="http://schemas.microsoft.com/office/drawing/2014/main" id="{6546B5DC-F74B-C4B9-4167-E5A088EBE628}"/>
+              </a:ext>
+            </a:extLst>
+          </p:cNvPr>
+          <p:cNvSpPr>
+            <a:spLocks noGrp="1"/>
+          </p:cNvSpPr>
+          <p:nvPr>
+            <p:ph idx="1"/>
+          </p:nvPr>
+        </p:nvSpPr>
+        <p:spPr/>
+        <p:txBody>
+          <a:bodyPr/>
+          <a:lstStyle/>
+          <a:p>
+            <a:endParaRPr lang="en-US"/>
           </a:p>
         </p:txBody>
       </p:sp>
       <p:pic>
         <p:nvPicPr>
-          <p:cNvPr id="1028" name="Picture 4">
-            <a:extLst>
-              <a:ext uri="{FF2B5EF4-FFF2-40B4-BE49-F238E27FC236}">
-                <a16:creationId xmlns:a16="http://schemas.microsoft.com/office/drawing/2014/main" id="{EDCF0826-1246-9AD5-ABBB-FEA6A7A17A51}"/>
+          <p:cNvPr id="2054" name="Picture 6" descr="Premium Vector | Flat design kids background templates">
+            <a:extLst>
+              <a:ext uri="{FF2B5EF4-FFF2-40B4-BE49-F238E27FC236}">
+                <a16:creationId xmlns:a16="http://schemas.microsoft.com/office/drawing/2014/main" id="{6D550434-D434-7697-BFDB-17801933E153}"/>
               </a:ext>
             </a:extLst>
           </p:cNvPr>
@@ -5466,8 +5264,8 @@
         </p:blipFill>
         <p:spPr bwMode="auto">
           <a:xfrm>
-            <a:off x="438551" y="1684174"/>
-            <a:ext cx="10988325" cy="3489652"/>
+            <a:off x="491613" y="365125"/>
+            <a:ext cx="10862187" cy="5907856"/>
           </a:xfrm>
           <a:prstGeom prst="rect">
             <a:avLst/>
@@ -5484,10 +5282,1263 @@
           </a:extLst>
         </p:spPr>
       </p:pic>
+      <p:sp>
+        <p:nvSpPr>
+          <p:cNvPr id="9" name="TextBox 8">
+            <a:extLst>
+              <a:ext uri="{FF2B5EF4-FFF2-40B4-BE49-F238E27FC236}">
+                <a16:creationId xmlns:a16="http://schemas.microsoft.com/office/drawing/2014/main" id="{6B1DDF57-9617-4668-B5E7-63E12846B01C}"/>
+              </a:ext>
+            </a:extLst>
+          </p:cNvPr>
+          <p:cNvSpPr txBox="1"/>
+          <p:nvPr/>
+        </p:nvSpPr>
+        <p:spPr>
+          <a:xfrm>
+            <a:off x="560440" y="400353"/>
+            <a:ext cx="8989142" cy="369332"/>
+          </a:xfrm>
+          <a:prstGeom prst="rect">
+            <a:avLst/>
+          </a:prstGeom>
+          <a:noFill/>
+        </p:spPr>
+        <p:txBody>
+          <a:bodyPr wrap="square">
+            <a:spAutoFit/>
+          </a:bodyPr>
+          <a:lstStyle/>
+          <a:p>
+            <a:r>
+              <a:rPr lang="en-US" b="1" dirty="0">
+                <a:latin typeface="Castellar" panose="020A0402060406010301" pitchFamily="18" charset="0"/>
+              </a:rPr>
+              <a:t>Background &amp; Context /Problem Statement</a:t>
+            </a:r>
+            <a:endParaRPr lang="en-IN" b="1" dirty="0">
+              <a:latin typeface="Castellar" panose="020A0402060406010301" pitchFamily="18" charset="0"/>
+            </a:endParaRPr>
+          </a:p>
+        </p:txBody>
+      </p:sp>
+      <p:sp>
+        <p:nvSpPr>
+          <p:cNvPr id="12" name="TextBox 11">
+            <a:extLst>
+              <a:ext uri="{FF2B5EF4-FFF2-40B4-BE49-F238E27FC236}">
+                <a16:creationId xmlns:a16="http://schemas.microsoft.com/office/drawing/2014/main" id="{1EBBE574-A706-6E13-3DCE-83EB04016462}"/>
+              </a:ext>
+            </a:extLst>
+          </p:cNvPr>
+          <p:cNvSpPr txBox="1"/>
+          <p:nvPr/>
+        </p:nvSpPr>
+        <p:spPr>
+          <a:xfrm>
+            <a:off x="838200" y="681037"/>
+            <a:ext cx="10107561" cy="5909310"/>
+          </a:xfrm>
+          <a:prstGeom prst="rect">
+            <a:avLst/>
+          </a:prstGeom>
+          <a:noFill/>
+        </p:spPr>
+        <p:txBody>
+          <a:bodyPr wrap="square" rtlCol="0">
+            <a:spAutoFit/>
+          </a:bodyPr>
+          <a:lstStyle/>
+          <a:p>
+            <a:pPr>
+              <a:lnSpc>
+                <a:spcPct val="150000"/>
+              </a:lnSpc>
+            </a:pPr>
+            <a:r>
+              <a:rPr lang="en-IN" sz="1600" b="1" dirty="0">
+                <a:latin typeface="Comic Sans MS" panose="030F0702030302020204" pitchFamily="66" charset="0"/>
+              </a:rPr>
+              <a:t>Explore by Number</a:t>
+            </a:r>
+          </a:p>
+          <a:p>
+            <a:pPr marL="285750" indent="-285750">
+              <a:lnSpc>
+                <a:spcPct val="150000"/>
+              </a:lnSpc>
+              <a:buFont typeface="Arial" panose="020B0604020202020204" pitchFamily="34" charset="0"/>
+              <a:buChar char="•"/>
+            </a:pPr>
+            <a:r>
+              <a:rPr lang="en-IN" sz="1600" dirty="0">
+                <a:latin typeface="Comic Sans MS" panose="030F0702030302020204" pitchFamily="66" charset="0"/>
+              </a:rPr>
+              <a:t>Let users type in or click a number of interest number. like their birthday, roll number, or a random number</a:t>
+            </a:r>
+          </a:p>
+          <a:p>
+            <a:pPr marL="285750" indent="-285750">
+              <a:lnSpc>
+                <a:spcPct val="150000"/>
+              </a:lnSpc>
+              <a:buFont typeface="Arial" panose="020B0604020202020204" pitchFamily="34" charset="0"/>
+              <a:buChar char="•"/>
+            </a:pPr>
+            <a:r>
+              <a:rPr lang="en-IN" sz="1600" dirty="0">
+                <a:latin typeface="Comic Sans MS" panose="030F0702030302020204" pitchFamily="66" charset="0"/>
+              </a:rPr>
+              <a:t>The bot responds with a matching fact, like: "15- The number of languages in the Indian currency note!</a:t>
+            </a:r>
+          </a:p>
+          <a:p>
+            <a:pPr marL="285750" indent="-285750">
+              <a:lnSpc>
+                <a:spcPct val="150000"/>
+              </a:lnSpc>
+              <a:buFont typeface="Arial" panose="020B0604020202020204" pitchFamily="34" charset="0"/>
+              <a:buChar char="•"/>
+            </a:pPr>
+            <a:r>
+              <a:rPr lang="en-IN" sz="1600" dirty="0">
+                <a:latin typeface="Comic Sans MS" panose="030F0702030302020204" pitchFamily="66" charset="0"/>
+              </a:rPr>
+              <a:t>For bonus points, allow users to favourite numbers or facts they love.</a:t>
+            </a:r>
+          </a:p>
+          <a:p>
+            <a:pPr marL="285750" indent="-285750">
+              <a:lnSpc>
+                <a:spcPct val="150000"/>
+              </a:lnSpc>
+              <a:buFont typeface="Arial" panose="020B0604020202020204" pitchFamily="34" charset="0"/>
+              <a:buChar char="•"/>
+            </a:pPr>
+            <a:endParaRPr lang="en-IN" sz="1600" dirty="0">
+              <a:latin typeface="Comic Sans MS" panose="030F0702030302020204" pitchFamily="66" charset="0"/>
+            </a:endParaRPr>
+          </a:p>
+          <a:p>
+            <a:pPr>
+              <a:lnSpc>
+                <a:spcPct val="150000"/>
+              </a:lnSpc>
+            </a:pPr>
+            <a:r>
+              <a:rPr lang="en-US" sz="1600" b="1" dirty="0">
+                <a:latin typeface="Comic Sans MS" panose="030F0702030302020204" pitchFamily="66" charset="0"/>
+              </a:rPr>
+              <a:t>Surprise Me Mode </a:t>
+            </a:r>
+          </a:p>
+          <a:p>
+            <a:pPr marL="285750" indent="-285750">
+              <a:lnSpc>
+                <a:spcPct val="150000"/>
+              </a:lnSpc>
+              <a:buFont typeface="Arial" panose="020B0604020202020204" pitchFamily="34" charset="0"/>
+              <a:buChar char="•"/>
+            </a:pPr>
+            <a:r>
+              <a:rPr lang="en-US" sz="1600" dirty="0">
+                <a:latin typeface="Comic Sans MS" panose="030F0702030302020204" pitchFamily="66" charset="0"/>
+              </a:rPr>
+              <a:t>Add a playful "Surprise Me" button to generate a completely random fact.</a:t>
+            </a:r>
+          </a:p>
+          <a:p>
+            <a:pPr marL="285750" indent="-285750">
+              <a:lnSpc>
+                <a:spcPct val="150000"/>
+              </a:lnSpc>
+              <a:buFont typeface="Arial" panose="020B0604020202020204" pitchFamily="34" charset="0"/>
+              <a:buChar char="•"/>
+            </a:pPr>
+            <a:r>
+              <a:rPr lang="en-US" sz="1600" dirty="0">
+                <a:latin typeface="Comic Sans MS" panose="030F0702030302020204" pitchFamily="66" charset="0"/>
+              </a:rPr>
+              <a:t>This supports curiosity-driven learning and keeps the experience fresh.</a:t>
+            </a:r>
+          </a:p>
+          <a:p>
+            <a:pPr marL="285750" indent="-285750">
+              <a:lnSpc>
+                <a:spcPct val="150000"/>
+              </a:lnSpc>
+              <a:buFont typeface="Arial" panose="020B0604020202020204" pitchFamily="34" charset="0"/>
+              <a:buChar char="•"/>
+            </a:pPr>
+            <a:endParaRPr lang="en-US" sz="1600" dirty="0">
+              <a:latin typeface="Comic Sans MS" panose="030F0702030302020204" pitchFamily="66" charset="0"/>
+            </a:endParaRPr>
+          </a:p>
+          <a:p>
+            <a:pPr>
+              <a:lnSpc>
+                <a:spcPct val="150000"/>
+              </a:lnSpc>
+            </a:pPr>
+            <a:r>
+              <a:rPr lang="en-US" sz="1600" b="1" dirty="0">
+                <a:latin typeface="Comic Sans MS" panose="030F0702030302020204" pitchFamily="66" charset="0"/>
+              </a:rPr>
+              <a:t>Fact of the day</a:t>
+            </a:r>
+          </a:p>
+          <a:p>
+            <a:pPr marL="285750" indent="-285750">
+              <a:lnSpc>
+                <a:spcPct val="150000"/>
+              </a:lnSpc>
+              <a:buFont typeface="Arial" panose="020B0604020202020204" pitchFamily="34" charset="0"/>
+              <a:buChar char="•"/>
+            </a:pPr>
+            <a:r>
+              <a:rPr lang="en-US" sz="1600" dirty="0">
+                <a:latin typeface="Comic Sans MS" panose="030F0702030302020204" pitchFamily="66" charset="0"/>
+              </a:rPr>
+              <a:t>Optionally link the number to the current date "Today is May 14 (Day 134 of the year). Did you know the secret meaning of number 134 tells you to embrace positive energy going forward.</a:t>
+            </a:r>
+          </a:p>
+          <a:p>
+            <a:pPr marL="285750" indent="-285750">
+              <a:lnSpc>
+                <a:spcPct val="150000"/>
+              </a:lnSpc>
+              <a:buFont typeface="Arial" panose="020B0604020202020204" pitchFamily="34" charset="0"/>
+              <a:buChar char="•"/>
+            </a:pPr>
+            <a:r>
+              <a:rPr lang="en-US" sz="1600" dirty="0">
+                <a:latin typeface="Comic Sans MS" panose="030F0702030302020204" pitchFamily="66" charset="0"/>
+              </a:rPr>
+              <a:t>Combine this with "Today in History" for cross-concept links between time and math.</a:t>
+            </a:r>
+            <a:endParaRPr lang="en-IN" sz="1600" dirty="0">
+              <a:latin typeface="Comic Sans MS" panose="030F0702030302020204" pitchFamily="66" charset="0"/>
+            </a:endParaRPr>
+          </a:p>
+          <a:p>
+            <a:endParaRPr lang="en-US" dirty="0"/>
+          </a:p>
+        </p:txBody>
+      </p:sp>
     </p:spTree>
     <p:extLst>
       <p:ext uri="{BB962C8B-B14F-4D97-AF65-F5344CB8AC3E}">
-        <p14:creationId xmlns:p14="http://schemas.microsoft.com/office/powerpoint/2010/main" val="858704523"/>
+        <p14:creationId xmlns:p14="http://schemas.microsoft.com/office/powerpoint/2010/main" val="354957531"/>
+      </p:ext>
+    </p:extLst>
+  </p:cSld>
+  <p:clrMapOvr>
+    <a:masterClrMapping/>
+  </p:clrMapOvr>
+</p:sld>
+</file>
+
+<file path=ppt/slides/slide5.xml><?xml version="1.0" encoding="utf-8"?>
+<p:sld xmlns:a="http://schemas.openxmlformats.org/drawingml/2006/main" xmlns:r="http://schemas.openxmlformats.org/officeDocument/2006/relationships" xmlns:p="http://schemas.openxmlformats.org/presentationml/2006/main">
+  <p:cSld>
+    <p:spTree>
+      <p:nvGrpSpPr>
+        <p:cNvPr id="1" name=""/>
+        <p:cNvGrpSpPr/>
+        <p:nvPr/>
+      </p:nvGrpSpPr>
+      <p:grpSpPr>
+        <a:xfrm>
+          <a:off x="0" y="0"/>
+          <a:ext cx="0" cy="0"/>
+          <a:chOff x="0" y="0"/>
+          <a:chExt cx="0" cy="0"/>
+        </a:xfrm>
+      </p:grpSpPr>
+      <p:sp>
+        <p:nvSpPr>
+          <p:cNvPr id="2" name="Title 1">
+            <a:extLst>
+              <a:ext uri="{FF2B5EF4-FFF2-40B4-BE49-F238E27FC236}">
+                <a16:creationId xmlns:a16="http://schemas.microsoft.com/office/drawing/2014/main" id="{1731B55B-6C32-0D14-D647-2DDF5EB9B2D9}"/>
+              </a:ext>
+            </a:extLst>
+          </p:cNvPr>
+          <p:cNvSpPr>
+            <a:spLocks noGrp="1"/>
+          </p:cNvSpPr>
+          <p:nvPr>
+            <p:ph type="title"/>
+          </p:nvPr>
+        </p:nvSpPr>
+        <p:spPr/>
+        <p:txBody>
+          <a:bodyPr/>
+          <a:lstStyle/>
+          <a:p>
+            <a:endParaRPr lang="en-US"/>
+          </a:p>
+        </p:txBody>
+      </p:sp>
+      <p:sp>
+        <p:nvSpPr>
+          <p:cNvPr id="4" name="Date Placeholder 3">
+            <a:extLst>
+              <a:ext uri="{FF2B5EF4-FFF2-40B4-BE49-F238E27FC236}">
+                <a16:creationId xmlns:a16="http://schemas.microsoft.com/office/drawing/2014/main" id="{E48BA577-3805-23BC-29C0-A2F253EB8E16}"/>
+              </a:ext>
+            </a:extLst>
+          </p:cNvPr>
+          <p:cNvSpPr>
+            <a:spLocks noGrp="1"/>
+          </p:cNvSpPr>
+          <p:nvPr>
+            <p:ph type="dt" sz="half" idx="10"/>
+          </p:nvPr>
+        </p:nvSpPr>
+        <p:spPr/>
+        <p:txBody>
+          <a:bodyPr/>
+          <a:lstStyle/>
+          <a:p>
+            <a:fld id="{11A10D73-B1C8-4950-AB52-4280F613E314}" type="datetime1">
+              <a:rPr lang="en-IN" smtClean="0"/>
+              <a:t>14-05-2025</a:t>
+            </a:fld>
+            <a:endParaRPr lang="en-IN"/>
+          </a:p>
+        </p:txBody>
+      </p:sp>
+      <p:sp>
+        <p:nvSpPr>
+          <p:cNvPr id="5" name="Slide Number Placeholder 4">
+            <a:extLst>
+              <a:ext uri="{FF2B5EF4-FFF2-40B4-BE49-F238E27FC236}">
+                <a16:creationId xmlns:a16="http://schemas.microsoft.com/office/drawing/2014/main" id="{83AF1C38-E502-AA17-EA07-3164068CBE3A}"/>
+              </a:ext>
+            </a:extLst>
+          </p:cNvPr>
+          <p:cNvSpPr>
+            <a:spLocks noGrp="1"/>
+          </p:cNvSpPr>
+          <p:nvPr>
+            <p:ph type="sldNum" sz="quarter" idx="12"/>
+          </p:nvPr>
+        </p:nvSpPr>
+        <p:spPr/>
+        <p:txBody>
+          <a:bodyPr/>
+          <a:lstStyle/>
+          <a:p>
+            <a:fld id="{3CCCCD15-A91D-4933-83FC-B538C647448D}" type="slidenum">
+              <a:rPr lang="en-IN" smtClean="0"/>
+              <a:t>5</a:t>
+            </a:fld>
+            <a:endParaRPr lang="en-IN"/>
+          </a:p>
+        </p:txBody>
+      </p:sp>
+      <p:pic>
+        <p:nvPicPr>
+          <p:cNvPr id="6" name="Picture 6" descr="Premium Vector | Flat design kids background templates">
+            <a:extLst>
+              <a:ext uri="{FF2B5EF4-FFF2-40B4-BE49-F238E27FC236}">
+                <a16:creationId xmlns:a16="http://schemas.microsoft.com/office/drawing/2014/main" id="{25BB7714-1893-5C72-C121-794BCA42C030}"/>
+              </a:ext>
+            </a:extLst>
+          </p:cNvPr>
+          <p:cNvPicPr>
+            <a:picLocks noGrp="1" noChangeAspect="1" noChangeArrowheads="1"/>
+          </p:cNvPicPr>
+          <p:nvPr>
+            <p:ph idx="1"/>
+          </p:nvPr>
+        </p:nvPicPr>
+        <p:blipFill>
+          <a:blip r:embed="rId2">
+            <a:extLst>
+              <a:ext uri="{28A0092B-C50C-407E-A947-70E740481C1C}">
+                <a14:useLocalDpi xmlns:a14="http://schemas.microsoft.com/office/drawing/2010/main" val="0"/>
+              </a:ext>
+            </a:extLst>
+          </a:blip>
+          <a:srcRect/>
+          <a:stretch>
+            <a:fillRect/>
+          </a:stretch>
+        </p:blipFill>
+        <p:spPr bwMode="auto">
+          <a:xfrm>
+            <a:off x="838200" y="365125"/>
+            <a:ext cx="10515600" cy="5991225"/>
+          </a:xfrm>
+          <a:prstGeom prst="rect">
+            <a:avLst/>
+          </a:prstGeom>
+          <a:noFill/>
+          <a:extLst>
+            <a:ext uri="{909E8E84-426E-40DD-AFC4-6F175D3DCCD1}">
+              <a14:hiddenFill xmlns:a14="http://schemas.microsoft.com/office/drawing/2010/main">
+                <a:solidFill>
+                  <a:srgbClr val="FFFFFF"/>
+                </a:solidFill>
+              </a14:hiddenFill>
+            </a:ext>
+          </a:extLst>
+        </p:spPr>
+      </p:pic>
+      <p:sp>
+        <p:nvSpPr>
+          <p:cNvPr id="8" name="TextBox 7">
+            <a:extLst>
+              <a:ext uri="{FF2B5EF4-FFF2-40B4-BE49-F238E27FC236}">
+                <a16:creationId xmlns:a16="http://schemas.microsoft.com/office/drawing/2014/main" id="{87DF1CFF-ACD9-4CC5-E1EE-FB1BC07A8C24}"/>
+              </a:ext>
+            </a:extLst>
+          </p:cNvPr>
+          <p:cNvSpPr txBox="1"/>
+          <p:nvPr/>
+        </p:nvSpPr>
+        <p:spPr>
+          <a:xfrm>
+            <a:off x="747250" y="381575"/>
+            <a:ext cx="9842091" cy="369332"/>
+          </a:xfrm>
+          <a:prstGeom prst="rect">
+            <a:avLst/>
+          </a:prstGeom>
+          <a:noFill/>
+        </p:spPr>
+        <p:txBody>
+          <a:bodyPr wrap="square">
+            <a:spAutoFit/>
+          </a:bodyPr>
+          <a:lstStyle/>
+          <a:p>
+            <a:r>
+              <a:rPr lang="en-US" b="1" dirty="0">
+                <a:latin typeface="Castellar" panose="020A0402060406010301" pitchFamily="18" charset="0"/>
+              </a:rPr>
+              <a:t>Background &amp; Context /Problem Statement</a:t>
+            </a:r>
+            <a:endParaRPr lang="en-IN" b="1" dirty="0">
+              <a:latin typeface="Castellar" panose="020A0402060406010301" pitchFamily="18" charset="0"/>
+            </a:endParaRPr>
+          </a:p>
+        </p:txBody>
+      </p:sp>
+      <p:sp>
+        <p:nvSpPr>
+          <p:cNvPr id="10" name="TextBox 9">
+            <a:extLst>
+              <a:ext uri="{FF2B5EF4-FFF2-40B4-BE49-F238E27FC236}">
+                <a16:creationId xmlns:a16="http://schemas.microsoft.com/office/drawing/2014/main" id="{C56BE427-3A45-0722-8ADB-6168535F1498}"/>
+              </a:ext>
+            </a:extLst>
+          </p:cNvPr>
+          <p:cNvSpPr txBox="1"/>
+          <p:nvPr/>
+        </p:nvSpPr>
+        <p:spPr>
+          <a:xfrm>
+            <a:off x="958645" y="1027906"/>
+            <a:ext cx="10274709" cy="3277820"/>
+          </a:xfrm>
+          <a:prstGeom prst="rect">
+            <a:avLst/>
+          </a:prstGeom>
+          <a:noFill/>
+        </p:spPr>
+        <p:txBody>
+          <a:bodyPr wrap="square" rtlCol="0">
+            <a:spAutoFit/>
+          </a:bodyPr>
+          <a:lstStyle/>
+          <a:p>
+            <a:pPr>
+              <a:lnSpc>
+                <a:spcPct val="150000"/>
+              </a:lnSpc>
+            </a:pPr>
+            <a:r>
+              <a:rPr lang="en-IN" b="1" dirty="0">
+                <a:latin typeface="Comic Sans MS" panose="030F0702030302020204" pitchFamily="66" charset="0"/>
+              </a:rPr>
+              <a:t>Desired Impact</a:t>
+            </a:r>
+          </a:p>
+          <a:p>
+            <a:pPr marL="285750" indent="-285750">
+              <a:lnSpc>
+                <a:spcPct val="150000"/>
+              </a:lnSpc>
+              <a:buFont typeface="Arial" panose="020B0604020202020204" pitchFamily="34" charset="0"/>
+              <a:buChar char="•"/>
+            </a:pPr>
+            <a:r>
+              <a:rPr lang="en-IN" dirty="0">
+                <a:latin typeface="Comic Sans MS" panose="030F0702030302020204" pitchFamily="66" charset="0"/>
+              </a:rPr>
+              <a:t>Numeracy Engagement: Transform passive arithmetic into curiosity-led exploration through daily play Interdisciplinary Thinking: </a:t>
+            </a:r>
+          </a:p>
+          <a:p>
+            <a:pPr marL="285750" indent="-285750">
+              <a:lnSpc>
+                <a:spcPct val="150000"/>
+              </a:lnSpc>
+              <a:buFont typeface="Arial" panose="020B0604020202020204" pitchFamily="34" charset="0"/>
+              <a:buChar char="•"/>
+            </a:pPr>
+            <a:r>
+              <a:rPr lang="en-IN" b="1" dirty="0">
+                <a:latin typeface="Comic Sans MS" panose="030F0702030302020204" pitchFamily="66" charset="0"/>
+              </a:rPr>
+              <a:t>Connect math to science, culture, history, and language Memory &amp; Recall</a:t>
+            </a:r>
+            <a:r>
+              <a:rPr lang="en-IN" dirty="0">
+                <a:latin typeface="Comic Sans MS" panose="030F0702030302020204" pitchFamily="66" charset="0"/>
+              </a:rPr>
+              <a:t>:</a:t>
+            </a:r>
+          </a:p>
+          <a:p>
+            <a:pPr marL="285750" indent="-285750">
+              <a:lnSpc>
+                <a:spcPct val="150000"/>
+              </a:lnSpc>
+              <a:buFont typeface="Arial" panose="020B0604020202020204" pitchFamily="34" charset="0"/>
+              <a:buChar char="•"/>
+            </a:pPr>
+            <a:r>
+              <a:rPr lang="en-IN" dirty="0">
+                <a:latin typeface="Comic Sans MS" panose="030F0702030302020204" pitchFamily="66" charset="0"/>
+              </a:rPr>
+              <a:t>Use surprise and delight to make numerical facts stick Equity in Access: Provide a lightweight, mobile-friendly learning tool for all types of learners Cognitive Confidence: </a:t>
+            </a:r>
+          </a:p>
+          <a:p>
+            <a:pPr marL="285750" indent="-285750">
+              <a:lnSpc>
+                <a:spcPct val="150000"/>
+              </a:lnSpc>
+              <a:buFont typeface="Arial" panose="020B0604020202020204" pitchFamily="34" charset="0"/>
+              <a:buChar char="•"/>
+            </a:pPr>
+            <a:r>
+              <a:rPr lang="en-IN" dirty="0">
+                <a:latin typeface="Comic Sans MS" panose="030F0702030302020204" pitchFamily="66" charset="0"/>
+              </a:rPr>
+              <a:t>Help students develop a positive emotional connection with numbers</a:t>
+            </a:r>
+          </a:p>
+          <a:p>
+            <a:endParaRPr lang="en-US" dirty="0"/>
+          </a:p>
+        </p:txBody>
+      </p:sp>
+    </p:spTree>
+    <p:extLst>
+      <p:ext uri="{BB962C8B-B14F-4D97-AF65-F5344CB8AC3E}">
+        <p14:creationId xmlns:p14="http://schemas.microsoft.com/office/powerpoint/2010/main" val="3669241044"/>
+      </p:ext>
+    </p:extLst>
+  </p:cSld>
+  <p:clrMapOvr>
+    <a:masterClrMapping/>
+  </p:clrMapOvr>
+</p:sld>
+</file>
+
+<file path=ppt/slides/slide6.xml><?xml version="1.0" encoding="utf-8"?>
+<p:sld xmlns:a="http://schemas.openxmlformats.org/drawingml/2006/main" xmlns:r="http://schemas.openxmlformats.org/officeDocument/2006/relationships" xmlns:p="http://schemas.openxmlformats.org/presentationml/2006/main">
+  <p:cSld>
+    <p:spTree>
+      <p:nvGrpSpPr>
+        <p:cNvPr id="1" name=""/>
+        <p:cNvGrpSpPr/>
+        <p:nvPr/>
+      </p:nvGrpSpPr>
+      <p:grpSpPr>
+        <a:xfrm>
+          <a:off x="0" y="0"/>
+          <a:ext cx="0" cy="0"/>
+          <a:chOff x="0" y="0"/>
+          <a:chExt cx="0" cy="0"/>
+        </a:xfrm>
+      </p:grpSpPr>
+      <p:sp>
+        <p:nvSpPr>
+          <p:cNvPr id="2" name="Title 1">
+            <a:extLst>
+              <a:ext uri="{FF2B5EF4-FFF2-40B4-BE49-F238E27FC236}">
+                <a16:creationId xmlns:a16="http://schemas.microsoft.com/office/drawing/2014/main" id="{C8E91080-C8B1-3C11-E38E-E0B56B860F2D}"/>
+              </a:ext>
+            </a:extLst>
+          </p:cNvPr>
+          <p:cNvSpPr>
+            <a:spLocks noGrp="1"/>
+          </p:cNvSpPr>
+          <p:nvPr>
+            <p:ph type="title"/>
+          </p:nvPr>
+        </p:nvSpPr>
+        <p:spPr/>
+        <p:txBody>
+          <a:bodyPr/>
+          <a:lstStyle/>
+          <a:p>
+            <a:endParaRPr lang="en-US"/>
+          </a:p>
+        </p:txBody>
+      </p:sp>
+      <p:sp>
+        <p:nvSpPr>
+          <p:cNvPr id="4" name="Date Placeholder 3">
+            <a:extLst>
+              <a:ext uri="{FF2B5EF4-FFF2-40B4-BE49-F238E27FC236}">
+                <a16:creationId xmlns:a16="http://schemas.microsoft.com/office/drawing/2014/main" id="{F419E10F-9BA3-4671-931A-1AE10F3BDB70}"/>
+              </a:ext>
+            </a:extLst>
+          </p:cNvPr>
+          <p:cNvSpPr>
+            <a:spLocks noGrp="1"/>
+          </p:cNvSpPr>
+          <p:nvPr>
+            <p:ph type="dt" sz="half" idx="10"/>
+          </p:nvPr>
+        </p:nvSpPr>
+        <p:spPr/>
+        <p:txBody>
+          <a:bodyPr/>
+          <a:lstStyle/>
+          <a:p>
+            <a:fld id="{11A10D73-B1C8-4950-AB52-4280F613E314}" type="datetime1">
+              <a:rPr lang="en-IN" smtClean="0"/>
+              <a:t>14-05-2025</a:t>
+            </a:fld>
+            <a:endParaRPr lang="en-IN"/>
+          </a:p>
+        </p:txBody>
+      </p:sp>
+      <p:sp>
+        <p:nvSpPr>
+          <p:cNvPr id="5" name="Slide Number Placeholder 4">
+            <a:extLst>
+              <a:ext uri="{FF2B5EF4-FFF2-40B4-BE49-F238E27FC236}">
+                <a16:creationId xmlns:a16="http://schemas.microsoft.com/office/drawing/2014/main" id="{9639457C-EBCE-8AD1-EB0E-CE25CA7BFD95}"/>
+              </a:ext>
+            </a:extLst>
+          </p:cNvPr>
+          <p:cNvSpPr>
+            <a:spLocks noGrp="1"/>
+          </p:cNvSpPr>
+          <p:nvPr>
+            <p:ph type="sldNum" sz="quarter" idx="12"/>
+          </p:nvPr>
+        </p:nvSpPr>
+        <p:spPr/>
+        <p:txBody>
+          <a:bodyPr/>
+          <a:lstStyle/>
+          <a:p>
+            <a:fld id="{3CCCCD15-A91D-4933-83FC-B538C647448D}" type="slidenum">
+              <a:rPr lang="en-IN" smtClean="0"/>
+              <a:t>6</a:t>
+            </a:fld>
+            <a:endParaRPr lang="en-IN"/>
+          </a:p>
+        </p:txBody>
+      </p:sp>
+      <p:pic>
+        <p:nvPicPr>
+          <p:cNvPr id="4098" name="Picture 2" descr="Powerpoint math for kids Background Template | PosterMyWall">
+            <a:extLst>
+              <a:ext uri="{FF2B5EF4-FFF2-40B4-BE49-F238E27FC236}">
+                <a16:creationId xmlns:a16="http://schemas.microsoft.com/office/drawing/2014/main" id="{2158792A-C6E0-EC82-C75F-5BBD7B3DBE4D}"/>
+              </a:ext>
+            </a:extLst>
+          </p:cNvPr>
+          <p:cNvPicPr>
+            <a:picLocks noGrp="1" noChangeAspect="1" noChangeArrowheads="1"/>
+          </p:cNvPicPr>
+          <p:nvPr>
+            <p:ph idx="1"/>
+          </p:nvPr>
+        </p:nvPicPr>
+        <p:blipFill>
+          <a:blip r:embed="rId2">
+            <a:extLst>
+              <a:ext uri="{28A0092B-C50C-407E-A947-70E740481C1C}">
+                <a14:useLocalDpi xmlns:a14="http://schemas.microsoft.com/office/drawing/2010/main" val="0"/>
+              </a:ext>
+            </a:extLst>
+          </a:blip>
+          <a:srcRect/>
+          <a:stretch>
+            <a:fillRect/>
+          </a:stretch>
+        </p:blipFill>
+        <p:spPr bwMode="auto">
+          <a:xfrm>
+            <a:off x="838200" y="365125"/>
+            <a:ext cx="10515600" cy="5917688"/>
+          </a:xfrm>
+          <a:prstGeom prst="rect">
+            <a:avLst/>
+          </a:prstGeom>
+          <a:noFill/>
+          <a:extLst>
+            <a:ext uri="{909E8E84-426E-40DD-AFC4-6F175D3DCCD1}">
+              <a14:hiddenFill xmlns:a14="http://schemas.microsoft.com/office/drawing/2010/main">
+                <a:solidFill>
+                  <a:srgbClr val="FFFFFF"/>
+                </a:solidFill>
+              </a14:hiddenFill>
+            </a:ext>
+          </a:extLst>
+        </p:spPr>
+      </p:pic>
+      <p:sp>
+        <p:nvSpPr>
+          <p:cNvPr id="7" name="TextBox 6">
+            <a:extLst>
+              <a:ext uri="{FF2B5EF4-FFF2-40B4-BE49-F238E27FC236}">
+                <a16:creationId xmlns:a16="http://schemas.microsoft.com/office/drawing/2014/main" id="{AC10C96C-AB61-8CD1-B458-A814EBA00D76}"/>
+              </a:ext>
+            </a:extLst>
+          </p:cNvPr>
+          <p:cNvSpPr txBox="1"/>
+          <p:nvPr/>
+        </p:nvSpPr>
+        <p:spPr>
+          <a:xfrm>
+            <a:off x="1258529" y="658574"/>
+            <a:ext cx="7226710" cy="369332"/>
+          </a:xfrm>
+          <a:prstGeom prst="rect">
+            <a:avLst/>
+          </a:prstGeom>
+          <a:noFill/>
+        </p:spPr>
+        <p:txBody>
+          <a:bodyPr wrap="square">
+            <a:spAutoFit/>
+          </a:bodyPr>
+          <a:lstStyle/>
+          <a:p>
+            <a:r>
+              <a:rPr lang="en-US" b="1" dirty="0">
+                <a:latin typeface="Castellar" panose="020A0402060406010301" pitchFamily="18" charset="0"/>
+              </a:rPr>
+              <a:t>Analysis and Workflow</a:t>
+            </a:r>
+            <a:endParaRPr lang="en-IN" b="1" dirty="0">
+              <a:latin typeface="Castellar" panose="020A0402060406010301" pitchFamily="18" charset="0"/>
+            </a:endParaRPr>
+          </a:p>
+        </p:txBody>
+      </p:sp>
+      <p:pic>
+        <p:nvPicPr>
+          <p:cNvPr id="8" name="Picture 7">
+            <a:extLst>
+              <a:ext uri="{FF2B5EF4-FFF2-40B4-BE49-F238E27FC236}">
+                <a16:creationId xmlns:a16="http://schemas.microsoft.com/office/drawing/2014/main" id="{DA88EA6F-40A3-9708-B1B2-ABC168C0E85B}"/>
+              </a:ext>
+            </a:extLst>
+          </p:cNvPr>
+          <p:cNvPicPr>
+            <a:picLocks noChangeAspect="1"/>
+          </p:cNvPicPr>
+          <p:nvPr/>
+        </p:nvPicPr>
+        <p:blipFill>
+          <a:blip r:embed="rId3"/>
+          <a:stretch>
+            <a:fillRect/>
+          </a:stretch>
+        </p:blipFill>
+        <p:spPr>
+          <a:xfrm>
+            <a:off x="1082777" y="1027906"/>
+            <a:ext cx="10026445" cy="3601859"/>
+          </a:xfrm>
+          <a:prstGeom prst="rect">
+            <a:avLst/>
+          </a:prstGeom>
+        </p:spPr>
+      </p:pic>
+      <p:sp>
+        <p:nvSpPr>
+          <p:cNvPr id="10" name="TextBox 9">
+            <a:extLst>
+              <a:ext uri="{FF2B5EF4-FFF2-40B4-BE49-F238E27FC236}">
+                <a16:creationId xmlns:a16="http://schemas.microsoft.com/office/drawing/2014/main" id="{9A3B6BE7-B46F-9095-4165-582649D2D33F}"/>
+              </a:ext>
+            </a:extLst>
+          </p:cNvPr>
+          <p:cNvSpPr txBox="1"/>
+          <p:nvPr/>
+        </p:nvSpPr>
+        <p:spPr>
+          <a:xfrm>
+            <a:off x="1189702" y="4398932"/>
+            <a:ext cx="9468465" cy="1200329"/>
+          </a:xfrm>
+          <a:prstGeom prst="rect">
+            <a:avLst/>
+          </a:prstGeom>
+          <a:noFill/>
+        </p:spPr>
+        <p:txBody>
+          <a:bodyPr wrap="square">
+            <a:spAutoFit/>
+          </a:bodyPr>
+          <a:lstStyle/>
+          <a:p>
+            <a:r>
+              <a:rPr lang="en-IN" b="1" dirty="0">
+                <a:latin typeface="Castellar" panose="020A0402060406010301" pitchFamily="18" charset="0"/>
+              </a:rPr>
+              <a:t>Code Reference:</a:t>
+            </a:r>
+          </a:p>
+          <a:p>
+            <a:endParaRPr lang="en-IN" b="1" dirty="0">
+              <a:latin typeface="Castellar" panose="020A0402060406010301" pitchFamily="18" charset="0"/>
+            </a:endParaRPr>
+          </a:p>
+          <a:p>
+            <a:pPr marL="285750" indent="-285750">
+              <a:buFont typeface="Wingdings" panose="05000000000000000000" pitchFamily="2" charset="2"/>
+              <a:buChar char="Ø"/>
+            </a:pPr>
+            <a:r>
+              <a:rPr lang="en-US" dirty="0">
+                <a:solidFill>
+                  <a:srgbClr val="0563C1"/>
+                </a:solidFill>
+                <a:hlinkClick r:id="rId4">
+                  <a:extLst>
+                    <a:ext uri="{A12FA001-AC4F-418D-AE19-62706E023703}">
+                      <ahyp:hlinkClr xmlns:ahyp="http://schemas.microsoft.com/office/drawing/2018/hyperlinkcolor" val="tx"/>
+                    </a:ext>
+                  </a:extLst>
+                </a:hlinkClick>
+              </a:rPr>
+              <a:t> </a:t>
+            </a:r>
+            <a:r>
+              <a:rPr lang="en-US" dirty="0" err="1">
+                <a:solidFill>
+                  <a:schemeClr val="accent1">
+                    <a:lumMod val="75000"/>
+                  </a:schemeClr>
+                </a:solidFill>
+                <a:latin typeface="Comic Sans MS" panose="030F0702030302020204" pitchFamily="66" charset="0"/>
+                <a:hlinkClick r:id="rId4">
+                  <a:extLst>
+                    <a:ext uri="{A12FA001-AC4F-418D-AE19-62706E023703}">
+                      <ahyp:hlinkClr xmlns:ahyp="http://schemas.microsoft.com/office/drawing/2018/hyperlinkcolor" val="tx"/>
+                    </a:ext>
+                  </a:extLst>
+                </a:hlinkClick>
+              </a:rPr>
+              <a:t>SwiftChat</a:t>
+            </a:r>
+            <a:r>
+              <a:rPr lang="en-US" dirty="0">
+                <a:solidFill>
+                  <a:schemeClr val="accent1">
+                    <a:lumMod val="75000"/>
+                  </a:schemeClr>
+                </a:solidFill>
+                <a:latin typeface="Comic Sans MS" panose="030F0702030302020204" pitchFamily="66" charset="0"/>
+                <a:hlinkClick r:id="rId4">
+                  <a:extLst>
+                    <a:ext uri="{A12FA001-AC4F-418D-AE19-62706E023703}">
+                      <ahyp:hlinkClr xmlns:ahyp="http://schemas.microsoft.com/office/drawing/2018/hyperlinkcolor" val="tx"/>
+                    </a:ext>
+                  </a:extLst>
+                </a:hlinkClick>
+              </a:rPr>
+              <a:t> Lite</a:t>
+            </a:r>
+            <a:endParaRPr lang="en-US" dirty="0">
+              <a:solidFill>
+                <a:schemeClr val="accent1">
+                  <a:lumMod val="75000"/>
+                </a:schemeClr>
+              </a:solidFill>
+              <a:latin typeface="Comic Sans MS" panose="030F0702030302020204" pitchFamily="66" charset="0"/>
+            </a:endParaRPr>
+          </a:p>
+          <a:p>
+            <a:pPr marL="285750" indent="-285750">
+              <a:buFont typeface="Wingdings" panose="05000000000000000000" pitchFamily="2" charset="2"/>
+              <a:buChar char="Ø"/>
+            </a:pPr>
+            <a:r>
+              <a:rPr lang="en-US" dirty="0">
+                <a:solidFill>
+                  <a:schemeClr val="accent1">
+                    <a:lumMod val="75000"/>
+                  </a:schemeClr>
+                </a:solidFill>
+                <a:latin typeface="Comic Sans MS" panose="030F0702030302020204" pitchFamily="66" charset="0"/>
+                <a:hlinkClick r:id="rId5">
+                  <a:extLst>
+                    <a:ext uri="{A12FA001-AC4F-418D-AE19-62706E023703}">
+                      <ahyp:hlinkClr xmlns:ahyp="http://schemas.microsoft.com/office/drawing/2018/hyperlinkcolor" val="tx"/>
+                    </a:ext>
+                  </a:extLst>
+                </a:hlinkClick>
+              </a:rPr>
+              <a:t>Get started with </a:t>
+            </a:r>
+            <a:r>
+              <a:rPr lang="en-US" dirty="0" err="1">
+                <a:solidFill>
+                  <a:schemeClr val="accent1">
+                    <a:lumMod val="75000"/>
+                  </a:schemeClr>
+                </a:solidFill>
+                <a:latin typeface="Comic Sans MS" panose="030F0702030302020204" pitchFamily="66" charset="0"/>
+                <a:hlinkClick r:id="rId5">
+                  <a:extLst>
+                    <a:ext uri="{A12FA001-AC4F-418D-AE19-62706E023703}">
+                      <ahyp:hlinkClr xmlns:ahyp="http://schemas.microsoft.com/office/drawing/2018/hyperlinkcolor" val="tx"/>
+                    </a:ext>
+                  </a:extLst>
+                </a:hlinkClick>
+              </a:rPr>
+              <a:t>swiftchat</a:t>
+            </a:r>
+            <a:r>
+              <a:rPr lang="en-US" dirty="0">
+                <a:solidFill>
+                  <a:schemeClr val="accent1">
+                    <a:lumMod val="75000"/>
+                  </a:schemeClr>
+                </a:solidFill>
+                <a:latin typeface="Comic Sans MS" panose="030F0702030302020204" pitchFamily="66" charset="0"/>
+                <a:hlinkClick r:id="rId5">
+                  <a:extLst>
+                    <a:ext uri="{A12FA001-AC4F-418D-AE19-62706E023703}">
+                      <ahyp:hlinkClr xmlns:ahyp="http://schemas.microsoft.com/office/drawing/2018/hyperlinkcolor" val="tx"/>
+                    </a:ext>
+                  </a:extLst>
+                </a:hlinkClick>
+              </a:rPr>
+              <a:t> — </a:t>
+            </a:r>
+            <a:r>
+              <a:rPr lang="en-US" dirty="0" err="1">
+                <a:solidFill>
+                  <a:schemeClr val="accent1">
+                    <a:lumMod val="75000"/>
+                  </a:schemeClr>
+                </a:solidFill>
+                <a:latin typeface="Comic Sans MS" panose="030F0702030302020204" pitchFamily="66" charset="0"/>
+                <a:hlinkClick r:id="rId5">
+                  <a:extLst>
+                    <a:ext uri="{A12FA001-AC4F-418D-AE19-62706E023703}">
+                      <ahyp:hlinkClr xmlns:ahyp="http://schemas.microsoft.com/office/drawing/2018/hyperlinkcolor" val="tx"/>
+                    </a:ext>
+                  </a:extLst>
+                </a:hlinkClick>
+              </a:rPr>
+              <a:t>SwiftChat</a:t>
+            </a:r>
+            <a:r>
+              <a:rPr lang="en-US" dirty="0">
+                <a:solidFill>
+                  <a:schemeClr val="accent1">
+                    <a:lumMod val="75000"/>
+                  </a:schemeClr>
+                </a:solidFill>
+                <a:latin typeface="Comic Sans MS" panose="030F0702030302020204" pitchFamily="66" charset="0"/>
+                <a:hlinkClick r:id="rId5">
+                  <a:extLst>
+                    <a:ext uri="{A12FA001-AC4F-418D-AE19-62706E023703}">
+                      <ahyp:hlinkClr xmlns:ahyp="http://schemas.microsoft.com/office/drawing/2018/hyperlinkcolor" val="tx"/>
+                    </a:ext>
+                  </a:extLst>
+                </a:hlinkClick>
+              </a:rPr>
+              <a:t>-Development-Guide 0.1 documentation</a:t>
+            </a:r>
+            <a:endParaRPr lang="en-US" dirty="0">
+              <a:solidFill>
+                <a:schemeClr val="accent1">
+                  <a:lumMod val="75000"/>
+                </a:schemeClr>
+              </a:solidFill>
+            </a:endParaRPr>
+          </a:p>
+        </p:txBody>
+      </p:sp>
+    </p:spTree>
+    <p:extLst>
+      <p:ext uri="{BB962C8B-B14F-4D97-AF65-F5344CB8AC3E}">
+        <p14:creationId xmlns:p14="http://schemas.microsoft.com/office/powerpoint/2010/main" val="486989806"/>
+      </p:ext>
+    </p:extLst>
+  </p:cSld>
+  <p:clrMapOvr>
+    <a:masterClrMapping/>
+  </p:clrMapOvr>
+</p:sld>
+</file>
+
+<file path=ppt/slides/slide7.xml><?xml version="1.0" encoding="utf-8"?>
+<p:sld xmlns:a="http://schemas.openxmlformats.org/drawingml/2006/main" xmlns:r="http://schemas.openxmlformats.org/officeDocument/2006/relationships" xmlns:p="http://schemas.openxmlformats.org/presentationml/2006/main">
+  <p:cSld>
+    <p:spTree>
+      <p:nvGrpSpPr>
+        <p:cNvPr id="1" name=""/>
+        <p:cNvGrpSpPr/>
+        <p:nvPr/>
+      </p:nvGrpSpPr>
+      <p:grpSpPr>
+        <a:xfrm>
+          <a:off x="0" y="0"/>
+          <a:ext cx="0" cy="0"/>
+          <a:chOff x="0" y="0"/>
+          <a:chExt cx="0" cy="0"/>
+        </a:xfrm>
+      </p:grpSpPr>
+      <p:sp>
+        <p:nvSpPr>
+          <p:cNvPr id="2" name="Title 1">
+            <a:extLst>
+              <a:ext uri="{FF2B5EF4-FFF2-40B4-BE49-F238E27FC236}">
+                <a16:creationId xmlns:a16="http://schemas.microsoft.com/office/drawing/2014/main" id="{5EE9F8D2-BB7A-A114-D826-37775F2BB9A5}"/>
+              </a:ext>
+            </a:extLst>
+          </p:cNvPr>
+          <p:cNvSpPr>
+            <a:spLocks noGrp="1"/>
+          </p:cNvSpPr>
+          <p:nvPr>
+            <p:ph type="title"/>
+          </p:nvPr>
+        </p:nvSpPr>
+        <p:spPr/>
+        <p:txBody>
+          <a:bodyPr/>
+          <a:lstStyle/>
+          <a:p>
+            <a:endParaRPr lang="en-US"/>
+          </a:p>
+        </p:txBody>
+      </p:sp>
+      <p:sp>
+        <p:nvSpPr>
+          <p:cNvPr id="3" name="Content Placeholder 2">
+            <a:extLst>
+              <a:ext uri="{FF2B5EF4-FFF2-40B4-BE49-F238E27FC236}">
+                <a16:creationId xmlns:a16="http://schemas.microsoft.com/office/drawing/2014/main" id="{27268FBA-1882-4AA5-8E32-8D02F2829E2F}"/>
+              </a:ext>
+            </a:extLst>
+          </p:cNvPr>
+          <p:cNvSpPr>
+            <a:spLocks noGrp="1"/>
+          </p:cNvSpPr>
+          <p:nvPr>
+            <p:ph idx="1"/>
+          </p:nvPr>
+        </p:nvSpPr>
+        <p:spPr/>
+        <p:txBody>
+          <a:bodyPr/>
+          <a:lstStyle/>
+          <a:p>
+            <a:endParaRPr lang="en-US"/>
+          </a:p>
+        </p:txBody>
+      </p:sp>
+      <p:sp>
+        <p:nvSpPr>
+          <p:cNvPr id="4" name="Date Placeholder 3">
+            <a:extLst>
+              <a:ext uri="{FF2B5EF4-FFF2-40B4-BE49-F238E27FC236}">
+                <a16:creationId xmlns:a16="http://schemas.microsoft.com/office/drawing/2014/main" id="{0A550F56-56C6-620A-6818-76F654E305F0}"/>
+              </a:ext>
+            </a:extLst>
+          </p:cNvPr>
+          <p:cNvSpPr>
+            <a:spLocks noGrp="1"/>
+          </p:cNvSpPr>
+          <p:nvPr>
+            <p:ph type="dt" sz="half" idx="10"/>
+          </p:nvPr>
+        </p:nvSpPr>
+        <p:spPr/>
+        <p:txBody>
+          <a:bodyPr/>
+          <a:lstStyle/>
+          <a:p>
+            <a:fld id="{11A10D73-B1C8-4950-AB52-4280F613E314}" type="datetime1">
+              <a:rPr lang="en-IN" smtClean="0"/>
+              <a:t>14-05-2025</a:t>
+            </a:fld>
+            <a:endParaRPr lang="en-IN"/>
+          </a:p>
+        </p:txBody>
+      </p:sp>
+      <p:sp>
+        <p:nvSpPr>
+          <p:cNvPr id="5" name="Slide Number Placeholder 4">
+            <a:extLst>
+              <a:ext uri="{FF2B5EF4-FFF2-40B4-BE49-F238E27FC236}">
+                <a16:creationId xmlns:a16="http://schemas.microsoft.com/office/drawing/2014/main" id="{312F9D8E-8679-5283-44D5-4D2045347B03}"/>
+              </a:ext>
+            </a:extLst>
+          </p:cNvPr>
+          <p:cNvSpPr>
+            <a:spLocks noGrp="1"/>
+          </p:cNvSpPr>
+          <p:nvPr>
+            <p:ph type="sldNum" sz="quarter" idx="12"/>
+          </p:nvPr>
+        </p:nvSpPr>
+        <p:spPr/>
+        <p:txBody>
+          <a:bodyPr/>
+          <a:lstStyle/>
+          <a:p>
+            <a:fld id="{3CCCCD15-A91D-4933-83FC-B538C647448D}" type="slidenum">
+              <a:rPr lang="en-IN" smtClean="0"/>
+              <a:t>7</a:t>
+            </a:fld>
+            <a:endParaRPr lang="en-IN"/>
+          </a:p>
+        </p:txBody>
+      </p:sp>
+      <p:pic>
+        <p:nvPicPr>
+          <p:cNvPr id="8194" name="Picture 2" descr="White Child Cute Cute Kid Nature Rain Powerpoint Background For Free  Download - Slidesdocs">
+            <a:extLst>
+              <a:ext uri="{FF2B5EF4-FFF2-40B4-BE49-F238E27FC236}">
+                <a16:creationId xmlns:a16="http://schemas.microsoft.com/office/drawing/2014/main" id="{86AC8173-F2A5-F114-3599-6B5CD8A45613}"/>
+              </a:ext>
+            </a:extLst>
+          </p:cNvPr>
+          <p:cNvPicPr>
+            <a:picLocks noChangeAspect="1" noChangeArrowheads="1"/>
+          </p:cNvPicPr>
+          <p:nvPr/>
+        </p:nvPicPr>
+        <p:blipFill>
+          <a:blip r:embed="rId2">
+            <a:extLst>
+              <a:ext uri="{28A0092B-C50C-407E-A947-70E740481C1C}">
+                <a14:useLocalDpi xmlns:a14="http://schemas.microsoft.com/office/drawing/2010/main" val="0"/>
+              </a:ext>
+            </a:extLst>
+          </a:blip>
+          <a:srcRect/>
+          <a:stretch>
+            <a:fillRect/>
+          </a:stretch>
+        </p:blipFill>
+        <p:spPr bwMode="auto">
+          <a:xfrm>
+            <a:off x="838200" y="365125"/>
+            <a:ext cx="10586884" cy="5811838"/>
+          </a:xfrm>
+          <a:prstGeom prst="rect">
+            <a:avLst/>
+          </a:prstGeom>
+          <a:noFill/>
+          <a:extLst>
+            <a:ext uri="{909E8E84-426E-40DD-AFC4-6F175D3DCCD1}">
+              <a14:hiddenFill xmlns:a14="http://schemas.microsoft.com/office/drawing/2010/main">
+                <a:solidFill>
+                  <a:srgbClr val="FFFFFF"/>
+                </a:solidFill>
+              </a14:hiddenFill>
+            </a:ext>
+          </a:extLst>
+        </p:spPr>
+      </p:pic>
+      <p:sp>
+        <p:nvSpPr>
+          <p:cNvPr id="9" name="TextBox 8">
+            <a:extLst>
+              <a:ext uri="{FF2B5EF4-FFF2-40B4-BE49-F238E27FC236}">
+                <a16:creationId xmlns:a16="http://schemas.microsoft.com/office/drawing/2014/main" id="{DA2F8CD6-9164-4C31-8FCC-38D54E74964C}"/>
+              </a:ext>
+            </a:extLst>
+          </p:cNvPr>
+          <p:cNvSpPr txBox="1"/>
+          <p:nvPr/>
+        </p:nvSpPr>
+        <p:spPr>
+          <a:xfrm>
+            <a:off x="2015613" y="658574"/>
+            <a:ext cx="6096000" cy="369332"/>
+          </a:xfrm>
+          <a:prstGeom prst="rect">
+            <a:avLst/>
+          </a:prstGeom>
+          <a:noFill/>
+        </p:spPr>
+        <p:txBody>
+          <a:bodyPr wrap="square">
+            <a:spAutoFit/>
+          </a:bodyPr>
+          <a:lstStyle/>
+          <a:p>
+            <a:r>
+              <a:rPr lang="en-US" b="1" dirty="0">
+                <a:latin typeface="Castellar" panose="020A0402060406010301" pitchFamily="18" charset="0"/>
+              </a:rPr>
+              <a:t>Final Outcome</a:t>
+            </a:r>
+            <a:endParaRPr lang="en-IN" b="1" dirty="0">
+              <a:latin typeface="Castellar" panose="020A0402060406010301" pitchFamily="18" charset="0"/>
+            </a:endParaRPr>
+          </a:p>
+        </p:txBody>
+      </p:sp>
+      <p:pic>
+        <p:nvPicPr>
+          <p:cNvPr id="10" name="Picture 9">
+            <a:extLst>
+              <a:ext uri="{FF2B5EF4-FFF2-40B4-BE49-F238E27FC236}">
+                <a16:creationId xmlns:a16="http://schemas.microsoft.com/office/drawing/2014/main" id="{576C4925-24CF-6F2A-476C-06700377290E}"/>
+              </a:ext>
+            </a:extLst>
+          </p:cNvPr>
+          <p:cNvPicPr>
+            <a:picLocks noChangeAspect="1"/>
+          </p:cNvPicPr>
+          <p:nvPr/>
+        </p:nvPicPr>
+        <p:blipFill>
+          <a:blip r:embed="rId3"/>
+          <a:stretch>
+            <a:fillRect/>
+          </a:stretch>
+        </p:blipFill>
+        <p:spPr>
+          <a:xfrm>
+            <a:off x="2015613" y="1423264"/>
+            <a:ext cx="8327922" cy="2422994"/>
+          </a:xfrm>
+          <a:prstGeom prst="rect">
+            <a:avLst/>
+          </a:prstGeom>
+        </p:spPr>
+      </p:pic>
+    </p:spTree>
+    <p:extLst>
+      <p:ext uri="{BB962C8B-B14F-4D97-AF65-F5344CB8AC3E}">
+        <p14:creationId xmlns:p14="http://schemas.microsoft.com/office/powerpoint/2010/main" val="1512195436"/>
       </p:ext>
     </p:extLst>
   </p:cSld>
@@ -5505,7 +6556,7 @@
         <p:cNvPr id="1" name="">
           <a:extLst>
             <a:ext uri="{FF2B5EF4-FFF2-40B4-BE49-F238E27FC236}">
-              <a16:creationId xmlns:a16="http://schemas.microsoft.com/office/drawing/2014/main" id="{58A1375C-251D-A261-60B1-739A234DE0F1}"/>
+              <a16:creationId xmlns:a16="http://schemas.microsoft.com/office/drawing/2014/main" id="{20003D24-30CE-20BA-39FF-49B1BB85CE24}"/>
             </a:ext>
           </a:extLst>
         </p:cNvPr>
@@ -5520,58 +6571,177 @@
           <a:chExt cx="0" cy="0"/>
         </a:xfrm>
       </p:grpSpPr>
-      <p:cxnSp>
-        <p:nvCxnSpPr>
-          <p:cNvPr id="5" name="Straight Connector 4">
-            <a:extLst>
-              <a:ext uri="{FF2B5EF4-FFF2-40B4-BE49-F238E27FC236}">
-                <a16:creationId xmlns:a16="http://schemas.microsoft.com/office/drawing/2014/main" id="{16D29600-C57C-DA50-3731-7D490B362E3D}"/>
-              </a:ext>
-            </a:extLst>
-          </p:cNvPr>
-          <p:cNvCxnSpPr/>
+      <p:sp>
+        <p:nvSpPr>
+          <p:cNvPr id="2" name="Title 1">
+            <a:extLst>
+              <a:ext uri="{FF2B5EF4-FFF2-40B4-BE49-F238E27FC236}">
+                <a16:creationId xmlns:a16="http://schemas.microsoft.com/office/drawing/2014/main" id="{D6565318-658E-AC4F-04A5-B85ABA76EF12}"/>
+              </a:ext>
+            </a:extLst>
+          </p:cNvPr>
+          <p:cNvSpPr>
+            <a:spLocks noGrp="1"/>
+          </p:cNvSpPr>
+          <p:nvPr>
+            <p:ph type="title"/>
+          </p:nvPr>
+        </p:nvSpPr>
+        <p:spPr/>
+        <p:txBody>
+          <a:bodyPr/>
+          <a:lstStyle/>
+          <a:p>
+            <a:endParaRPr lang="en-US"/>
+          </a:p>
+        </p:txBody>
+      </p:sp>
+      <p:sp>
+        <p:nvSpPr>
+          <p:cNvPr id="3" name="Content Placeholder 2">
+            <a:extLst>
+              <a:ext uri="{FF2B5EF4-FFF2-40B4-BE49-F238E27FC236}">
+                <a16:creationId xmlns:a16="http://schemas.microsoft.com/office/drawing/2014/main" id="{2C343BC2-70DD-3787-17BF-8BF31D395AE1}"/>
+              </a:ext>
+            </a:extLst>
+          </p:cNvPr>
+          <p:cNvSpPr>
+            <a:spLocks noGrp="1"/>
+          </p:cNvSpPr>
+          <p:nvPr>
+            <p:ph idx="1"/>
+          </p:nvPr>
+        </p:nvSpPr>
+        <p:spPr/>
+        <p:txBody>
+          <a:bodyPr/>
+          <a:lstStyle/>
+          <a:p>
+            <a:endParaRPr lang="en-US"/>
+          </a:p>
+        </p:txBody>
+      </p:sp>
+      <p:sp>
+        <p:nvSpPr>
+          <p:cNvPr id="4" name="Date Placeholder 3">
+            <a:extLst>
+              <a:ext uri="{FF2B5EF4-FFF2-40B4-BE49-F238E27FC236}">
+                <a16:creationId xmlns:a16="http://schemas.microsoft.com/office/drawing/2014/main" id="{788D1B56-F164-D3E8-66A6-5DE69A4A7F84}"/>
+              </a:ext>
+            </a:extLst>
+          </p:cNvPr>
+          <p:cNvSpPr>
+            <a:spLocks noGrp="1"/>
+          </p:cNvSpPr>
+          <p:nvPr>
+            <p:ph type="dt" sz="half" idx="10"/>
+          </p:nvPr>
+        </p:nvSpPr>
+        <p:spPr/>
+        <p:txBody>
+          <a:bodyPr/>
+          <a:lstStyle/>
+          <a:p>
+            <a:fld id="{11A10D73-B1C8-4950-AB52-4280F613E314}" type="datetime1">
+              <a:rPr lang="en-IN" smtClean="0"/>
+              <a:t>14-05-2025</a:t>
+            </a:fld>
+            <a:endParaRPr lang="en-IN"/>
+          </a:p>
+        </p:txBody>
+      </p:sp>
+      <p:sp>
+        <p:nvSpPr>
+          <p:cNvPr id="5" name="Slide Number Placeholder 4">
+            <a:extLst>
+              <a:ext uri="{FF2B5EF4-FFF2-40B4-BE49-F238E27FC236}">
+                <a16:creationId xmlns:a16="http://schemas.microsoft.com/office/drawing/2014/main" id="{EBA073C0-6921-8EBE-A452-0258A4D3D264}"/>
+              </a:ext>
+            </a:extLst>
+          </p:cNvPr>
+          <p:cNvSpPr>
+            <a:spLocks noGrp="1"/>
+          </p:cNvSpPr>
+          <p:nvPr>
+            <p:ph type="sldNum" sz="quarter" idx="12"/>
+          </p:nvPr>
+        </p:nvSpPr>
+        <p:spPr/>
+        <p:txBody>
+          <a:bodyPr/>
+          <a:lstStyle/>
+          <a:p>
+            <a:fld id="{3CCCCD15-A91D-4933-83FC-B538C647448D}" type="slidenum">
+              <a:rPr lang="en-IN" smtClean="0"/>
+              <a:t>8</a:t>
+            </a:fld>
+            <a:endParaRPr lang="en-IN"/>
+          </a:p>
+        </p:txBody>
+      </p:sp>
+      <p:pic>
+        <p:nvPicPr>
+          <p:cNvPr id="8194" name="Picture 2" descr="White Child Cute Cute Kid Nature Rain Powerpoint Background For Free  Download - Slidesdocs">
+            <a:extLst>
+              <a:ext uri="{FF2B5EF4-FFF2-40B4-BE49-F238E27FC236}">
+                <a16:creationId xmlns:a16="http://schemas.microsoft.com/office/drawing/2014/main" id="{5B4195FD-B28F-116C-1A05-995841243BFF}"/>
+              </a:ext>
+            </a:extLst>
+          </p:cNvPr>
+          <p:cNvPicPr>
+            <a:picLocks noChangeAspect="1" noChangeArrowheads="1"/>
+          </p:cNvPicPr>
           <p:nvPr/>
-        </p:nvCxnSpPr>
+        </p:nvPicPr>
+        <p:blipFill>
+          <a:blip r:embed="rId2">
+            <a:extLst>
+              <a:ext uri="{28A0092B-C50C-407E-A947-70E740481C1C}">
+                <a14:useLocalDpi xmlns:a14="http://schemas.microsoft.com/office/drawing/2010/main" val="0"/>
+              </a:ext>
+            </a:extLst>
+          </a:blip>
+          <a:srcRect/>
+          <a:stretch>
+            <a:fillRect/>
+          </a:stretch>
+        </p:blipFill>
+        <p:spPr bwMode="auto">
+          <a:xfrm>
+            <a:off x="838200" y="365125"/>
+            <a:ext cx="10586884" cy="5811838"/>
+          </a:xfrm>
+          <a:prstGeom prst="rect">
+            <a:avLst/>
+          </a:prstGeom>
+          <a:noFill/>
+          <a:extLst>
+            <a:ext uri="{909E8E84-426E-40DD-AFC4-6F175D3DCCD1}">
+              <a14:hiddenFill xmlns:a14="http://schemas.microsoft.com/office/drawing/2010/main">
+                <a:solidFill>
+                  <a:srgbClr val="FFFFFF"/>
+                </a:solidFill>
+              </a14:hiddenFill>
+            </a:ext>
+          </a:extLst>
+        </p:spPr>
+      </p:pic>
+      <p:sp>
+        <p:nvSpPr>
+          <p:cNvPr id="9" name="TextBox 8">
+            <a:extLst>
+              <a:ext uri="{FF2B5EF4-FFF2-40B4-BE49-F238E27FC236}">
+                <a16:creationId xmlns:a16="http://schemas.microsoft.com/office/drawing/2014/main" id="{305329F1-502E-1469-C67D-0460C4316F11}"/>
+              </a:ext>
+            </a:extLst>
+          </p:cNvPr>
+          <p:cNvSpPr txBox="1"/>
+          <p:nvPr/>
+        </p:nvSpPr>
         <p:spPr>
           <a:xfrm>
-            <a:off x="631372" y="1066800"/>
-            <a:ext cx="9873343" cy="0"/>
-          </a:xfrm>
-          <a:prstGeom prst="line">
-            <a:avLst/>
-          </a:prstGeom>
-        </p:spPr>
-        <p:style>
-          <a:lnRef idx="1">
-            <a:schemeClr val="accent2"/>
-          </a:lnRef>
-          <a:fillRef idx="0">
-            <a:schemeClr val="accent2"/>
-          </a:fillRef>
-          <a:effectRef idx="0">
-            <a:schemeClr val="accent2"/>
-          </a:effectRef>
-          <a:fontRef idx="minor">
-            <a:schemeClr val="tx1"/>
-          </a:fontRef>
-        </p:style>
-      </p:cxnSp>
-      <p:sp>
-        <p:nvSpPr>
-          <p:cNvPr id="6" name="TextBox 5">
-            <a:extLst>
-              <a:ext uri="{FF2B5EF4-FFF2-40B4-BE49-F238E27FC236}">
-                <a16:creationId xmlns:a16="http://schemas.microsoft.com/office/drawing/2014/main" id="{C3A0318F-1206-153D-A5B0-AF12B0F67B8A}"/>
-              </a:ext>
-            </a:extLst>
-          </p:cNvPr>
-          <p:cNvSpPr txBox="1"/>
-          <p:nvPr/>
-        </p:nvSpPr>
-        <p:spPr>
-          <a:xfrm>
-            <a:off x="631372" y="511629"/>
-            <a:ext cx="8882742" cy="380995"/>
+            <a:off x="2015613" y="658574"/>
+            <a:ext cx="6096000" cy="369332"/>
           </a:xfrm>
           <a:prstGeom prst="rect">
             <a:avLst/>
@@ -5579,23 +6749,87 @@
           <a:noFill/>
         </p:spPr>
         <p:txBody>
-          <a:bodyPr wrap="square" rtlCol="0">
+          <a:bodyPr wrap="square">
             <a:spAutoFit/>
           </a:bodyPr>
           <a:lstStyle/>
           <a:p>
             <a:r>
-              <a:rPr lang="en-US" b="1" dirty="0"/>
-              <a:t>Demo and Visual Presentation</a:t>
-            </a:r>
-            <a:endParaRPr lang="en-IN" b="1" dirty="0"/>
-          </a:p>
-        </p:txBody>
-      </p:sp>
+              <a:rPr lang="en-US" b="1" dirty="0">
+                <a:latin typeface="Castellar" panose="020A0402060406010301" pitchFamily="18" charset="0"/>
+              </a:rPr>
+              <a:t>Final Outcome</a:t>
+            </a:r>
+            <a:endParaRPr lang="en-IN" b="1" dirty="0">
+              <a:latin typeface="Castellar" panose="020A0402060406010301" pitchFamily="18" charset="0"/>
+            </a:endParaRPr>
+          </a:p>
+        </p:txBody>
+      </p:sp>
+      <p:pic>
+        <p:nvPicPr>
+          <p:cNvPr id="11" name="Picture 10">
+            <a:extLst>
+              <a:ext uri="{FF2B5EF4-FFF2-40B4-BE49-F238E27FC236}">
+                <a16:creationId xmlns:a16="http://schemas.microsoft.com/office/drawing/2014/main" id="{78BC1B0F-094E-9FD7-2D08-91C8681ACE6E}"/>
+              </a:ext>
+            </a:extLst>
+          </p:cNvPr>
+          <p:cNvPicPr>
+            <a:picLocks noChangeAspect="1"/>
+          </p:cNvPicPr>
+          <p:nvPr/>
+        </p:nvPicPr>
+        <p:blipFill>
+          <a:blip r:embed="rId3"/>
+          <a:stretch>
+            <a:fillRect/>
+          </a:stretch>
+        </p:blipFill>
+        <p:spPr>
+          <a:xfrm>
+            <a:off x="2325329" y="1027907"/>
+            <a:ext cx="7123471" cy="2283736"/>
+          </a:xfrm>
+          <a:prstGeom prst="rect">
+            <a:avLst/>
+          </a:prstGeom>
+        </p:spPr>
+      </p:pic>
+      <p:pic>
+        <p:nvPicPr>
+          <p:cNvPr id="7" name="Picture 6">
+            <a:extLst>
+              <a:ext uri="{FF2B5EF4-FFF2-40B4-BE49-F238E27FC236}">
+                <a16:creationId xmlns:a16="http://schemas.microsoft.com/office/drawing/2014/main" id="{18CD59B7-98ED-6610-4E5F-B4FE3A0A7DC1}"/>
+              </a:ext>
+            </a:extLst>
+          </p:cNvPr>
+          <p:cNvPicPr>
+            <a:picLocks noChangeAspect="1"/>
+          </p:cNvPicPr>
+          <p:nvPr/>
+        </p:nvPicPr>
+        <p:blipFill>
+          <a:blip r:embed="rId4"/>
+          <a:stretch>
+            <a:fillRect/>
+          </a:stretch>
+        </p:blipFill>
+        <p:spPr>
+          <a:xfrm>
+            <a:off x="2241755" y="3491030"/>
+            <a:ext cx="7895304" cy="2335301"/>
+          </a:xfrm>
+          <a:prstGeom prst="rect">
+            <a:avLst/>
+          </a:prstGeom>
+        </p:spPr>
+      </p:pic>
     </p:spTree>
     <p:extLst>
       <p:ext uri="{BB962C8B-B14F-4D97-AF65-F5344CB8AC3E}">
-        <p14:creationId xmlns:p14="http://schemas.microsoft.com/office/powerpoint/2010/main" val="944540291"/>
+        <p14:creationId xmlns:p14="http://schemas.microsoft.com/office/powerpoint/2010/main" val="1867568153"/>
       </p:ext>
     </p:extLst>
   </p:cSld>
@@ -5610,13 +6844,7 @@
   <p:cSld>
     <p:spTree>
       <p:nvGrpSpPr>
-        <p:cNvPr id="1" name="">
-          <a:extLst>
-            <a:ext uri="{FF2B5EF4-FFF2-40B4-BE49-F238E27FC236}">
-              <a16:creationId xmlns:a16="http://schemas.microsoft.com/office/drawing/2014/main" id="{04618A67-C336-2695-9CFC-46814605BBF8}"/>
-            </a:ext>
-          </a:extLst>
-        </p:cNvPr>
+        <p:cNvPr id="1" name=""/>
         <p:cNvGrpSpPr/>
         <p:nvPr/>
       </p:nvGrpSpPr>
@@ -5628,58 +6856,154 @@
           <a:chExt cx="0" cy="0"/>
         </a:xfrm>
       </p:grpSpPr>
-      <p:cxnSp>
-        <p:nvCxnSpPr>
-          <p:cNvPr id="5" name="Straight Connector 4">
-            <a:extLst>
-              <a:ext uri="{FF2B5EF4-FFF2-40B4-BE49-F238E27FC236}">
-                <a16:creationId xmlns:a16="http://schemas.microsoft.com/office/drawing/2014/main" id="{76E2F1F9-9594-9E59-15B8-78BB167AC79F}"/>
-              </a:ext>
-            </a:extLst>
-          </p:cNvPr>
-          <p:cNvCxnSpPr/>
+      <p:sp>
+        <p:nvSpPr>
+          <p:cNvPr id="2" name="Title 1">
+            <a:extLst>
+              <a:ext uri="{FF2B5EF4-FFF2-40B4-BE49-F238E27FC236}">
+                <a16:creationId xmlns:a16="http://schemas.microsoft.com/office/drawing/2014/main" id="{D9D811F7-347A-E56E-13D5-6FD658E5C954}"/>
+              </a:ext>
+            </a:extLst>
+          </p:cNvPr>
+          <p:cNvSpPr>
+            <a:spLocks noGrp="1"/>
+          </p:cNvSpPr>
+          <p:nvPr>
+            <p:ph type="title"/>
+          </p:nvPr>
+        </p:nvSpPr>
+        <p:spPr/>
+        <p:txBody>
+          <a:bodyPr/>
+          <a:lstStyle/>
+          <a:p>
+            <a:endParaRPr lang="en-US"/>
+          </a:p>
+        </p:txBody>
+      </p:sp>
+      <p:sp>
+        <p:nvSpPr>
+          <p:cNvPr id="4" name="Date Placeholder 3">
+            <a:extLst>
+              <a:ext uri="{FF2B5EF4-FFF2-40B4-BE49-F238E27FC236}">
+                <a16:creationId xmlns:a16="http://schemas.microsoft.com/office/drawing/2014/main" id="{9BEF7FA7-650E-32E6-E484-BF2B7E7A2793}"/>
+              </a:ext>
+            </a:extLst>
+          </p:cNvPr>
+          <p:cNvSpPr>
+            <a:spLocks noGrp="1"/>
+          </p:cNvSpPr>
+          <p:nvPr>
+            <p:ph type="dt" sz="half" idx="10"/>
+          </p:nvPr>
+        </p:nvSpPr>
+        <p:spPr/>
+        <p:txBody>
+          <a:bodyPr/>
+          <a:lstStyle/>
+          <a:p>
+            <a:fld id="{11A10D73-B1C8-4950-AB52-4280F613E314}" type="datetime1">
+              <a:rPr lang="en-IN" smtClean="0"/>
+              <a:t>14-05-2025</a:t>
+            </a:fld>
+            <a:endParaRPr lang="en-IN"/>
+          </a:p>
+        </p:txBody>
+      </p:sp>
+      <p:sp>
+        <p:nvSpPr>
+          <p:cNvPr id="5" name="Slide Number Placeholder 4">
+            <a:extLst>
+              <a:ext uri="{FF2B5EF4-FFF2-40B4-BE49-F238E27FC236}">
+                <a16:creationId xmlns:a16="http://schemas.microsoft.com/office/drawing/2014/main" id="{4356E3B3-A2B2-31EE-F780-6032671D8269}"/>
+              </a:ext>
+            </a:extLst>
+          </p:cNvPr>
+          <p:cNvSpPr>
+            <a:spLocks noGrp="1"/>
+          </p:cNvSpPr>
+          <p:nvPr>
+            <p:ph type="sldNum" sz="quarter" idx="12"/>
+          </p:nvPr>
+        </p:nvSpPr>
+        <p:spPr/>
+        <p:txBody>
+          <a:bodyPr/>
+          <a:lstStyle/>
+          <a:p>
+            <a:fld id="{3CCCCD15-A91D-4933-83FC-B538C647448D}" type="slidenum">
+              <a:rPr lang="en-IN" smtClean="0"/>
+              <a:t>9</a:t>
+            </a:fld>
+            <a:endParaRPr lang="en-IN"/>
+          </a:p>
+        </p:txBody>
+      </p:sp>
+      <p:pic>
+        <p:nvPicPr>
+          <p:cNvPr id="9218" name="Picture 2" descr="Spring Minimalist Cartoon Illustration Hand Painted Childrens Fun Back To  School Ppt Poster Background, Small Fresh, Yellow, White Background Image  And Wallpaper for Free Download">
+            <a:extLst>
+              <a:ext uri="{FF2B5EF4-FFF2-40B4-BE49-F238E27FC236}">
+                <a16:creationId xmlns:a16="http://schemas.microsoft.com/office/drawing/2014/main" id="{88DC37A9-6346-18E0-B796-B1907DD231C3}"/>
+              </a:ext>
+            </a:extLst>
+          </p:cNvPr>
+          <p:cNvPicPr>
+            <a:picLocks noGrp="1" noChangeAspect="1" noChangeArrowheads="1"/>
+          </p:cNvPicPr>
+          <p:nvPr>
+            <p:ph idx="1"/>
+          </p:nvPr>
+        </p:nvPicPr>
+        <p:blipFill>
+          <a:blip r:embed="rId2">
+            <a:extLst>
+              <a:ext uri="{28A0092B-C50C-407E-A947-70E740481C1C}">
+                <a14:useLocalDpi xmlns:a14="http://schemas.microsoft.com/office/drawing/2010/main" val="0"/>
+              </a:ext>
+            </a:extLst>
+          </a:blip>
+          <a:srcRect/>
+          <a:stretch>
+            <a:fillRect/>
+          </a:stretch>
+        </p:blipFill>
+        <p:spPr bwMode="auto">
+          <a:xfrm>
+            <a:off x="838200" y="365124"/>
+            <a:ext cx="10515600" cy="5991225"/>
+          </a:xfrm>
+          <a:prstGeom prst="rect">
+            <a:avLst/>
+          </a:prstGeom>
+          <a:noFill/>
+          <a:extLst>
+            <a:ext uri="{909E8E84-426E-40DD-AFC4-6F175D3DCCD1}">
+              <a14:hiddenFill xmlns:a14="http://schemas.microsoft.com/office/drawing/2010/main">
+                <a:solidFill>
+                  <a:srgbClr val="FFFFFF"/>
+                </a:solidFill>
+              </a14:hiddenFill>
+            </a:ext>
+          </a:extLst>
+        </p:spPr>
+      </p:pic>
+      <p:sp>
+        <p:nvSpPr>
+          <p:cNvPr id="7" name="TextBox 6">
+            <a:extLst>
+              <a:ext uri="{FF2B5EF4-FFF2-40B4-BE49-F238E27FC236}">
+                <a16:creationId xmlns:a16="http://schemas.microsoft.com/office/drawing/2014/main" id="{27C055A8-9C7C-98A9-36A8-B2114A26D3C5}"/>
+              </a:ext>
+            </a:extLst>
+          </p:cNvPr>
+          <p:cNvSpPr txBox="1"/>
           <p:nvPr/>
-        </p:nvCxnSpPr>
+        </p:nvSpPr>
         <p:spPr>
           <a:xfrm>
-            <a:off x="631372" y="1066800"/>
-            <a:ext cx="9873343" cy="0"/>
-          </a:xfrm>
-          <a:prstGeom prst="line">
-            <a:avLst/>
-          </a:prstGeom>
-        </p:spPr>
-        <p:style>
-          <a:lnRef idx="1">
-            <a:schemeClr val="accent2"/>
-          </a:lnRef>
-          <a:fillRef idx="0">
-            <a:schemeClr val="accent2"/>
-          </a:fillRef>
-          <a:effectRef idx="0">
-            <a:schemeClr val="accent2"/>
-          </a:effectRef>
-          <a:fontRef idx="minor">
-            <a:schemeClr val="tx1"/>
-          </a:fontRef>
-        </p:style>
-      </p:cxnSp>
-      <p:sp>
-        <p:nvSpPr>
-          <p:cNvPr id="6" name="TextBox 5">
-            <a:extLst>
-              <a:ext uri="{FF2B5EF4-FFF2-40B4-BE49-F238E27FC236}">
-                <a16:creationId xmlns:a16="http://schemas.microsoft.com/office/drawing/2014/main" id="{738D79B7-1F2B-1930-F4AC-1BFB5143A668}"/>
-              </a:ext>
-            </a:extLst>
-          </p:cNvPr>
-          <p:cNvSpPr txBox="1"/>
-          <p:nvPr/>
-        </p:nvSpPr>
-        <p:spPr>
-          <a:xfrm>
-            <a:off x="631372" y="511629"/>
-            <a:ext cx="8882742" cy="380995"/>
+            <a:off x="1435510" y="658574"/>
+            <a:ext cx="6096000" cy="369332"/>
           </a:xfrm>
           <a:prstGeom prst="rect">
             <a:avLst/>
@@ -5687,23 +7011,88 @@
           <a:noFill/>
         </p:spPr>
         <p:txBody>
-          <a:bodyPr wrap="square" rtlCol="0">
+          <a:bodyPr wrap="square">
             <a:spAutoFit/>
           </a:bodyPr>
           <a:lstStyle/>
           <a:p>
             <a:r>
-              <a:rPr lang="en-US" b="1" dirty="0"/>
-              <a:t>Final Outcome</a:t>
-            </a:r>
-            <a:endParaRPr lang="en-IN" b="1" dirty="0"/>
+              <a:rPr lang="en-US" b="1" dirty="0">
+                <a:latin typeface="Castellar" panose="020A0402060406010301" pitchFamily="18" charset="0"/>
+              </a:rPr>
+              <a:t>References</a:t>
+            </a:r>
+            <a:endParaRPr lang="en-IN" b="1" dirty="0">
+              <a:latin typeface="Castellar" panose="020A0402060406010301" pitchFamily="18" charset="0"/>
+            </a:endParaRPr>
+          </a:p>
+        </p:txBody>
+      </p:sp>
+      <p:sp>
+        <p:nvSpPr>
+          <p:cNvPr id="9" name="TextBox 8">
+            <a:extLst>
+              <a:ext uri="{FF2B5EF4-FFF2-40B4-BE49-F238E27FC236}">
+                <a16:creationId xmlns:a16="http://schemas.microsoft.com/office/drawing/2014/main" id="{3D6CC8B9-FD63-4F68-578A-848B63AD2F77}"/>
+              </a:ext>
+            </a:extLst>
+          </p:cNvPr>
+          <p:cNvSpPr txBox="1"/>
+          <p:nvPr/>
+        </p:nvSpPr>
+        <p:spPr>
+          <a:xfrm>
+            <a:off x="1582994" y="1103768"/>
+            <a:ext cx="6096000" cy="880369"/>
+          </a:xfrm>
+          <a:prstGeom prst="rect">
+            <a:avLst/>
+          </a:prstGeom>
+          <a:noFill/>
+        </p:spPr>
+        <p:txBody>
+          <a:bodyPr wrap="square">
+            <a:spAutoFit/>
+          </a:bodyPr>
+          <a:lstStyle/>
+          <a:p>
+            <a:pPr marL="342900" indent="-342900">
+              <a:lnSpc>
+                <a:spcPct val="150000"/>
+              </a:lnSpc>
+              <a:buFont typeface="+mj-lt"/>
+              <a:buAutoNum type="arabicPeriod"/>
+            </a:pPr>
+            <a:r>
+              <a:rPr lang="en-IN" dirty="0">
+                <a:hlinkClick r:id="rId3"/>
+              </a:rPr>
+              <a:t>GitHub - Code4Bharat-2025/demo</a:t>
+            </a:r>
+            <a:endParaRPr lang="en-IN" dirty="0"/>
+          </a:p>
+          <a:p>
+            <a:pPr marL="342900" indent="-342900">
+              <a:lnSpc>
+                <a:spcPct val="150000"/>
+              </a:lnSpc>
+              <a:buFont typeface="+mj-lt"/>
+              <a:buAutoNum type="arabicPeriod"/>
+            </a:pPr>
+            <a:r>
+              <a:rPr lang="en-IN" dirty="0">
+                <a:hlinkClick r:id="rId4"/>
+              </a:rPr>
+              <a:t>http://numbersapi.com/</a:t>
+            </a:r>
+            <a:endParaRPr lang="en-IN" dirty="0"/>
           </a:p>
         </p:txBody>
       </p:sp>
     </p:spTree>
     <p:extLst>
       <p:ext uri="{BB962C8B-B14F-4D97-AF65-F5344CB8AC3E}">
-        <p14:creationId xmlns:p14="http://schemas.microsoft.com/office/powerpoint/2010/main" val="3936526641"/>
+        <p14:creationId xmlns:p14="http://schemas.microsoft.com/office/powerpoint/2010/main" val="864532343"/>
       </p:ext>
     </p:extLst>
   </p:cSld>
@@ -5716,7 +7105,7 @@
 <file path=ppt/theme/theme1.xml><?xml version="1.0" encoding="utf-8"?>
 <a:theme xmlns:a="http://schemas.openxmlformats.org/drawingml/2006/main" name="Office Theme">
   <a:themeElements>
-    <a:clrScheme name="Office Theme">
+    <a:clrScheme name="Office">
       <a:dk1>
         <a:sysClr val="windowText" lastClr="000000"/>
       </a:dk1>
@@ -5730,22 +7119,22 @@
         <a:srgbClr val="E7E6E6"/>
       </a:lt2>
       <a:accent1>
-        <a:srgbClr val="1D9A78"/>
+        <a:srgbClr val="4472C4"/>
       </a:accent1>
       <a:accent2>
-        <a:srgbClr val="8BC145"/>
+        <a:srgbClr val="ED7D31"/>
       </a:accent2>
       <a:accent3>
-        <a:srgbClr val="36AFCE"/>
+        <a:srgbClr val="A5A5A5"/>
       </a:accent3>
       <a:accent4>
-        <a:srgbClr val="1D6FA9"/>
+        <a:srgbClr val="FFC000"/>
       </a:accent4>
       <a:accent5>
-        <a:srgbClr val="B74919"/>
+        <a:srgbClr val="5B9BD5"/>
       </a:accent5>
       <a:accent6>
-        <a:srgbClr val="F19D19"/>
+        <a:srgbClr val="70AD47"/>
       </a:accent6>
       <a:hlink>
         <a:srgbClr val="0563C1"/>
@@ -5754,7 +7143,7 @@
         <a:srgbClr val="954F72"/>
       </a:folHlink>
     </a:clrScheme>
-    <a:fontScheme name="Office Theme">
+    <a:fontScheme name="Office">
       <a:majorFont>
         <a:latin typeface="Calibri Light" panose="020F0302020204030204"/>
         <a:ea typeface=""/>
@@ -5789,6 +7178,23 @@
         <a:font script="Viet" typeface="Times New Roman"/>
         <a:font script="Uigh" typeface="Microsoft Uighur"/>
         <a:font script="Geor" typeface="Sylfaen"/>
+        <a:font script="Armn" typeface="Arial"/>
+        <a:font script="Bugi" typeface="Leelawadee UI"/>
+        <a:font script="Bopo" typeface="Microsoft JhengHei"/>
+        <a:font script="Java" typeface="Javanese Text"/>
+        <a:font script="Lisu" typeface="Segoe UI"/>
+        <a:font script="Mymr" typeface="Myanmar Text"/>
+        <a:font script="Nkoo" typeface="Ebrima"/>
+        <a:font script="Olck" typeface="Nirmala UI"/>
+        <a:font script="Osma" typeface="Ebrima"/>
+        <a:font script="Phag" typeface="Phagspa"/>
+        <a:font script="Syrn" typeface="Estrangelo Edessa"/>
+        <a:font script="Syrj" typeface="Estrangelo Edessa"/>
+        <a:font script="Syre" typeface="Estrangelo Edessa"/>
+        <a:font script="Sora" typeface="Nirmala UI"/>
+        <a:font script="Tale" typeface="Microsoft Tai Le"/>
+        <a:font script="Talu" typeface="Microsoft New Tai Lue"/>
+        <a:font script="Tfng" typeface="Ebrima"/>
       </a:majorFont>
       <a:minorFont>
         <a:latin typeface="Calibri" panose="020F0502020204030204"/>
@@ -5824,9 +7230,26 @@
         <a:font script="Viet" typeface="Arial"/>
         <a:font script="Uigh" typeface="Microsoft Uighur"/>
         <a:font script="Geor" typeface="Sylfaen"/>
+        <a:font script="Armn" typeface="Arial"/>
+        <a:font script="Bugi" typeface="Leelawadee UI"/>
+        <a:font script="Bopo" typeface="Microsoft JhengHei"/>
+        <a:font script="Java" typeface="Javanese Text"/>
+        <a:font script="Lisu" typeface="Segoe UI"/>
+        <a:font script="Mymr" typeface="Myanmar Text"/>
+        <a:font script="Nkoo" typeface="Ebrima"/>
+        <a:font script="Olck" typeface="Nirmala UI"/>
+        <a:font script="Osma" typeface="Ebrima"/>
+        <a:font script="Phag" typeface="Phagspa"/>
+        <a:font script="Syrn" typeface="Estrangelo Edessa"/>
+        <a:font script="Syrj" typeface="Estrangelo Edessa"/>
+        <a:font script="Syre" typeface="Estrangelo Edessa"/>
+        <a:font script="Sora" typeface="Nirmala UI"/>
+        <a:font script="Tale" typeface="Microsoft Tai Le"/>
+        <a:font script="Talu" typeface="Microsoft New Tai Lue"/>
+        <a:font script="Tfng" typeface="Ebrima"/>
       </a:minorFont>
     </a:fontScheme>
-    <a:fmtScheme name="Office Theme">
+    <a:fmtScheme name="Office">
       <a:fillStyleLst>
         <a:solidFill>
           <a:schemeClr val="phClr"/>
@@ -5968,7 +7391,7 @@
   <a:extraClrSchemeLst/>
   <a:extLst>
     <a:ext uri="{05A4C25C-085E-4340-85A3-A5531E510DB2}">
-      <thm15:themeFamily xmlns:thm15="http://schemas.microsoft.com/office/thememl/2012/main" name="Office 2013 - 2022 Theme" id="{62F939B6-93AF-4DB8-9C6B-D6C7DFDC589F}" vid="{AE6F2518-B084-4896-AF52-66CC2144AA26}"/>
+      <thm15:themeFamily xmlns:thm15="http://schemas.microsoft.com/office/thememl/2012/main" name="Office Theme" id="{62F939B6-93AF-4DB8-9C6B-D6C7DFDC589F}" vid="{4A3C46E8-61CC-4603-A589-7422A47A8E4A}"/>
     </a:ext>
   </a:extLst>
 </a:theme>
